--- a/Tables/Metabeast.pptx
+++ b/Tables/Metabeast.pptx
@@ -3036,7 +3036,7 @@
                           <a:ea typeface="DejaVu Sans"/>
                           <a:sym typeface="DejaVu Sans"/>
                         </a:rPr>
-                        <a:t>0.0080</a:t>
+                        <a:t>0.0078</a:t>
                       </a:r>
                     </a:p>
                   </a:txBody>
@@ -3097,7 +3097,7 @@
                           <a:ea typeface="DejaVu Sans"/>
                           <a:sym typeface="DejaVu Sans"/>
                         </a:rPr>
-                        <a:t>1.5</a:t>
+                        <a:t>1.4</a:t>
                       </a:r>
                     </a:p>
                   </a:txBody>
@@ -3158,7 +3158,7 @@
                           <a:ea typeface="DejaVu Sans"/>
                           <a:sym typeface="DejaVu Sans"/>
                         </a:rPr>
-                        <a:t>0.20</a:t>
+                        <a:t>0.23</a:t>
                       </a:r>
                     </a:p>
                   </a:txBody>
@@ -3219,7 +3219,7 @@
                           <a:ea typeface="DejaVu Sans"/>
                           <a:sym typeface="DejaVu Sans"/>
                         </a:rPr>
-                        <a:t>1.0</a:t>
+                        <a:t>0.32</a:t>
                       </a:r>
                     </a:p>
                   </a:txBody>
@@ -3542,202 +3542,202 @@
                           <a:ea typeface="DejaVu Sans"/>
                           <a:sym typeface="DejaVu Sans"/>
                         </a:rPr>
-                        <a:t>0.031</a:t>
-                      </a:r>
-                    </a:p>
-                  </a:txBody>
-                  <a:tcPr anchor="ctr" marB="63500" marT="63500" marR="0" marL="0">
-                    <a:lnL algn="ctr" cmpd="sng" cap="flat" w="0">
-                      <a:noFill/>
-                      <a:prstDash val="solid"/>
-                    </a:lnL>
-                    <a:lnR algn="ctr" cmpd="sng" cap="flat" w="0">
-                      <a:noFill/>
-                      <a:prstDash val="solid"/>
-                    </a:lnR>
-                    <a:lnT algn="ctr" cmpd="sng" cap="flat" w="9525">
-                      <a:solidFill>
-                        <a:srgbClr val="666666">
-                          <a:alpha val="100000"/>
-                        </a:srgbClr>
-                      </a:solidFill>
-                      <a:prstDash val="solid"/>
-                    </a:lnT>
-                    <a:lnB algn="ctr" cmpd="sng" cap="flat" w="9525">
-                      <a:solidFill>
-                        <a:srgbClr val="666666">
-                          <a:alpha val="100000"/>
-                        </a:srgbClr>
-                      </a:solidFill>
-                      <a:prstDash val="solid"/>
-                    </a:lnB>
-                    <a:solidFill>
-                      <a:srgbClr val="FFFFFF">
-                        <a:alpha val="0"/>
-                      </a:srgbClr>
-                    </a:solidFill>
-                  </a:tcPr>
-                </a:tc>
-                <a:tc>
-                  <a:txBody>
-                    <a:bodyPr/>
-                    <a:lstStyle/>
-                    <a:p>
-                      <a:pPr algn="l" marL="63500" marR="63500">
-                        <a:lnSpc>
-                          <a:spcPct val="100000"/>
-                        </a:lnSpc>
-                        <a:spcBef>
-                          <a:spcPts val="500"/>
-                        </a:spcBef>
-                        <a:spcAft>
-                          <a:spcPts val="500"/>
-                        </a:spcAft>
-                        <a:buNone/>
-                      </a:pPr>
-                      <a:r>
-                        <a:rPr cap="none" sz="1100" i="0" b="0" u="none">
-                          <a:solidFill>
-                            <a:srgbClr val="000000">
-                              <a:alpha val="100000"/>
-                            </a:srgbClr>
-                          </a:solidFill>
-                          <a:latin typeface="DejaVu Sans"/>
-                          <a:cs typeface="DejaVu Sans"/>
-                          <a:ea typeface="DejaVu Sans"/>
-                          <a:sym typeface="DejaVu Sans"/>
-                        </a:rPr>
-                        <a:t>0.80</a:t>
-                      </a:r>
-                    </a:p>
-                  </a:txBody>
-                  <a:tcPr anchor="ctr" marB="63500" marT="63500" marR="0" marL="0">
-                    <a:lnL algn="ctr" cmpd="sng" cap="flat" w="0">
-                      <a:noFill/>
-                      <a:prstDash val="solid"/>
-                    </a:lnL>
-                    <a:lnR algn="ctr" cmpd="sng" cap="flat" w="0">
-                      <a:noFill/>
-                      <a:prstDash val="solid"/>
-                    </a:lnR>
-                    <a:lnT algn="ctr" cmpd="sng" cap="flat" w="9525">
-                      <a:solidFill>
-                        <a:srgbClr val="666666">
-                          <a:alpha val="100000"/>
-                        </a:srgbClr>
-                      </a:solidFill>
-                      <a:prstDash val="solid"/>
-                    </a:lnT>
-                    <a:lnB algn="ctr" cmpd="sng" cap="flat" w="9525">
-                      <a:solidFill>
-                        <a:srgbClr val="666666">
-                          <a:alpha val="100000"/>
-                        </a:srgbClr>
-                      </a:solidFill>
-                      <a:prstDash val="solid"/>
-                    </a:lnB>
-                    <a:solidFill>
-                      <a:srgbClr val="FFFFFF">
-                        <a:alpha val="0"/>
-                      </a:srgbClr>
-                    </a:solidFill>
-                  </a:tcPr>
-                </a:tc>
-                <a:tc>
-                  <a:txBody>
-                    <a:bodyPr/>
-                    <a:lstStyle/>
-                    <a:p>
-                      <a:pPr algn="l" marL="63500" marR="63500">
-                        <a:lnSpc>
-                          <a:spcPct val="100000"/>
-                        </a:lnSpc>
-                        <a:spcBef>
-                          <a:spcPts val="500"/>
-                        </a:spcBef>
-                        <a:spcAft>
-                          <a:spcPts val="500"/>
-                        </a:spcAft>
-                        <a:buNone/>
-                      </a:pPr>
-                      <a:r>
-                        <a:rPr cap="none" sz="1100" i="0" b="0" u="none">
-                          <a:solidFill>
-                            <a:srgbClr val="000000">
-                              <a:alpha val="100000"/>
-                            </a:srgbClr>
-                          </a:solidFill>
-                          <a:latin typeface="DejaVu Sans"/>
-                          <a:cs typeface="DejaVu Sans"/>
-                          <a:ea typeface="DejaVu Sans"/>
-                          <a:sym typeface="DejaVu Sans"/>
-                        </a:rPr>
-                        <a:t>0.61</a:t>
-                      </a:r>
-                    </a:p>
-                  </a:txBody>
-                  <a:tcPr anchor="ctr" marB="63500" marT="63500" marR="0" marL="0">
-                    <a:lnL algn="ctr" cmpd="sng" cap="flat" w="0">
-                      <a:noFill/>
-                      <a:prstDash val="solid"/>
-                    </a:lnL>
-                    <a:lnR algn="ctr" cmpd="sng" cap="flat" w="0">
-                      <a:noFill/>
-                      <a:prstDash val="solid"/>
-                    </a:lnR>
-                    <a:lnT algn="ctr" cmpd="sng" cap="flat" w="9525">
-                      <a:solidFill>
-                        <a:srgbClr val="666666">
-                          <a:alpha val="100000"/>
-                        </a:srgbClr>
-                      </a:solidFill>
-                      <a:prstDash val="solid"/>
-                    </a:lnT>
-                    <a:lnB algn="ctr" cmpd="sng" cap="flat" w="9525">
-                      <a:solidFill>
-                        <a:srgbClr val="666666">
-                          <a:alpha val="100000"/>
-                        </a:srgbClr>
-                      </a:solidFill>
-                      <a:prstDash val="solid"/>
-                    </a:lnB>
-                    <a:solidFill>
-                      <a:srgbClr val="FFFFFF">
-                        <a:alpha val="0"/>
-                      </a:srgbClr>
-                    </a:solidFill>
-                  </a:tcPr>
-                </a:tc>
-                <a:tc>
-                  <a:txBody>
-                    <a:bodyPr/>
-                    <a:lstStyle/>
-                    <a:p>
-                      <a:pPr algn="l" marL="63500" marR="63500">
-                        <a:lnSpc>
-                          <a:spcPct val="100000"/>
-                        </a:lnSpc>
-                        <a:spcBef>
-                          <a:spcPts val="500"/>
-                        </a:spcBef>
-                        <a:spcAft>
-                          <a:spcPts val="500"/>
-                        </a:spcAft>
-                        <a:buNone/>
-                      </a:pPr>
-                      <a:r>
-                        <a:rPr cap="none" sz="1100" i="0" b="0" u="none">
-                          <a:solidFill>
-                            <a:srgbClr val="000000">
-                              <a:alpha val="100000"/>
-                            </a:srgbClr>
-                          </a:solidFill>
-                          <a:latin typeface="DejaVu Sans"/>
-                          <a:cs typeface="DejaVu Sans"/>
-                          <a:ea typeface="DejaVu Sans"/>
-                          <a:sym typeface="DejaVu Sans"/>
-                        </a:rPr>
-                        <a:t>1.0</a:t>
+                        <a:t>0.030</a:t>
+                      </a:r>
+                    </a:p>
+                  </a:txBody>
+                  <a:tcPr anchor="ctr" marB="63500" marT="63500" marR="0" marL="0">
+                    <a:lnL algn="ctr" cmpd="sng" cap="flat" w="0">
+                      <a:noFill/>
+                      <a:prstDash val="solid"/>
+                    </a:lnL>
+                    <a:lnR algn="ctr" cmpd="sng" cap="flat" w="0">
+                      <a:noFill/>
+                      <a:prstDash val="solid"/>
+                    </a:lnR>
+                    <a:lnT algn="ctr" cmpd="sng" cap="flat" w="9525">
+                      <a:solidFill>
+                        <a:srgbClr val="666666">
+                          <a:alpha val="100000"/>
+                        </a:srgbClr>
+                      </a:solidFill>
+                      <a:prstDash val="solid"/>
+                    </a:lnT>
+                    <a:lnB algn="ctr" cmpd="sng" cap="flat" w="9525">
+                      <a:solidFill>
+                        <a:srgbClr val="666666">
+                          <a:alpha val="100000"/>
+                        </a:srgbClr>
+                      </a:solidFill>
+                      <a:prstDash val="solid"/>
+                    </a:lnB>
+                    <a:solidFill>
+                      <a:srgbClr val="FFFFFF">
+                        <a:alpha val="0"/>
+                      </a:srgbClr>
+                    </a:solidFill>
+                  </a:tcPr>
+                </a:tc>
+                <a:tc>
+                  <a:txBody>
+                    <a:bodyPr/>
+                    <a:lstStyle/>
+                    <a:p>
+                      <a:pPr algn="l" marL="63500" marR="63500">
+                        <a:lnSpc>
+                          <a:spcPct val="100000"/>
+                        </a:lnSpc>
+                        <a:spcBef>
+                          <a:spcPts val="500"/>
+                        </a:spcBef>
+                        <a:spcAft>
+                          <a:spcPts val="500"/>
+                        </a:spcAft>
+                        <a:buNone/>
+                      </a:pPr>
+                      <a:r>
+                        <a:rPr cap="none" sz="1100" i="0" b="0" u="none">
+                          <a:solidFill>
+                            <a:srgbClr val="000000">
+                              <a:alpha val="100000"/>
+                            </a:srgbClr>
+                          </a:solidFill>
+                          <a:latin typeface="DejaVu Sans"/>
+                          <a:cs typeface="DejaVu Sans"/>
+                          <a:ea typeface="DejaVu Sans"/>
+                          <a:sym typeface="DejaVu Sans"/>
+                        </a:rPr>
+                        <a:t>0.81</a:t>
+                      </a:r>
+                    </a:p>
+                  </a:txBody>
+                  <a:tcPr anchor="ctr" marB="63500" marT="63500" marR="0" marL="0">
+                    <a:lnL algn="ctr" cmpd="sng" cap="flat" w="0">
+                      <a:noFill/>
+                      <a:prstDash val="solid"/>
+                    </a:lnL>
+                    <a:lnR algn="ctr" cmpd="sng" cap="flat" w="0">
+                      <a:noFill/>
+                      <a:prstDash val="solid"/>
+                    </a:lnR>
+                    <a:lnT algn="ctr" cmpd="sng" cap="flat" w="9525">
+                      <a:solidFill>
+                        <a:srgbClr val="666666">
+                          <a:alpha val="100000"/>
+                        </a:srgbClr>
+                      </a:solidFill>
+                      <a:prstDash val="solid"/>
+                    </a:lnT>
+                    <a:lnB algn="ctr" cmpd="sng" cap="flat" w="9525">
+                      <a:solidFill>
+                        <a:srgbClr val="666666">
+                          <a:alpha val="100000"/>
+                        </a:srgbClr>
+                      </a:solidFill>
+                      <a:prstDash val="solid"/>
+                    </a:lnB>
+                    <a:solidFill>
+                      <a:srgbClr val="FFFFFF">
+                        <a:alpha val="0"/>
+                      </a:srgbClr>
+                    </a:solidFill>
+                  </a:tcPr>
+                </a:tc>
+                <a:tc>
+                  <a:txBody>
+                    <a:bodyPr/>
+                    <a:lstStyle/>
+                    <a:p>
+                      <a:pPr algn="l" marL="63500" marR="63500">
+                        <a:lnSpc>
+                          <a:spcPct val="100000"/>
+                        </a:lnSpc>
+                        <a:spcBef>
+                          <a:spcPts val="500"/>
+                        </a:spcBef>
+                        <a:spcAft>
+                          <a:spcPts val="500"/>
+                        </a:spcAft>
+                        <a:buNone/>
+                      </a:pPr>
+                      <a:r>
+                        <a:rPr cap="none" sz="1100" i="0" b="0" u="none">
+                          <a:solidFill>
+                            <a:srgbClr val="000000">
+                              <a:alpha val="100000"/>
+                            </a:srgbClr>
+                          </a:solidFill>
+                          <a:latin typeface="DejaVu Sans"/>
+                          <a:cs typeface="DejaVu Sans"/>
+                          <a:ea typeface="DejaVu Sans"/>
+                          <a:sym typeface="DejaVu Sans"/>
+                        </a:rPr>
+                        <a:t>0.59</a:t>
+                      </a:r>
+                    </a:p>
+                  </a:txBody>
+                  <a:tcPr anchor="ctr" marB="63500" marT="63500" marR="0" marL="0">
+                    <a:lnL algn="ctr" cmpd="sng" cap="flat" w="0">
+                      <a:noFill/>
+                      <a:prstDash val="solid"/>
+                    </a:lnL>
+                    <a:lnR algn="ctr" cmpd="sng" cap="flat" w="0">
+                      <a:noFill/>
+                      <a:prstDash val="solid"/>
+                    </a:lnR>
+                    <a:lnT algn="ctr" cmpd="sng" cap="flat" w="9525">
+                      <a:solidFill>
+                        <a:srgbClr val="666666">
+                          <a:alpha val="100000"/>
+                        </a:srgbClr>
+                      </a:solidFill>
+                      <a:prstDash val="solid"/>
+                    </a:lnT>
+                    <a:lnB algn="ctr" cmpd="sng" cap="flat" w="9525">
+                      <a:solidFill>
+                        <a:srgbClr val="666666">
+                          <a:alpha val="100000"/>
+                        </a:srgbClr>
+                      </a:solidFill>
+                      <a:prstDash val="solid"/>
+                    </a:lnB>
+                    <a:solidFill>
+                      <a:srgbClr val="FFFFFF">
+                        <a:alpha val="0"/>
+                      </a:srgbClr>
+                    </a:solidFill>
+                  </a:tcPr>
+                </a:tc>
+                <a:tc>
+                  <a:txBody>
+                    <a:bodyPr/>
+                    <a:lstStyle/>
+                    <a:p>
+                      <a:pPr algn="l" marL="63500" marR="63500">
+                        <a:lnSpc>
+                          <a:spcPct val="100000"/>
+                        </a:lnSpc>
+                        <a:spcBef>
+                          <a:spcPts val="500"/>
+                        </a:spcBef>
+                        <a:spcAft>
+                          <a:spcPts val="500"/>
+                        </a:spcAft>
+                        <a:buNone/>
+                      </a:pPr>
+                      <a:r>
+                        <a:rPr cap="none" sz="1100" i="0" b="0" u="none">
+                          <a:solidFill>
+                            <a:srgbClr val="000000">
+                              <a:alpha val="100000"/>
+                            </a:srgbClr>
+                          </a:solidFill>
+                          <a:latin typeface="DejaVu Sans"/>
+                          <a:cs typeface="DejaVu Sans"/>
+                          <a:ea typeface="DejaVu Sans"/>
+                          <a:sym typeface="DejaVu Sans"/>
+                        </a:rPr>
+                        <a:t>0.65</a:t>
                       </a:r>
                     </a:p>
                   </a:txBody>
@@ -4064,202 +4064,202 @@
                           <a:ea typeface="DejaVu Sans"/>
                           <a:sym typeface="DejaVu Sans"/>
                         </a:rPr>
-                        <a:t>0.039</a:t>
-                      </a:r>
-                    </a:p>
-                  </a:txBody>
-                  <a:tcPr anchor="ctr" marB="63500" marT="63500" marR="0" marL="0">
-                    <a:lnL algn="ctr" cmpd="sng" cap="flat" w="0">
-                      <a:noFill/>
-                      <a:prstDash val="solid"/>
-                    </a:lnL>
-                    <a:lnR algn="ctr" cmpd="sng" cap="flat" w="0">
-                      <a:noFill/>
-                      <a:prstDash val="solid"/>
-                    </a:lnR>
-                    <a:lnT algn="ctr" cmpd="sng" cap="flat" w="9525">
-                      <a:solidFill>
-                        <a:srgbClr val="666666">
-                          <a:alpha val="100000"/>
-                        </a:srgbClr>
-                      </a:solidFill>
-                      <a:prstDash val="solid"/>
-                    </a:lnT>
-                    <a:lnB algn="ctr" cmpd="sng" cap="flat" w="9525">
-                      <a:solidFill>
-                        <a:srgbClr val="666666">
-                          <a:alpha val="100000"/>
-                        </a:srgbClr>
-                      </a:solidFill>
-                      <a:prstDash val="solid"/>
-                    </a:lnB>
-                    <a:solidFill>
-                      <a:srgbClr val="FFFFFF">
-                        <a:alpha val="0"/>
-                      </a:srgbClr>
-                    </a:solidFill>
-                  </a:tcPr>
-                </a:tc>
-                <a:tc>
-                  <a:txBody>
-                    <a:bodyPr/>
-                    <a:lstStyle/>
-                    <a:p>
-                      <a:pPr algn="l" marL="63500" marR="63500">
-                        <a:lnSpc>
-                          <a:spcPct val="100000"/>
-                        </a:lnSpc>
-                        <a:spcBef>
-                          <a:spcPts val="500"/>
-                        </a:spcBef>
-                        <a:spcAft>
-                          <a:spcPts val="500"/>
-                        </a:spcAft>
-                        <a:buNone/>
-                      </a:pPr>
-                      <a:r>
-                        <a:rPr cap="none" sz="1100" i="0" b="0" u="none">
-                          <a:solidFill>
-                            <a:srgbClr val="000000">
-                              <a:alpha val="100000"/>
-                            </a:srgbClr>
-                          </a:solidFill>
-                          <a:latin typeface="DejaVu Sans"/>
-                          <a:cs typeface="DejaVu Sans"/>
-                          <a:ea typeface="DejaVu Sans"/>
-                          <a:sym typeface="DejaVu Sans"/>
-                        </a:rPr>
-                        <a:t>1.0</a:t>
-                      </a:r>
-                    </a:p>
-                  </a:txBody>
-                  <a:tcPr anchor="ctr" marB="63500" marT="63500" marR="0" marL="0">
-                    <a:lnL algn="ctr" cmpd="sng" cap="flat" w="0">
-                      <a:noFill/>
-                      <a:prstDash val="solid"/>
-                    </a:lnL>
-                    <a:lnR algn="ctr" cmpd="sng" cap="flat" w="0">
-                      <a:noFill/>
-                      <a:prstDash val="solid"/>
-                    </a:lnR>
-                    <a:lnT algn="ctr" cmpd="sng" cap="flat" w="9525">
-                      <a:solidFill>
-                        <a:srgbClr val="666666">
-                          <a:alpha val="100000"/>
-                        </a:srgbClr>
-                      </a:solidFill>
-                      <a:prstDash val="solid"/>
-                    </a:lnT>
-                    <a:lnB algn="ctr" cmpd="sng" cap="flat" w="9525">
-                      <a:solidFill>
-                        <a:srgbClr val="666666">
-                          <a:alpha val="100000"/>
-                        </a:srgbClr>
-                      </a:solidFill>
-                      <a:prstDash val="solid"/>
-                    </a:lnB>
-                    <a:solidFill>
-                      <a:srgbClr val="FFFFFF">
-                        <a:alpha val="0"/>
-                      </a:srgbClr>
-                    </a:solidFill>
-                  </a:tcPr>
-                </a:tc>
-                <a:tc>
-                  <a:txBody>
-                    <a:bodyPr/>
-                    <a:lstStyle/>
-                    <a:p>
-                      <a:pPr algn="l" marL="63500" marR="63500">
-                        <a:lnSpc>
-                          <a:spcPct val="100000"/>
-                        </a:lnSpc>
-                        <a:spcBef>
-                          <a:spcPts val="500"/>
-                        </a:spcBef>
-                        <a:spcAft>
-                          <a:spcPts val="500"/>
-                        </a:spcAft>
-                        <a:buNone/>
-                      </a:pPr>
-                      <a:r>
-                        <a:rPr cap="none" sz="1100" i="0" b="0" u="none">
-                          <a:solidFill>
-                            <a:srgbClr val="000000">
-                              <a:alpha val="100000"/>
-                            </a:srgbClr>
-                          </a:solidFill>
-                          <a:latin typeface="DejaVu Sans"/>
-                          <a:cs typeface="DejaVu Sans"/>
-                          <a:ea typeface="DejaVu Sans"/>
-                          <a:sym typeface="DejaVu Sans"/>
-                        </a:rPr>
-                        <a:t>0.35</a:t>
-                      </a:r>
-                    </a:p>
-                  </a:txBody>
-                  <a:tcPr anchor="ctr" marB="63500" marT="63500" marR="0" marL="0">
-                    <a:lnL algn="ctr" cmpd="sng" cap="flat" w="0">
-                      <a:noFill/>
-                      <a:prstDash val="solid"/>
-                    </a:lnL>
-                    <a:lnR algn="ctr" cmpd="sng" cap="flat" w="0">
-                      <a:noFill/>
-                      <a:prstDash val="solid"/>
-                    </a:lnR>
-                    <a:lnT algn="ctr" cmpd="sng" cap="flat" w="9525">
-                      <a:solidFill>
-                        <a:srgbClr val="666666">
-                          <a:alpha val="100000"/>
-                        </a:srgbClr>
-                      </a:solidFill>
-                      <a:prstDash val="solid"/>
-                    </a:lnT>
-                    <a:lnB algn="ctr" cmpd="sng" cap="flat" w="9525">
-                      <a:solidFill>
-                        <a:srgbClr val="666666">
-                          <a:alpha val="100000"/>
-                        </a:srgbClr>
-                      </a:solidFill>
-                      <a:prstDash val="solid"/>
-                    </a:lnB>
-                    <a:solidFill>
-                      <a:srgbClr val="FFFFFF">
-                        <a:alpha val="0"/>
-                      </a:srgbClr>
-                    </a:solidFill>
-                  </a:tcPr>
-                </a:tc>
-                <a:tc>
-                  <a:txBody>
-                    <a:bodyPr/>
-                    <a:lstStyle/>
-                    <a:p>
-                      <a:pPr algn="l" marL="63500" marR="63500">
-                        <a:lnSpc>
-                          <a:spcPct val="100000"/>
-                        </a:lnSpc>
-                        <a:spcBef>
-                          <a:spcPts val="500"/>
-                        </a:spcBef>
-                        <a:spcAft>
-                          <a:spcPts val="500"/>
-                        </a:spcAft>
-                        <a:buNone/>
-                      </a:pPr>
-                      <a:r>
-                        <a:rPr cap="none" sz="1100" i="0" b="0" u="none">
-                          <a:solidFill>
-                            <a:srgbClr val="000000">
-                              <a:alpha val="100000"/>
-                            </a:srgbClr>
-                          </a:solidFill>
-                          <a:latin typeface="DejaVu Sans"/>
-                          <a:cs typeface="DejaVu Sans"/>
-                          <a:ea typeface="DejaVu Sans"/>
-                          <a:sym typeface="DejaVu Sans"/>
-                        </a:rPr>
-                        <a:t>1.0</a:t>
+                        <a:t>0.042</a:t>
+                      </a:r>
+                    </a:p>
+                  </a:txBody>
+                  <a:tcPr anchor="ctr" marB="63500" marT="63500" marR="0" marL="0">
+                    <a:lnL algn="ctr" cmpd="sng" cap="flat" w="0">
+                      <a:noFill/>
+                      <a:prstDash val="solid"/>
+                    </a:lnL>
+                    <a:lnR algn="ctr" cmpd="sng" cap="flat" w="0">
+                      <a:noFill/>
+                      <a:prstDash val="solid"/>
+                    </a:lnR>
+                    <a:lnT algn="ctr" cmpd="sng" cap="flat" w="9525">
+                      <a:solidFill>
+                        <a:srgbClr val="666666">
+                          <a:alpha val="100000"/>
+                        </a:srgbClr>
+                      </a:solidFill>
+                      <a:prstDash val="solid"/>
+                    </a:lnT>
+                    <a:lnB algn="ctr" cmpd="sng" cap="flat" w="9525">
+                      <a:solidFill>
+                        <a:srgbClr val="666666">
+                          <a:alpha val="100000"/>
+                        </a:srgbClr>
+                      </a:solidFill>
+                      <a:prstDash val="solid"/>
+                    </a:lnB>
+                    <a:solidFill>
+                      <a:srgbClr val="FFFFFF">
+                        <a:alpha val="0"/>
+                      </a:srgbClr>
+                    </a:solidFill>
+                  </a:tcPr>
+                </a:tc>
+                <a:tc>
+                  <a:txBody>
+                    <a:bodyPr/>
+                    <a:lstStyle/>
+                    <a:p>
+                      <a:pPr algn="l" marL="63500" marR="63500">
+                        <a:lnSpc>
+                          <a:spcPct val="100000"/>
+                        </a:lnSpc>
+                        <a:spcBef>
+                          <a:spcPts val="500"/>
+                        </a:spcBef>
+                        <a:spcAft>
+                          <a:spcPts val="500"/>
+                        </a:spcAft>
+                        <a:buNone/>
+                      </a:pPr>
+                      <a:r>
+                        <a:rPr cap="none" sz="1100" i="0" b="0" u="none">
+                          <a:solidFill>
+                            <a:srgbClr val="000000">
+                              <a:alpha val="100000"/>
+                            </a:srgbClr>
+                          </a:solidFill>
+                          <a:latin typeface="DejaVu Sans"/>
+                          <a:cs typeface="DejaVu Sans"/>
+                          <a:ea typeface="DejaVu Sans"/>
+                          <a:sym typeface="DejaVu Sans"/>
+                        </a:rPr>
+                        <a:t>1.1</a:t>
+                      </a:r>
+                    </a:p>
+                  </a:txBody>
+                  <a:tcPr anchor="ctr" marB="63500" marT="63500" marR="0" marL="0">
+                    <a:lnL algn="ctr" cmpd="sng" cap="flat" w="0">
+                      <a:noFill/>
+                      <a:prstDash val="solid"/>
+                    </a:lnL>
+                    <a:lnR algn="ctr" cmpd="sng" cap="flat" w="0">
+                      <a:noFill/>
+                      <a:prstDash val="solid"/>
+                    </a:lnR>
+                    <a:lnT algn="ctr" cmpd="sng" cap="flat" w="9525">
+                      <a:solidFill>
+                        <a:srgbClr val="666666">
+                          <a:alpha val="100000"/>
+                        </a:srgbClr>
+                      </a:solidFill>
+                      <a:prstDash val="solid"/>
+                    </a:lnT>
+                    <a:lnB algn="ctr" cmpd="sng" cap="flat" w="9525">
+                      <a:solidFill>
+                        <a:srgbClr val="666666">
+                          <a:alpha val="100000"/>
+                        </a:srgbClr>
+                      </a:solidFill>
+                      <a:prstDash val="solid"/>
+                    </a:lnB>
+                    <a:solidFill>
+                      <a:srgbClr val="FFFFFF">
+                        <a:alpha val="0"/>
+                      </a:srgbClr>
+                    </a:solidFill>
+                  </a:tcPr>
+                </a:tc>
+                <a:tc>
+                  <a:txBody>
+                    <a:bodyPr/>
+                    <a:lstStyle/>
+                    <a:p>
+                      <a:pPr algn="l" marL="63500" marR="63500">
+                        <a:lnSpc>
+                          <a:spcPct val="100000"/>
+                        </a:lnSpc>
+                        <a:spcBef>
+                          <a:spcPts val="500"/>
+                        </a:spcBef>
+                        <a:spcAft>
+                          <a:spcPts val="500"/>
+                        </a:spcAft>
+                        <a:buNone/>
+                      </a:pPr>
+                      <a:r>
+                        <a:rPr cap="none" sz="1100" i="0" b="0" u="none">
+                          <a:solidFill>
+                            <a:srgbClr val="000000">
+                              <a:alpha val="100000"/>
+                            </a:srgbClr>
+                          </a:solidFill>
+                          <a:latin typeface="DejaVu Sans"/>
+                          <a:cs typeface="DejaVu Sans"/>
+                          <a:ea typeface="DejaVu Sans"/>
+                          <a:sym typeface="DejaVu Sans"/>
+                        </a:rPr>
+                        <a:t>0.30</a:t>
+                      </a:r>
+                    </a:p>
+                  </a:txBody>
+                  <a:tcPr anchor="ctr" marB="63500" marT="63500" marR="0" marL="0">
+                    <a:lnL algn="ctr" cmpd="sng" cap="flat" w="0">
+                      <a:noFill/>
+                      <a:prstDash val="solid"/>
+                    </a:lnL>
+                    <a:lnR algn="ctr" cmpd="sng" cap="flat" w="0">
+                      <a:noFill/>
+                      <a:prstDash val="solid"/>
+                    </a:lnR>
+                    <a:lnT algn="ctr" cmpd="sng" cap="flat" w="9525">
+                      <a:solidFill>
+                        <a:srgbClr val="666666">
+                          <a:alpha val="100000"/>
+                        </a:srgbClr>
+                      </a:solidFill>
+                      <a:prstDash val="solid"/>
+                    </a:lnT>
+                    <a:lnB algn="ctr" cmpd="sng" cap="flat" w="9525">
+                      <a:solidFill>
+                        <a:srgbClr val="666666">
+                          <a:alpha val="100000"/>
+                        </a:srgbClr>
+                      </a:solidFill>
+                      <a:prstDash val="solid"/>
+                    </a:lnB>
+                    <a:solidFill>
+                      <a:srgbClr val="FFFFFF">
+                        <a:alpha val="0"/>
+                      </a:srgbClr>
+                    </a:solidFill>
+                  </a:tcPr>
+                </a:tc>
+                <a:tc>
+                  <a:txBody>
+                    <a:bodyPr/>
+                    <a:lstStyle/>
+                    <a:p>
+                      <a:pPr algn="l" marL="63500" marR="63500">
+                        <a:lnSpc>
+                          <a:spcPct val="100000"/>
+                        </a:lnSpc>
+                        <a:spcBef>
+                          <a:spcPts val="500"/>
+                        </a:spcBef>
+                        <a:spcAft>
+                          <a:spcPts val="500"/>
+                        </a:spcAft>
+                        <a:buNone/>
+                      </a:pPr>
+                      <a:r>
+                        <a:rPr cap="none" sz="1100" i="0" b="0" u="none">
+                          <a:solidFill>
+                            <a:srgbClr val="000000">
+                              <a:alpha val="100000"/>
+                            </a:srgbClr>
+                          </a:solidFill>
+                          <a:latin typeface="DejaVu Sans"/>
+                          <a:cs typeface="DejaVu Sans"/>
+                          <a:ea typeface="DejaVu Sans"/>
+                          <a:sym typeface="DejaVu Sans"/>
+                        </a:rPr>
+                        <a:t>0.39</a:t>
                       </a:r>
                     </a:p>
                   </a:txBody>
@@ -4586,7 +4586,7 @@
                           <a:ea typeface="DejaVu Sans"/>
                           <a:sym typeface="DejaVu Sans"/>
                         </a:rPr>
-                        <a:t>0.070</a:t>
+                        <a:t>0.075</a:t>
                       </a:r>
                     </a:p>
                   </a:txBody>
@@ -4716,72 +4716,72 @@
                           <a:ea typeface="DejaVu Sans"/>
                           <a:sym typeface="DejaVu Sans"/>
                         </a:rPr>
-                        <a:t>0.18</a:t>
-                      </a:r>
-                    </a:p>
-                  </a:txBody>
-                  <a:tcPr anchor="ctr" marB="63500" marT="63500" marR="0" marL="0">
-                    <a:lnL algn="ctr" cmpd="sng" cap="flat" w="0">
-                      <a:noFill/>
-                      <a:prstDash val="solid"/>
-                    </a:lnL>
-                    <a:lnR algn="ctr" cmpd="sng" cap="flat" w="0">
-                      <a:noFill/>
-                      <a:prstDash val="solid"/>
-                    </a:lnR>
-                    <a:lnT algn="ctr" cmpd="sng" cap="flat" w="9525">
-                      <a:solidFill>
-                        <a:srgbClr val="666666">
-                          <a:alpha val="100000"/>
-                        </a:srgbClr>
-                      </a:solidFill>
-                      <a:prstDash val="solid"/>
-                    </a:lnT>
-                    <a:lnB algn="ctr" cmpd="sng" cap="flat" w="9525">
-                      <a:solidFill>
-                        <a:srgbClr val="666666">
-                          <a:alpha val="100000"/>
-                        </a:srgbClr>
-                      </a:solidFill>
-                      <a:prstDash val="solid"/>
-                    </a:lnB>
-                    <a:solidFill>
-                      <a:srgbClr val="FFFFFF">
-                        <a:alpha val="0"/>
-                      </a:srgbClr>
-                    </a:solidFill>
-                  </a:tcPr>
-                </a:tc>
-                <a:tc>
-                  <a:txBody>
-                    <a:bodyPr/>
-                    <a:lstStyle/>
-                    <a:p>
-                      <a:pPr algn="l" marL="63500" marR="63500">
-                        <a:lnSpc>
-                          <a:spcPct val="100000"/>
-                        </a:lnSpc>
-                        <a:spcBef>
-                          <a:spcPts val="500"/>
-                        </a:spcBef>
-                        <a:spcAft>
-                          <a:spcPts val="500"/>
-                        </a:spcAft>
-                        <a:buNone/>
-                      </a:pPr>
-                      <a:r>
-                        <a:rPr cap="none" sz="1100" i="0" b="0" u="none">
-                          <a:solidFill>
-                            <a:srgbClr val="000000">
-                              <a:alpha val="100000"/>
-                            </a:srgbClr>
-                          </a:solidFill>
-                          <a:latin typeface="DejaVu Sans"/>
-                          <a:cs typeface="DejaVu Sans"/>
-                          <a:ea typeface="DejaVu Sans"/>
-                          <a:sym typeface="DejaVu Sans"/>
-                        </a:rPr>
-                        <a:t>1.0</a:t>
+                        <a:t>0.15</a:t>
+                      </a:r>
+                    </a:p>
+                  </a:txBody>
+                  <a:tcPr anchor="ctr" marB="63500" marT="63500" marR="0" marL="0">
+                    <a:lnL algn="ctr" cmpd="sng" cap="flat" w="0">
+                      <a:noFill/>
+                      <a:prstDash val="solid"/>
+                    </a:lnL>
+                    <a:lnR algn="ctr" cmpd="sng" cap="flat" w="0">
+                      <a:noFill/>
+                      <a:prstDash val="solid"/>
+                    </a:lnR>
+                    <a:lnT algn="ctr" cmpd="sng" cap="flat" w="9525">
+                      <a:solidFill>
+                        <a:srgbClr val="666666">
+                          <a:alpha val="100000"/>
+                        </a:srgbClr>
+                      </a:solidFill>
+                      <a:prstDash val="solid"/>
+                    </a:lnT>
+                    <a:lnB algn="ctr" cmpd="sng" cap="flat" w="9525">
+                      <a:solidFill>
+                        <a:srgbClr val="666666">
+                          <a:alpha val="100000"/>
+                        </a:srgbClr>
+                      </a:solidFill>
+                      <a:prstDash val="solid"/>
+                    </a:lnB>
+                    <a:solidFill>
+                      <a:srgbClr val="FFFFFF">
+                        <a:alpha val="0"/>
+                      </a:srgbClr>
+                    </a:solidFill>
+                  </a:tcPr>
+                </a:tc>
+                <a:tc>
+                  <a:txBody>
+                    <a:bodyPr/>
+                    <a:lstStyle/>
+                    <a:p>
+                      <a:pPr algn="l" marL="63500" marR="63500">
+                        <a:lnSpc>
+                          <a:spcPct val="100000"/>
+                        </a:lnSpc>
+                        <a:spcBef>
+                          <a:spcPts val="500"/>
+                        </a:spcBef>
+                        <a:spcAft>
+                          <a:spcPts val="500"/>
+                        </a:spcAft>
+                        <a:buNone/>
+                      </a:pPr>
+                      <a:r>
+                        <a:rPr cap="none" sz="1100" i="0" b="0" u="none">
+                          <a:solidFill>
+                            <a:srgbClr val="000000">
+                              <a:alpha val="100000"/>
+                            </a:srgbClr>
+                          </a:solidFill>
+                          <a:latin typeface="DejaVu Sans"/>
+                          <a:cs typeface="DejaVu Sans"/>
+                          <a:ea typeface="DejaVu Sans"/>
+                          <a:sym typeface="DejaVu Sans"/>
+                        </a:rPr>
+                        <a:t>0.27</a:t>
                       </a:r>
                     </a:p>
                   </a:txBody>
@@ -5108,7 +5108,7 @@
                           <a:ea typeface="DejaVu Sans"/>
                           <a:sym typeface="DejaVu Sans"/>
                         </a:rPr>
-                        <a:t>0.099</a:t>
+                        <a:t>0.10</a:t>
                       </a:r>
                     </a:p>
                   </a:txBody>
@@ -5238,72 +5238,72 @@
                           <a:ea typeface="DejaVu Sans"/>
                           <a:sym typeface="DejaVu Sans"/>
                         </a:rPr>
-                        <a:t>0.028</a:t>
-                      </a:r>
-                    </a:p>
-                  </a:txBody>
-                  <a:tcPr anchor="ctr" marB="63500" marT="63500" marR="0" marL="0">
-                    <a:lnL algn="ctr" cmpd="sng" cap="flat" w="0">
-                      <a:noFill/>
-                      <a:prstDash val="solid"/>
-                    </a:lnL>
-                    <a:lnR algn="ctr" cmpd="sng" cap="flat" w="0">
-                      <a:noFill/>
-                      <a:prstDash val="solid"/>
-                    </a:lnR>
-                    <a:lnT algn="ctr" cmpd="sng" cap="flat" w="9525">
-                      <a:solidFill>
-                        <a:srgbClr val="666666">
-                          <a:alpha val="100000"/>
-                        </a:srgbClr>
-                      </a:solidFill>
-                      <a:prstDash val="solid"/>
-                    </a:lnT>
-                    <a:lnB algn="ctr" cmpd="sng" cap="flat" w="9525">
-                      <a:solidFill>
-                        <a:srgbClr val="666666">
-                          <a:alpha val="100000"/>
-                        </a:srgbClr>
-                      </a:solidFill>
-                      <a:prstDash val="solid"/>
-                    </a:lnB>
-                    <a:solidFill>
-                      <a:srgbClr val="FFFFFF">
-                        <a:alpha val="0"/>
-                      </a:srgbClr>
-                    </a:solidFill>
-                  </a:tcPr>
-                </a:tc>
-                <a:tc>
-                  <a:txBody>
-                    <a:bodyPr/>
-                    <a:lstStyle/>
-                    <a:p>
-                      <a:pPr algn="l" marL="63500" marR="63500">
-                        <a:lnSpc>
-                          <a:spcPct val="100000"/>
-                        </a:lnSpc>
-                        <a:spcBef>
-                          <a:spcPts val="500"/>
-                        </a:spcBef>
-                        <a:spcAft>
-                          <a:spcPts val="500"/>
-                        </a:spcAft>
-                        <a:buNone/>
-                      </a:pPr>
-                      <a:r>
-                        <a:rPr cap="none" sz="1100" i="0" b="0" u="none">
-                          <a:solidFill>
-                            <a:srgbClr val="000000">
-                              <a:alpha val="100000"/>
-                            </a:srgbClr>
-                          </a:solidFill>
-                          <a:latin typeface="DejaVu Sans"/>
-                          <a:cs typeface="DejaVu Sans"/>
-                          <a:ea typeface="DejaVu Sans"/>
-                          <a:sym typeface="DejaVu Sans"/>
-                        </a:rPr>
-                        <a:t>0.47</a:t>
+                        <a:t>0.024</a:t>
+                      </a:r>
+                    </a:p>
+                  </a:txBody>
+                  <a:tcPr anchor="ctr" marB="63500" marT="63500" marR="0" marL="0">
+                    <a:lnL algn="ctr" cmpd="sng" cap="flat" w="0">
+                      <a:noFill/>
+                      <a:prstDash val="solid"/>
+                    </a:lnL>
+                    <a:lnR algn="ctr" cmpd="sng" cap="flat" w="0">
+                      <a:noFill/>
+                      <a:prstDash val="solid"/>
+                    </a:lnR>
+                    <a:lnT algn="ctr" cmpd="sng" cap="flat" w="9525">
+                      <a:solidFill>
+                        <a:srgbClr val="666666">
+                          <a:alpha val="100000"/>
+                        </a:srgbClr>
+                      </a:solidFill>
+                      <a:prstDash val="solid"/>
+                    </a:lnT>
+                    <a:lnB algn="ctr" cmpd="sng" cap="flat" w="9525">
+                      <a:solidFill>
+                        <a:srgbClr val="666666">
+                          <a:alpha val="100000"/>
+                        </a:srgbClr>
+                      </a:solidFill>
+                      <a:prstDash val="solid"/>
+                    </a:lnB>
+                    <a:solidFill>
+                      <a:srgbClr val="FFFFFF">
+                        <a:alpha val="0"/>
+                      </a:srgbClr>
+                    </a:solidFill>
+                  </a:tcPr>
+                </a:tc>
+                <a:tc>
+                  <a:txBody>
+                    <a:bodyPr/>
+                    <a:lstStyle/>
+                    <a:p>
+                      <a:pPr algn="l" marL="63500" marR="63500">
+                        <a:lnSpc>
+                          <a:spcPct val="100000"/>
+                        </a:lnSpc>
+                        <a:spcBef>
+                          <a:spcPts val="500"/>
+                        </a:spcBef>
+                        <a:spcAft>
+                          <a:spcPts val="500"/>
+                        </a:spcAft>
+                        <a:buNone/>
+                      </a:pPr>
+                      <a:r>
+                        <a:rPr cap="none" sz="1100" i="0" b="1" u="none">
+                          <a:solidFill>
+                            <a:srgbClr val="000000">
+                              <a:alpha val="100000"/>
+                            </a:srgbClr>
+                          </a:solidFill>
+                          <a:latin typeface="DejaVu Sans"/>
+                          <a:cs typeface="DejaVu Sans"/>
+                          <a:ea typeface="DejaVu Sans"/>
+                          <a:sym typeface="DejaVu Sans"/>
+                        </a:rPr>
+                        <a:t>0.17</a:t>
                       </a:r>
                     </a:p>
                   </a:txBody>
@@ -5630,202 +5630,202 @@
                           <a:ea typeface="DejaVu Sans"/>
                           <a:sym typeface="DejaVu Sans"/>
                         </a:rPr>
-                        <a:t>0.10</a:t>
-                      </a:r>
-                    </a:p>
-                  </a:txBody>
-                  <a:tcPr anchor="ctr" marB="63500" marT="63500" marR="0" marL="0">
-                    <a:lnL algn="ctr" cmpd="sng" cap="flat" w="0">
-                      <a:noFill/>
-                      <a:prstDash val="solid"/>
-                    </a:lnL>
-                    <a:lnR algn="ctr" cmpd="sng" cap="flat" w="0">
-                      <a:noFill/>
-                      <a:prstDash val="solid"/>
-                    </a:lnR>
-                    <a:lnT algn="ctr" cmpd="sng" cap="flat" w="9525">
-                      <a:solidFill>
-                        <a:srgbClr val="666666">
-                          <a:alpha val="100000"/>
-                        </a:srgbClr>
-                      </a:solidFill>
-                      <a:prstDash val="solid"/>
-                    </a:lnT>
-                    <a:lnB algn="ctr" cmpd="sng" cap="flat" w="9525">
-                      <a:solidFill>
-                        <a:srgbClr val="666666">
-                          <a:alpha val="100000"/>
-                        </a:srgbClr>
-                      </a:solidFill>
-                      <a:prstDash val="solid"/>
-                    </a:lnB>
-                    <a:solidFill>
-                      <a:srgbClr val="FFFFFF">
-                        <a:alpha val="0"/>
-                      </a:srgbClr>
-                    </a:solidFill>
-                  </a:tcPr>
-                </a:tc>
-                <a:tc>
-                  <a:txBody>
-                    <a:bodyPr/>
-                    <a:lstStyle/>
-                    <a:p>
-                      <a:pPr algn="l" marL="63500" marR="63500">
-                        <a:lnSpc>
-                          <a:spcPct val="100000"/>
-                        </a:lnSpc>
-                        <a:spcBef>
-                          <a:spcPts val="500"/>
-                        </a:spcBef>
-                        <a:spcAft>
-                          <a:spcPts val="500"/>
-                        </a:spcAft>
-                        <a:buNone/>
-                      </a:pPr>
-                      <a:r>
-                        <a:rPr cap="none" sz="1100" i="0" b="0" u="none">
-                          <a:solidFill>
-                            <a:srgbClr val="000000">
-                              <a:alpha val="100000"/>
-                            </a:srgbClr>
-                          </a:solidFill>
-                          <a:latin typeface="DejaVu Sans"/>
-                          <a:cs typeface="DejaVu Sans"/>
-                          <a:ea typeface="DejaVu Sans"/>
-                          <a:sym typeface="DejaVu Sans"/>
-                        </a:rPr>
-                        <a:t>1.3</a:t>
-                      </a:r>
-                    </a:p>
-                  </a:txBody>
-                  <a:tcPr anchor="ctr" marB="63500" marT="63500" marR="0" marL="0">
-                    <a:lnL algn="ctr" cmpd="sng" cap="flat" w="0">
-                      <a:noFill/>
-                      <a:prstDash val="solid"/>
-                    </a:lnL>
-                    <a:lnR algn="ctr" cmpd="sng" cap="flat" w="0">
-                      <a:noFill/>
-                      <a:prstDash val="solid"/>
-                    </a:lnR>
-                    <a:lnT algn="ctr" cmpd="sng" cap="flat" w="9525">
-                      <a:solidFill>
-                        <a:srgbClr val="666666">
-                          <a:alpha val="100000"/>
-                        </a:srgbClr>
-                      </a:solidFill>
-                      <a:prstDash val="solid"/>
-                    </a:lnT>
-                    <a:lnB algn="ctr" cmpd="sng" cap="flat" w="9525">
-                      <a:solidFill>
-                        <a:srgbClr val="666666">
-                          <a:alpha val="100000"/>
-                        </a:srgbClr>
-                      </a:solidFill>
-                      <a:prstDash val="solid"/>
-                    </a:lnB>
-                    <a:solidFill>
-                      <a:srgbClr val="FFFFFF">
-                        <a:alpha val="0"/>
-                      </a:srgbClr>
-                    </a:solidFill>
-                  </a:tcPr>
-                </a:tc>
-                <a:tc>
-                  <a:txBody>
-                    <a:bodyPr/>
-                    <a:lstStyle/>
-                    <a:p>
-                      <a:pPr algn="l" marL="63500" marR="63500">
-                        <a:lnSpc>
-                          <a:spcPct val="100000"/>
-                        </a:lnSpc>
-                        <a:spcBef>
-                          <a:spcPts val="500"/>
-                        </a:spcBef>
-                        <a:spcAft>
-                          <a:spcPts val="500"/>
-                        </a:spcAft>
-                        <a:buNone/>
-                      </a:pPr>
-                      <a:r>
-                        <a:rPr cap="none" sz="1100" i="0" b="0" u="none">
-                          <a:solidFill>
-                            <a:srgbClr val="000000">
-                              <a:alpha val="100000"/>
-                            </a:srgbClr>
-                          </a:solidFill>
-                          <a:latin typeface="DejaVu Sans"/>
-                          <a:cs typeface="DejaVu Sans"/>
-                          <a:ea typeface="DejaVu Sans"/>
-                          <a:sym typeface="DejaVu Sans"/>
-                        </a:rPr>
-                        <a:t>0.085</a:t>
-                      </a:r>
-                    </a:p>
-                  </a:txBody>
-                  <a:tcPr anchor="ctr" marB="63500" marT="63500" marR="0" marL="0">
-                    <a:lnL algn="ctr" cmpd="sng" cap="flat" w="0">
-                      <a:noFill/>
-                      <a:prstDash val="solid"/>
-                    </a:lnL>
-                    <a:lnR algn="ctr" cmpd="sng" cap="flat" w="0">
-                      <a:noFill/>
-                      <a:prstDash val="solid"/>
-                    </a:lnR>
-                    <a:lnT algn="ctr" cmpd="sng" cap="flat" w="9525">
-                      <a:solidFill>
-                        <a:srgbClr val="666666">
-                          <a:alpha val="100000"/>
-                        </a:srgbClr>
-                      </a:solidFill>
-                      <a:prstDash val="solid"/>
-                    </a:lnT>
-                    <a:lnB algn="ctr" cmpd="sng" cap="flat" w="9525">
-                      <a:solidFill>
-                        <a:srgbClr val="666666">
-                          <a:alpha val="100000"/>
-                        </a:srgbClr>
-                      </a:solidFill>
-                      <a:prstDash val="solid"/>
-                    </a:lnB>
-                    <a:solidFill>
-                      <a:srgbClr val="FFFFFF">
-                        <a:alpha val="0"/>
-                      </a:srgbClr>
-                    </a:solidFill>
-                  </a:tcPr>
-                </a:tc>
-                <a:tc>
-                  <a:txBody>
-                    <a:bodyPr/>
-                    <a:lstStyle/>
-                    <a:p>
-                      <a:pPr algn="l" marL="63500" marR="63500">
-                        <a:lnSpc>
-                          <a:spcPct val="100000"/>
-                        </a:lnSpc>
-                        <a:spcBef>
-                          <a:spcPts val="500"/>
-                        </a:spcBef>
-                        <a:spcAft>
-                          <a:spcPts val="500"/>
-                        </a:spcAft>
-                        <a:buNone/>
-                      </a:pPr>
-                      <a:r>
-                        <a:rPr cap="none" sz="1100" i="0" b="0" u="none">
-                          <a:solidFill>
-                            <a:srgbClr val="000000">
-                              <a:alpha val="100000"/>
-                            </a:srgbClr>
-                          </a:solidFill>
-                          <a:latin typeface="DejaVu Sans"/>
-                          <a:cs typeface="DejaVu Sans"/>
-                          <a:ea typeface="DejaVu Sans"/>
-                          <a:sym typeface="DejaVu Sans"/>
-                        </a:rPr>
-                        <a:t>1.0</a:t>
+                        <a:t>0.11</a:t>
+                      </a:r>
+                    </a:p>
+                  </a:txBody>
+                  <a:tcPr anchor="ctr" marB="63500" marT="63500" marR="0" marL="0">
+                    <a:lnL algn="ctr" cmpd="sng" cap="flat" w="0">
+                      <a:noFill/>
+                      <a:prstDash val="solid"/>
+                    </a:lnL>
+                    <a:lnR algn="ctr" cmpd="sng" cap="flat" w="0">
+                      <a:noFill/>
+                      <a:prstDash val="solid"/>
+                    </a:lnR>
+                    <a:lnT algn="ctr" cmpd="sng" cap="flat" w="9525">
+                      <a:solidFill>
+                        <a:srgbClr val="666666">
+                          <a:alpha val="100000"/>
+                        </a:srgbClr>
+                      </a:solidFill>
+                      <a:prstDash val="solid"/>
+                    </a:lnT>
+                    <a:lnB algn="ctr" cmpd="sng" cap="flat" w="9525">
+                      <a:solidFill>
+                        <a:srgbClr val="666666">
+                          <a:alpha val="100000"/>
+                        </a:srgbClr>
+                      </a:solidFill>
+                      <a:prstDash val="solid"/>
+                    </a:lnB>
+                    <a:solidFill>
+                      <a:srgbClr val="FFFFFF">
+                        <a:alpha val="0"/>
+                      </a:srgbClr>
+                    </a:solidFill>
+                  </a:tcPr>
+                </a:tc>
+                <a:tc>
+                  <a:txBody>
+                    <a:bodyPr/>
+                    <a:lstStyle/>
+                    <a:p>
+                      <a:pPr algn="l" marL="63500" marR="63500">
+                        <a:lnSpc>
+                          <a:spcPct val="100000"/>
+                        </a:lnSpc>
+                        <a:spcBef>
+                          <a:spcPts val="500"/>
+                        </a:spcBef>
+                        <a:spcAft>
+                          <a:spcPts val="500"/>
+                        </a:spcAft>
+                        <a:buNone/>
+                      </a:pPr>
+                      <a:r>
+                        <a:rPr cap="none" sz="1100" i="0" b="0" u="none">
+                          <a:solidFill>
+                            <a:srgbClr val="000000">
+                              <a:alpha val="100000"/>
+                            </a:srgbClr>
+                          </a:solidFill>
+                          <a:latin typeface="DejaVu Sans"/>
+                          <a:cs typeface="DejaVu Sans"/>
+                          <a:ea typeface="DejaVu Sans"/>
+                          <a:sym typeface="DejaVu Sans"/>
+                        </a:rPr>
+                        <a:t>1.2</a:t>
+                      </a:r>
+                    </a:p>
+                  </a:txBody>
+                  <a:tcPr anchor="ctr" marB="63500" marT="63500" marR="0" marL="0">
+                    <a:lnL algn="ctr" cmpd="sng" cap="flat" w="0">
+                      <a:noFill/>
+                      <a:prstDash val="solid"/>
+                    </a:lnL>
+                    <a:lnR algn="ctr" cmpd="sng" cap="flat" w="0">
+                      <a:noFill/>
+                      <a:prstDash val="solid"/>
+                    </a:lnR>
+                    <a:lnT algn="ctr" cmpd="sng" cap="flat" w="9525">
+                      <a:solidFill>
+                        <a:srgbClr val="666666">
+                          <a:alpha val="100000"/>
+                        </a:srgbClr>
+                      </a:solidFill>
+                      <a:prstDash val="solid"/>
+                    </a:lnT>
+                    <a:lnB algn="ctr" cmpd="sng" cap="flat" w="9525">
+                      <a:solidFill>
+                        <a:srgbClr val="666666">
+                          <a:alpha val="100000"/>
+                        </a:srgbClr>
+                      </a:solidFill>
+                      <a:prstDash val="solid"/>
+                    </a:lnB>
+                    <a:solidFill>
+                      <a:srgbClr val="FFFFFF">
+                        <a:alpha val="0"/>
+                      </a:srgbClr>
+                    </a:solidFill>
+                  </a:tcPr>
+                </a:tc>
+                <a:tc>
+                  <a:txBody>
+                    <a:bodyPr/>
+                    <a:lstStyle/>
+                    <a:p>
+                      <a:pPr algn="l" marL="63500" marR="63500">
+                        <a:lnSpc>
+                          <a:spcPct val="100000"/>
+                        </a:lnSpc>
+                        <a:spcBef>
+                          <a:spcPts val="500"/>
+                        </a:spcBef>
+                        <a:spcAft>
+                          <a:spcPts val="500"/>
+                        </a:spcAft>
+                        <a:buNone/>
+                      </a:pPr>
+                      <a:r>
+                        <a:rPr cap="none" sz="1100" i="0" b="0" u="none">
+                          <a:solidFill>
+                            <a:srgbClr val="000000">
+                              <a:alpha val="100000"/>
+                            </a:srgbClr>
+                          </a:solidFill>
+                          <a:latin typeface="DejaVu Sans"/>
+                          <a:cs typeface="DejaVu Sans"/>
+                          <a:ea typeface="DejaVu Sans"/>
+                          <a:sym typeface="DejaVu Sans"/>
+                        </a:rPr>
+                        <a:t>0.096</a:t>
+                      </a:r>
+                    </a:p>
+                  </a:txBody>
+                  <a:tcPr anchor="ctr" marB="63500" marT="63500" marR="0" marL="0">
+                    <a:lnL algn="ctr" cmpd="sng" cap="flat" w="0">
+                      <a:noFill/>
+                      <a:prstDash val="solid"/>
+                    </a:lnL>
+                    <a:lnR algn="ctr" cmpd="sng" cap="flat" w="0">
+                      <a:noFill/>
+                      <a:prstDash val="solid"/>
+                    </a:lnR>
+                    <a:lnT algn="ctr" cmpd="sng" cap="flat" w="9525">
+                      <a:solidFill>
+                        <a:srgbClr val="666666">
+                          <a:alpha val="100000"/>
+                        </a:srgbClr>
+                      </a:solidFill>
+                      <a:prstDash val="solid"/>
+                    </a:lnT>
+                    <a:lnB algn="ctr" cmpd="sng" cap="flat" w="9525">
+                      <a:solidFill>
+                        <a:srgbClr val="666666">
+                          <a:alpha val="100000"/>
+                        </a:srgbClr>
+                      </a:solidFill>
+                      <a:prstDash val="solid"/>
+                    </a:lnB>
+                    <a:solidFill>
+                      <a:srgbClr val="FFFFFF">
+                        <a:alpha val="0"/>
+                      </a:srgbClr>
+                    </a:solidFill>
+                  </a:tcPr>
+                </a:tc>
+                <a:tc>
+                  <a:txBody>
+                    <a:bodyPr/>
+                    <a:lstStyle/>
+                    <a:p>
+                      <a:pPr algn="l" marL="63500" marR="63500">
+                        <a:lnSpc>
+                          <a:spcPct val="100000"/>
+                        </a:lnSpc>
+                        <a:spcBef>
+                          <a:spcPts val="500"/>
+                        </a:spcBef>
+                        <a:spcAft>
+                          <a:spcPts val="500"/>
+                        </a:spcAft>
+                        <a:buNone/>
+                      </a:pPr>
+                      <a:r>
+                        <a:rPr cap="none" sz="1100" i="0" b="0" u="none">
+                          <a:solidFill>
+                            <a:srgbClr val="000000">
+                              <a:alpha val="100000"/>
+                            </a:srgbClr>
+                          </a:solidFill>
+                          <a:latin typeface="DejaVu Sans"/>
+                          <a:cs typeface="DejaVu Sans"/>
+                          <a:ea typeface="DejaVu Sans"/>
+                          <a:sym typeface="DejaVu Sans"/>
+                        </a:rPr>
+                        <a:t>0.22</a:t>
                       </a:r>
                     </a:p>
                   </a:txBody>
@@ -6152,7 +6152,7 @@
                           <a:ea typeface="DejaVu Sans"/>
                           <a:sym typeface="DejaVu Sans"/>
                         </a:rPr>
-                        <a:t>0.15</a:t>
+                        <a:t>0.16</a:t>
                       </a:r>
                     </a:p>
                   </a:txBody>
@@ -6282,72 +6282,72 @@
                           <a:ea typeface="DejaVu Sans"/>
                           <a:sym typeface="DejaVu Sans"/>
                         </a:rPr>
-                        <a:t>0.22</a:t>
-                      </a:r>
-                    </a:p>
-                  </a:txBody>
-                  <a:tcPr anchor="ctr" marB="63500" marT="63500" marR="0" marL="0">
-                    <a:lnL algn="ctr" cmpd="sng" cap="flat" w="0">
-                      <a:noFill/>
-                      <a:prstDash val="solid"/>
-                    </a:lnL>
-                    <a:lnR algn="ctr" cmpd="sng" cap="flat" w="0">
-                      <a:noFill/>
-                      <a:prstDash val="solid"/>
-                    </a:lnR>
-                    <a:lnT algn="ctr" cmpd="sng" cap="flat" w="9525">
-                      <a:solidFill>
-                        <a:srgbClr val="666666">
-                          <a:alpha val="100000"/>
-                        </a:srgbClr>
-                      </a:solidFill>
-                      <a:prstDash val="solid"/>
-                    </a:lnT>
-                    <a:lnB algn="ctr" cmpd="sng" cap="flat" w="9525">
-                      <a:solidFill>
-                        <a:srgbClr val="666666">
-                          <a:alpha val="100000"/>
-                        </a:srgbClr>
-                      </a:solidFill>
-                      <a:prstDash val="solid"/>
-                    </a:lnB>
-                    <a:solidFill>
-                      <a:srgbClr val="FFFFFF">
-                        <a:alpha val="0"/>
-                      </a:srgbClr>
-                    </a:solidFill>
-                  </a:tcPr>
-                </a:tc>
-                <a:tc>
-                  <a:txBody>
-                    <a:bodyPr/>
-                    <a:lstStyle/>
-                    <a:p>
-                      <a:pPr algn="l" marL="63500" marR="63500">
-                        <a:lnSpc>
-                          <a:spcPct val="100000"/>
-                        </a:lnSpc>
-                        <a:spcBef>
-                          <a:spcPts val="500"/>
-                        </a:spcBef>
-                        <a:spcAft>
-                          <a:spcPts val="500"/>
-                        </a:spcAft>
-                        <a:buNone/>
-                      </a:pPr>
-                      <a:r>
-                        <a:rPr cap="none" sz="1100" i="0" b="0" u="none">
-                          <a:solidFill>
-                            <a:srgbClr val="000000">
-                              <a:alpha val="100000"/>
-                            </a:srgbClr>
-                          </a:solidFill>
-                          <a:latin typeface="DejaVu Sans"/>
-                          <a:cs typeface="DejaVu Sans"/>
-                          <a:ea typeface="DejaVu Sans"/>
-                          <a:sym typeface="DejaVu Sans"/>
-                        </a:rPr>
-                        <a:t>1.0</a:t>
+                        <a:t>0.20</a:t>
+                      </a:r>
+                    </a:p>
+                  </a:txBody>
+                  <a:tcPr anchor="ctr" marB="63500" marT="63500" marR="0" marL="0">
+                    <a:lnL algn="ctr" cmpd="sng" cap="flat" w="0">
+                      <a:noFill/>
+                      <a:prstDash val="solid"/>
+                    </a:lnL>
+                    <a:lnR algn="ctr" cmpd="sng" cap="flat" w="0">
+                      <a:noFill/>
+                      <a:prstDash val="solid"/>
+                    </a:lnR>
+                    <a:lnT algn="ctr" cmpd="sng" cap="flat" w="9525">
+                      <a:solidFill>
+                        <a:srgbClr val="666666">
+                          <a:alpha val="100000"/>
+                        </a:srgbClr>
+                      </a:solidFill>
+                      <a:prstDash val="solid"/>
+                    </a:lnT>
+                    <a:lnB algn="ctr" cmpd="sng" cap="flat" w="9525">
+                      <a:solidFill>
+                        <a:srgbClr val="666666">
+                          <a:alpha val="100000"/>
+                        </a:srgbClr>
+                      </a:solidFill>
+                      <a:prstDash val="solid"/>
+                    </a:lnB>
+                    <a:solidFill>
+                      <a:srgbClr val="FFFFFF">
+                        <a:alpha val="0"/>
+                      </a:srgbClr>
+                    </a:solidFill>
+                  </a:tcPr>
+                </a:tc>
+                <a:tc>
+                  <a:txBody>
+                    <a:bodyPr/>
+                    <a:lstStyle/>
+                    <a:p>
+                      <a:pPr algn="l" marL="63500" marR="63500">
+                        <a:lnSpc>
+                          <a:spcPct val="100000"/>
+                        </a:lnSpc>
+                        <a:spcBef>
+                          <a:spcPts val="500"/>
+                        </a:spcBef>
+                        <a:spcAft>
+                          <a:spcPts val="500"/>
+                        </a:spcAft>
+                        <a:buNone/>
+                      </a:pPr>
+                      <a:r>
+                        <a:rPr cap="none" sz="1100" i="0" b="0" u="none">
+                          <a:solidFill>
+                            <a:srgbClr val="000000">
+                              <a:alpha val="100000"/>
+                            </a:srgbClr>
+                          </a:solidFill>
+                          <a:latin typeface="DejaVu Sans"/>
+                          <a:cs typeface="DejaVu Sans"/>
+                          <a:ea typeface="DejaVu Sans"/>
+                          <a:sym typeface="DejaVu Sans"/>
+                        </a:rPr>
+                        <a:t>0.30</a:t>
                       </a:r>
                     </a:p>
                   </a:txBody>
@@ -6674,202 +6674,202 @@
                           <a:ea typeface="DejaVu Sans"/>
                           <a:sym typeface="DejaVu Sans"/>
                         </a:rPr>
-                        <a:t>0.00062</a:t>
-                      </a:r>
-                    </a:p>
-                  </a:txBody>
-                  <a:tcPr anchor="ctr" marB="63500" marT="63500" marR="0" marL="0">
-                    <a:lnL algn="ctr" cmpd="sng" cap="flat" w="0">
-                      <a:noFill/>
-                      <a:prstDash val="solid"/>
-                    </a:lnL>
-                    <a:lnR algn="ctr" cmpd="sng" cap="flat" w="0">
-                      <a:noFill/>
-                      <a:prstDash val="solid"/>
-                    </a:lnR>
-                    <a:lnT algn="ctr" cmpd="sng" cap="flat" w="9525">
-                      <a:solidFill>
-                        <a:srgbClr val="666666">
-                          <a:alpha val="100000"/>
-                        </a:srgbClr>
-                      </a:solidFill>
-                      <a:prstDash val="solid"/>
-                    </a:lnT>
-                    <a:lnB algn="ctr" cmpd="sng" cap="flat" w="9525">
-                      <a:solidFill>
-                        <a:srgbClr val="666666">
-                          <a:alpha val="100000"/>
-                        </a:srgbClr>
-                      </a:solidFill>
-                      <a:prstDash val="solid"/>
-                    </a:lnB>
-                    <a:solidFill>
-                      <a:srgbClr val="FFFFFF">
-                        <a:alpha val="0"/>
-                      </a:srgbClr>
-                    </a:solidFill>
-                  </a:tcPr>
-                </a:tc>
-                <a:tc>
-                  <a:txBody>
-                    <a:bodyPr/>
-                    <a:lstStyle/>
-                    <a:p>
-                      <a:pPr algn="l" marL="63500" marR="63500">
-                        <a:lnSpc>
-                          <a:spcPct val="100000"/>
-                        </a:lnSpc>
-                        <a:spcBef>
-                          <a:spcPts val="500"/>
-                        </a:spcBef>
-                        <a:spcAft>
-                          <a:spcPts val="500"/>
-                        </a:spcAft>
-                        <a:buNone/>
-                      </a:pPr>
-                      <a:r>
-                        <a:rPr cap="none" sz="1100" i="0" b="0" u="none">
-                          <a:solidFill>
-                            <a:srgbClr val="000000">
-                              <a:alpha val="100000"/>
-                            </a:srgbClr>
-                          </a:solidFill>
-                          <a:latin typeface="DejaVu Sans"/>
-                          <a:cs typeface="DejaVu Sans"/>
-                          <a:ea typeface="DejaVu Sans"/>
-                          <a:sym typeface="DejaVu Sans"/>
-                        </a:rPr>
-                        <a:t>0.11</a:t>
-                      </a:r>
-                    </a:p>
-                  </a:txBody>
-                  <a:tcPr anchor="ctr" marB="63500" marT="63500" marR="0" marL="0">
-                    <a:lnL algn="ctr" cmpd="sng" cap="flat" w="0">
-                      <a:noFill/>
-                      <a:prstDash val="solid"/>
-                    </a:lnL>
-                    <a:lnR algn="ctr" cmpd="sng" cap="flat" w="0">
-                      <a:noFill/>
-                      <a:prstDash val="solid"/>
-                    </a:lnR>
-                    <a:lnT algn="ctr" cmpd="sng" cap="flat" w="9525">
-                      <a:solidFill>
-                        <a:srgbClr val="666666">
-                          <a:alpha val="100000"/>
-                        </a:srgbClr>
-                      </a:solidFill>
-                      <a:prstDash val="solid"/>
-                    </a:lnT>
-                    <a:lnB algn="ctr" cmpd="sng" cap="flat" w="9525">
-                      <a:solidFill>
-                        <a:srgbClr val="666666">
-                          <a:alpha val="100000"/>
-                        </a:srgbClr>
-                      </a:solidFill>
-                      <a:prstDash val="solid"/>
-                    </a:lnB>
-                    <a:solidFill>
-                      <a:srgbClr val="FFFFFF">
-                        <a:alpha val="0"/>
-                      </a:srgbClr>
-                    </a:solidFill>
-                  </a:tcPr>
-                </a:tc>
-                <a:tc>
-                  <a:txBody>
-                    <a:bodyPr/>
-                    <a:lstStyle/>
-                    <a:p>
-                      <a:pPr algn="l" marL="63500" marR="63500">
-                        <a:lnSpc>
-                          <a:spcPct val="100000"/>
-                        </a:lnSpc>
-                        <a:spcBef>
-                          <a:spcPts val="500"/>
-                        </a:spcBef>
-                        <a:spcAft>
-                          <a:spcPts val="500"/>
-                        </a:spcAft>
-                        <a:buNone/>
-                      </a:pPr>
-                      <a:r>
-                        <a:rPr cap="none" sz="1100" i="0" b="0" u="none">
-                          <a:solidFill>
-                            <a:srgbClr val="000000">
-                              <a:alpha val="100000"/>
-                            </a:srgbClr>
-                          </a:solidFill>
-                          <a:latin typeface="DejaVu Sans"/>
-                          <a:cs typeface="DejaVu Sans"/>
-                          <a:ea typeface="DejaVu Sans"/>
-                          <a:sym typeface="DejaVu Sans"/>
-                        </a:rPr>
-                        <a:t>0.86</a:t>
-                      </a:r>
-                    </a:p>
-                  </a:txBody>
-                  <a:tcPr anchor="ctr" marB="63500" marT="63500" marR="0" marL="0">
-                    <a:lnL algn="ctr" cmpd="sng" cap="flat" w="0">
-                      <a:noFill/>
-                      <a:prstDash val="solid"/>
-                    </a:lnL>
-                    <a:lnR algn="ctr" cmpd="sng" cap="flat" w="0">
-                      <a:noFill/>
-                      <a:prstDash val="solid"/>
-                    </a:lnR>
-                    <a:lnT algn="ctr" cmpd="sng" cap="flat" w="9525">
-                      <a:solidFill>
-                        <a:srgbClr val="666666">
-                          <a:alpha val="100000"/>
-                        </a:srgbClr>
-                      </a:solidFill>
-                      <a:prstDash val="solid"/>
-                    </a:lnT>
-                    <a:lnB algn="ctr" cmpd="sng" cap="flat" w="9525">
-                      <a:solidFill>
-                        <a:srgbClr val="666666">
-                          <a:alpha val="100000"/>
-                        </a:srgbClr>
-                      </a:solidFill>
-                      <a:prstDash val="solid"/>
-                    </a:lnB>
-                    <a:solidFill>
-                      <a:srgbClr val="FFFFFF">
-                        <a:alpha val="0"/>
-                      </a:srgbClr>
-                    </a:solidFill>
-                  </a:tcPr>
-                </a:tc>
-                <a:tc>
-                  <a:txBody>
-                    <a:bodyPr/>
-                    <a:lstStyle/>
-                    <a:p>
-                      <a:pPr algn="l" marL="63500" marR="63500">
-                        <a:lnSpc>
-                          <a:spcPct val="100000"/>
-                        </a:lnSpc>
-                        <a:spcBef>
-                          <a:spcPts val="500"/>
-                        </a:spcBef>
-                        <a:spcAft>
-                          <a:spcPts val="500"/>
-                        </a:spcAft>
-                        <a:buNone/>
-                      </a:pPr>
-                      <a:r>
-                        <a:rPr cap="none" sz="1100" i="0" b="0" u="none">
-                          <a:solidFill>
-                            <a:srgbClr val="000000">
-                              <a:alpha val="100000"/>
-                            </a:srgbClr>
-                          </a:solidFill>
-                          <a:latin typeface="DejaVu Sans"/>
-                          <a:cs typeface="DejaVu Sans"/>
-                          <a:ea typeface="DejaVu Sans"/>
-                          <a:sym typeface="DejaVu Sans"/>
-                        </a:rPr>
-                        <a:t>1.0</a:t>
+                        <a:t>0.0021</a:t>
+                      </a:r>
+                    </a:p>
+                  </a:txBody>
+                  <a:tcPr anchor="ctr" marB="63500" marT="63500" marR="0" marL="0">
+                    <a:lnL algn="ctr" cmpd="sng" cap="flat" w="0">
+                      <a:noFill/>
+                      <a:prstDash val="solid"/>
+                    </a:lnL>
+                    <a:lnR algn="ctr" cmpd="sng" cap="flat" w="0">
+                      <a:noFill/>
+                      <a:prstDash val="solid"/>
+                    </a:lnR>
+                    <a:lnT algn="ctr" cmpd="sng" cap="flat" w="9525">
+                      <a:solidFill>
+                        <a:srgbClr val="666666">
+                          <a:alpha val="100000"/>
+                        </a:srgbClr>
+                      </a:solidFill>
+                      <a:prstDash val="solid"/>
+                    </a:lnT>
+                    <a:lnB algn="ctr" cmpd="sng" cap="flat" w="9525">
+                      <a:solidFill>
+                        <a:srgbClr val="666666">
+                          <a:alpha val="100000"/>
+                        </a:srgbClr>
+                      </a:solidFill>
+                      <a:prstDash val="solid"/>
+                    </a:lnB>
+                    <a:solidFill>
+                      <a:srgbClr val="FFFFFF">
+                        <a:alpha val="0"/>
+                      </a:srgbClr>
+                    </a:solidFill>
+                  </a:tcPr>
+                </a:tc>
+                <a:tc>
+                  <a:txBody>
+                    <a:bodyPr/>
+                    <a:lstStyle/>
+                    <a:p>
+                      <a:pPr algn="l" marL="63500" marR="63500">
+                        <a:lnSpc>
+                          <a:spcPct val="100000"/>
+                        </a:lnSpc>
+                        <a:spcBef>
+                          <a:spcPts val="500"/>
+                        </a:spcBef>
+                        <a:spcAft>
+                          <a:spcPts val="500"/>
+                        </a:spcAft>
+                        <a:buNone/>
+                      </a:pPr>
+                      <a:r>
+                        <a:rPr cap="none" sz="1100" i="0" b="0" u="none">
+                          <a:solidFill>
+                            <a:srgbClr val="000000">
+                              <a:alpha val="100000"/>
+                            </a:srgbClr>
+                          </a:solidFill>
+                          <a:latin typeface="DejaVu Sans"/>
+                          <a:cs typeface="DejaVu Sans"/>
+                          <a:ea typeface="DejaVu Sans"/>
+                          <a:sym typeface="DejaVu Sans"/>
+                        </a:rPr>
+                        <a:t>0.28</a:t>
+                      </a:r>
+                    </a:p>
+                  </a:txBody>
+                  <a:tcPr anchor="ctr" marB="63500" marT="63500" marR="0" marL="0">
+                    <a:lnL algn="ctr" cmpd="sng" cap="flat" w="0">
+                      <a:noFill/>
+                      <a:prstDash val="solid"/>
+                    </a:lnL>
+                    <a:lnR algn="ctr" cmpd="sng" cap="flat" w="0">
+                      <a:noFill/>
+                      <a:prstDash val="solid"/>
+                    </a:lnR>
+                    <a:lnT algn="ctr" cmpd="sng" cap="flat" w="9525">
+                      <a:solidFill>
+                        <a:srgbClr val="666666">
+                          <a:alpha val="100000"/>
+                        </a:srgbClr>
+                      </a:solidFill>
+                      <a:prstDash val="solid"/>
+                    </a:lnT>
+                    <a:lnB algn="ctr" cmpd="sng" cap="flat" w="9525">
+                      <a:solidFill>
+                        <a:srgbClr val="666666">
+                          <a:alpha val="100000"/>
+                        </a:srgbClr>
+                      </a:solidFill>
+                      <a:prstDash val="solid"/>
+                    </a:lnB>
+                    <a:solidFill>
+                      <a:srgbClr val="FFFFFF">
+                        <a:alpha val="0"/>
+                      </a:srgbClr>
+                    </a:solidFill>
+                  </a:tcPr>
+                </a:tc>
+                <a:tc>
+                  <a:txBody>
+                    <a:bodyPr/>
+                    <a:lstStyle/>
+                    <a:p>
+                      <a:pPr algn="l" marL="63500" marR="63500">
+                        <a:lnSpc>
+                          <a:spcPct val="100000"/>
+                        </a:lnSpc>
+                        <a:spcBef>
+                          <a:spcPts val="500"/>
+                        </a:spcBef>
+                        <a:spcAft>
+                          <a:spcPts val="500"/>
+                        </a:spcAft>
+                        <a:buNone/>
+                      </a:pPr>
+                      <a:r>
+                        <a:rPr cap="none" sz="1100" i="0" b="0" u="none">
+                          <a:solidFill>
+                            <a:srgbClr val="000000">
+                              <a:alpha val="100000"/>
+                            </a:srgbClr>
+                          </a:solidFill>
+                          <a:latin typeface="DejaVu Sans"/>
+                          <a:cs typeface="DejaVu Sans"/>
+                          <a:ea typeface="DejaVu Sans"/>
+                          <a:sym typeface="DejaVu Sans"/>
+                        </a:rPr>
+                        <a:t>0.72</a:t>
+                      </a:r>
+                    </a:p>
+                  </a:txBody>
+                  <a:tcPr anchor="ctr" marB="63500" marT="63500" marR="0" marL="0">
+                    <a:lnL algn="ctr" cmpd="sng" cap="flat" w="0">
+                      <a:noFill/>
+                      <a:prstDash val="solid"/>
+                    </a:lnL>
+                    <a:lnR algn="ctr" cmpd="sng" cap="flat" w="0">
+                      <a:noFill/>
+                      <a:prstDash val="solid"/>
+                    </a:lnR>
+                    <a:lnT algn="ctr" cmpd="sng" cap="flat" w="9525">
+                      <a:solidFill>
+                        <a:srgbClr val="666666">
+                          <a:alpha val="100000"/>
+                        </a:srgbClr>
+                      </a:solidFill>
+                      <a:prstDash val="solid"/>
+                    </a:lnT>
+                    <a:lnB algn="ctr" cmpd="sng" cap="flat" w="9525">
+                      <a:solidFill>
+                        <a:srgbClr val="666666">
+                          <a:alpha val="100000"/>
+                        </a:srgbClr>
+                      </a:solidFill>
+                      <a:prstDash val="solid"/>
+                    </a:lnB>
+                    <a:solidFill>
+                      <a:srgbClr val="FFFFFF">
+                        <a:alpha val="0"/>
+                      </a:srgbClr>
+                    </a:solidFill>
+                  </a:tcPr>
+                </a:tc>
+                <a:tc>
+                  <a:txBody>
+                    <a:bodyPr/>
+                    <a:lstStyle/>
+                    <a:p>
+                      <a:pPr algn="l" marL="63500" marR="63500">
+                        <a:lnSpc>
+                          <a:spcPct val="100000"/>
+                        </a:lnSpc>
+                        <a:spcBef>
+                          <a:spcPts val="500"/>
+                        </a:spcBef>
+                        <a:spcAft>
+                          <a:spcPts val="500"/>
+                        </a:spcAft>
+                        <a:buNone/>
+                      </a:pPr>
+                      <a:r>
+                        <a:rPr cap="none" sz="1100" i="0" b="0" u="none">
+                          <a:solidFill>
+                            <a:srgbClr val="000000">
+                              <a:alpha val="100000"/>
+                            </a:srgbClr>
+                          </a:solidFill>
+                          <a:latin typeface="DejaVu Sans"/>
+                          <a:cs typeface="DejaVu Sans"/>
+                          <a:ea typeface="DejaVu Sans"/>
+                          <a:sym typeface="DejaVu Sans"/>
+                        </a:rPr>
+                        <a:t>0.72</a:t>
                       </a:r>
                     </a:p>
                   </a:txBody>
@@ -7196,202 +7196,202 @@
                           <a:ea typeface="DejaVu Sans"/>
                           <a:sym typeface="DejaVu Sans"/>
                         </a:rPr>
-                        <a:t>0.052</a:t>
-                      </a:r>
-                    </a:p>
-                  </a:txBody>
-                  <a:tcPr anchor="ctr" marB="63500" marT="63500" marR="0" marL="0">
-                    <a:lnL algn="ctr" cmpd="sng" cap="flat" w="0">
-                      <a:noFill/>
-                      <a:prstDash val="solid"/>
-                    </a:lnL>
-                    <a:lnR algn="ctr" cmpd="sng" cap="flat" w="0">
-                      <a:noFill/>
-                      <a:prstDash val="solid"/>
-                    </a:lnR>
-                    <a:lnT algn="ctr" cmpd="sng" cap="flat" w="9525">
-                      <a:solidFill>
-                        <a:srgbClr val="666666">
-                          <a:alpha val="100000"/>
-                        </a:srgbClr>
-                      </a:solidFill>
-                      <a:prstDash val="solid"/>
-                    </a:lnT>
-                    <a:lnB algn="ctr" cmpd="sng" cap="flat" w="9525">
-                      <a:solidFill>
-                        <a:srgbClr val="666666">
-                          <a:alpha val="100000"/>
-                        </a:srgbClr>
-                      </a:solidFill>
-                      <a:prstDash val="solid"/>
-                    </a:lnB>
-                    <a:solidFill>
-                      <a:srgbClr val="FFFFFF">
-                        <a:alpha val="0"/>
-                      </a:srgbClr>
-                    </a:solidFill>
-                  </a:tcPr>
-                </a:tc>
-                <a:tc>
-                  <a:txBody>
-                    <a:bodyPr/>
-                    <a:lstStyle/>
-                    <a:p>
-                      <a:pPr algn="l" marL="63500" marR="63500">
-                        <a:lnSpc>
-                          <a:spcPct val="100000"/>
-                        </a:lnSpc>
-                        <a:spcBef>
-                          <a:spcPts val="500"/>
-                        </a:spcBef>
-                        <a:spcAft>
-                          <a:spcPts val="500"/>
-                        </a:spcAft>
-                        <a:buNone/>
-                      </a:pPr>
-                      <a:r>
-                        <a:rPr cap="none" sz="1100" i="0" b="0" u="none">
-                          <a:solidFill>
-                            <a:srgbClr val="000000">
-                              <a:alpha val="100000"/>
-                            </a:srgbClr>
-                          </a:solidFill>
-                          <a:latin typeface="DejaVu Sans"/>
-                          <a:cs typeface="DejaVu Sans"/>
-                          <a:ea typeface="DejaVu Sans"/>
-                          <a:sym typeface="DejaVu Sans"/>
-                        </a:rPr>
-                        <a:t>1.4</a:t>
-                      </a:r>
-                    </a:p>
-                  </a:txBody>
-                  <a:tcPr anchor="ctr" marB="63500" marT="63500" marR="0" marL="0">
-                    <a:lnL algn="ctr" cmpd="sng" cap="flat" w="0">
-                      <a:noFill/>
-                      <a:prstDash val="solid"/>
-                    </a:lnL>
-                    <a:lnR algn="ctr" cmpd="sng" cap="flat" w="0">
-                      <a:noFill/>
-                      <a:prstDash val="solid"/>
-                    </a:lnR>
-                    <a:lnT algn="ctr" cmpd="sng" cap="flat" w="9525">
-                      <a:solidFill>
-                        <a:srgbClr val="666666">
-                          <a:alpha val="100000"/>
-                        </a:srgbClr>
-                      </a:solidFill>
-                      <a:prstDash val="solid"/>
-                    </a:lnT>
-                    <a:lnB algn="ctr" cmpd="sng" cap="flat" w="9525">
-                      <a:solidFill>
-                        <a:srgbClr val="666666">
-                          <a:alpha val="100000"/>
-                        </a:srgbClr>
-                      </a:solidFill>
-                      <a:prstDash val="solid"/>
-                    </a:lnB>
-                    <a:solidFill>
-                      <a:srgbClr val="FFFFFF">
-                        <a:alpha val="0"/>
-                      </a:srgbClr>
-                    </a:solidFill>
-                  </a:tcPr>
-                </a:tc>
-                <a:tc>
-                  <a:txBody>
-                    <a:bodyPr/>
-                    <a:lstStyle/>
-                    <a:p>
-                      <a:pPr algn="l" marL="63500" marR="63500">
-                        <a:lnSpc>
-                          <a:spcPct val="100000"/>
-                        </a:lnSpc>
-                        <a:spcBef>
-                          <a:spcPts val="500"/>
-                        </a:spcBef>
-                        <a:spcAft>
-                          <a:spcPts val="500"/>
-                        </a:spcAft>
-                        <a:buNone/>
-                      </a:pPr>
-                      <a:r>
-                        <a:rPr cap="none" sz="1100" i="0" b="0" u="none">
-                          <a:solidFill>
-                            <a:srgbClr val="000000">
-                              <a:alpha val="100000"/>
-                            </a:srgbClr>
-                          </a:solidFill>
-                          <a:latin typeface="DejaVu Sans"/>
-                          <a:cs typeface="DejaVu Sans"/>
-                          <a:ea typeface="DejaVu Sans"/>
-                          <a:sym typeface="DejaVu Sans"/>
-                        </a:rPr>
-                        <a:t>0.088</a:t>
-                      </a:r>
-                    </a:p>
-                  </a:txBody>
-                  <a:tcPr anchor="ctr" marB="63500" marT="63500" marR="0" marL="0">
-                    <a:lnL algn="ctr" cmpd="sng" cap="flat" w="0">
-                      <a:noFill/>
-                      <a:prstDash val="solid"/>
-                    </a:lnL>
-                    <a:lnR algn="ctr" cmpd="sng" cap="flat" w="0">
-                      <a:noFill/>
-                      <a:prstDash val="solid"/>
-                    </a:lnR>
-                    <a:lnT algn="ctr" cmpd="sng" cap="flat" w="9525">
-                      <a:solidFill>
-                        <a:srgbClr val="666666">
-                          <a:alpha val="100000"/>
-                        </a:srgbClr>
-                      </a:solidFill>
-                      <a:prstDash val="solid"/>
-                    </a:lnT>
-                    <a:lnB algn="ctr" cmpd="sng" cap="flat" w="9525">
-                      <a:solidFill>
-                        <a:srgbClr val="666666">
-                          <a:alpha val="100000"/>
-                        </a:srgbClr>
-                      </a:solidFill>
-                      <a:prstDash val="solid"/>
-                    </a:lnB>
-                    <a:solidFill>
-                      <a:srgbClr val="FFFFFF">
-                        <a:alpha val="0"/>
-                      </a:srgbClr>
-                    </a:solidFill>
-                  </a:tcPr>
-                </a:tc>
-                <a:tc>
-                  <a:txBody>
-                    <a:bodyPr/>
-                    <a:lstStyle/>
-                    <a:p>
-                      <a:pPr algn="l" marL="63500" marR="63500">
-                        <a:lnSpc>
-                          <a:spcPct val="100000"/>
-                        </a:lnSpc>
-                        <a:spcBef>
-                          <a:spcPts val="500"/>
-                        </a:spcBef>
-                        <a:spcAft>
-                          <a:spcPts val="500"/>
-                        </a:spcAft>
-                        <a:buNone/>
-                      </a:pPr>
-                      <a:r>
-                        <a:rPr cap="none" sz="1100" i="0" b="0" u="none">
-                          <a:solidFill>
-                            <a:srgbClr val="000000">
-                              <a:alpha val="100000"/>
-                            </a:srgbClr>
-                          </a:solidFill>
-                          <a:latin typeface="DejaVu Sans"/>
-                          <a:cs typeface="DejaVu Sans"/>
-                          <a:ea typeface="DejaVu Sans"/>
-                          <a:sym typeface="DejaVu Sans"/>
-                        </a:rPr>
-                        <a:t>1.0</a:t>
+                        <a:t>0.058</a:t>
+                      </a:r>
+                    </a:p>
+                  </a:txBody>
+                  <a:tcPr anchor="ctr" marB="63500" marT="63500" marR="0" marL="0">
+                    <a:lnL algn="ctr" cmpd="sng" cap="flat" w="0">
+                      <a:noFill/>
+                      <a:prstDash val="solid"/>
+                    </a:lnL>
+                    <a:lnR algn="ctr" cmpd="sng" cap="flat" w="0">
+                      <a:noFill/>
+                      <a:prstDash val="solid"/>
+                    </a:lnR>
+                    <a:lnT algn="ctr" cmpd="sng" cap="flat" w="9525">
+                      <a:solidFill>
+                        <a:srgbClr val="666666">
+                          <a:alpha val="100000"/>
+                        </a:srgbClr>
+                      </a:solidFill>
+                      <a:prstDash val="solid"/>
+                    </a:lnT>
+                    <a:lnB algn="ctr" cmpd="sng" cap="flat" w="9525">
+                      <a:solidFill>
+                        <a:srgbClr val="666666">
+                          <a:alpha val="100000"/>
+                        </a:srgbClr>
+                      </a:solidFill>
+                      <a:prstDash val="solid"/>
+                    </a:lnB>
+                    <a:solidFill>
+                      <a:srgbClr val="FFFFFF">
+                        <a:alpha val="0"/>
+                      </a:srgbClr>
+                    </a:solidFill>
+                  </a:tcPr>
+                </a:tc>
+                <a:tc>
+                  <a:txBody>
+                    <a:bodyPr/>
+                    <a:lstStyle/>
+                    <a:p>
+                      <a:pPr algn="l" marL="63500" marR="63500">
+                        <a:lnSpc>
+                          <a:spcPct val="100000"/>
+                        </a:lnSpc>
+                        <a:spcBef>
+                          <a:spcPts val="500"/>
+                        </a:spcBef>
+                        <a:spcAft>
+                          <a:spcPts val="500"/>
+                        </a:spcAft>
+                        <a:buNone/>
+                      </a:pPr>
+                      <a:r>
+                        <a:rPr cap="none" sz="1100" i="0" b="0" u="none">
+                          <a:solidFill>
+                            <a:srgbClr val="000000">
+                              <a:alpha val="100000"/>
+                            </a:srgbClr>
+                          </a:solidFill>
+                          <a:latin typeface="DejaVu Sans"/>
+                          <a:cs typeface="DejaVu Sans"/>
+                          <a:ea typeface="DejaVu Sans"/>
+                          <a:sym typeface="DejaVu Sans"/>
+                        </a:rPr>
+                        <a:t>1.5</a:t>
+                      </a:r>
+                    </a:p>
+                  </a:txBody>
+                  <a:tcPr anchor="ctr" marB="63500" marT="63500" marR="0" marL="0">
+                    <a:lnL algn="ctr" cmpd="sng" cap="flat" w="0">
+                      <a:noFill/>
+                      <a:prstDash val="solid"/>
+                    </a:lnL>
+                    <a:lnR algn="ctr" cmpd="sng" cap="flat" w="0">
+                      <a:noFill/>
+                      <a:prstDash val="solid"/>
+                    </a:lnR>
+                    <a:lnT algn="ctr" cmpd="sng" cap="flat" w="9525">
+                      <a:solidFill>
+                        <a:srgbClr val="666666">
+                          <a:alpha val="100000"/>
+                        </a:srgbClr>
+                      </a:solidFill>
+                      <a:prstDash val="solid"/>
+                    </a:lnT>
+                    <a:lnB algn="ctr" cmpd="sng" cap="flat" w="9525">
+                      <a:solidFill>
+                        <a:srgbClr val="666666">
+                          <a:alpha val="100000"/>
+                        </a:srgbClr>
+                      </a:solidFill>
+                      <a:prstDash val="solid"/>
+                    </a:lnB>
+                    <a:solidFill>
+                      <a:srgbClr val="FFFFFF">
+                        <a:alpha val="0"/>
+                      </a:srgbClr>
+                    </a:solidFill>
+                  </a:tcPr>
+                </a:tc>
+                <a:tc>
+                  <a:txBody>
+                    <a:bodyPr/>
+                    <a:lstStyle/>
+                    <a:p>
+                      <a:pPr algn="l" marL="63500" marR="63500">
+                        <a:lnSpc>
+                          <a:spcPct val="100000"/>
+                        </a:lnSpc>
+                        <a:spcBef>
+                          <a:spcPts val="500"/>
+                        </a:spcBef>
+                        <a:spcAft>
+                          <a:spcPts val="500"/>
+                        </a:spcAft>
+                        <a:buNone/>
+                      </a:pPr>
+                      <a:r>
+                        <a:rPr cap="none" sz="1100" i="0" b="0" u="none">
+                          <a:solidFill>
+                            <a:srgbClr val="000000">
+                              <a:alpha val="100000"/>
+                            </a:srgbClr>
+                          </a:solidFill>
+                          <a:latin typeface="DejaVu Sans"/>
+                          <a:cs typeface="DejaVu Sans"/>
+                          <a:ea typeface="DejaVu Sans"/>
+                          <a:sym typeface="DejaVu Sans"/>
+                        </a:rPr>
+                        <a:t>0.079</a:t>
+                      </a:r>
+                    </a:p>
+                  </a:txBody>
+                  <a:tcPr anchor="ctr" marB="63500" marT="63500" marR="0" marL="0">
+                    <a:lnL algn="ctr" cmpd="sng" cap="flat" w="0">
+                      <a:noFill/>
+                      <a:prstDash val="solid"/>
+                    </a:lnL>
+                    <a:lnR algn="ctr" cmpd="sng" cap="flat" w="0">
+                      <a:noFill/>
+                      <a:prstDash val="solid"/>
+                    </a:lnR>
+                    <a:lnT algn="ctr" cmpd="sng" cap="flat" w="9525">
+                      <a:solidFill>
+                        <a:srgbClr val="666666">
+                          <a:alpha val="100000"/>
+                        </a:srgbClr>
+                      </a:solidFill>
+                      <a:prstDash val="solid"/>
+                    </a:lnT>
+                    <a:lnB algn="ctr" cmpd="sng" cap="flat" w="9525">
+                      <a:solidFill>
+                        <a:srgbClr val="666666">
+                          <a:alpha val="100000"/>
+                        </a:srgbClr>
+                      </a:solidFill>
+                      <a:prstDash val="solid"/>
+                    </a:lnB>
+                    <a:solidFill>
+                      <a:srgbClr val="FFFFFF">
+                        <a:alpha val="0"/>
+                      </a:srgbClr>
+                    </a:solidFill>
+                  </a:tcPr>
+                </a:tc>
+                <a:tc>
+                  <a:txBody>
+                    <a:bodyPr/>
+                    <a:lstStyle/>
+                    <a:p>
+                      <a:pPr algn="l" marL="63500" marR="63500">
+                        <a:lnSpc>
+                          <a:spcPct val="100000"/>
+                        </a:lnSpc>
+                        <a:spcBef>
+                          <a:spcPts val="500"/>
+                        </a:spcBef>
+                        <a:spcAft>
+                          <a:spcPts val="500"/>
+                        </a:spcAft>
+                        <a:buNone/>
+                      </a:pPr>
+                      <a:r>
+                        <a:rPr cap="none" sz="1100" i="0" b="0" u="none">
+                          <a:solidFill>
+                            <a:srgbClr val="000000">
+                              <a:alpha val="100000"/>
+                            </a:srgbClr>
+                          </a:solidFill>
+                          <a:latin typeface="DejaVu Sans"/>
+                          <a:cs typeface="DejaVu Sans"/>
+                          <a:ea typeface="DejaVu Sans"/>
+                          <a:sym typeface="DejaVu Sans"/>
+                        </a:rPr>
+                        <a:t>0.21</a:t>
                       </a:r>
                     </a:p>
                   </a:txBody>
@@ -7718,202 +7718,202 @@
                           <a:ea typeface="DejaVu Sans"/>
                           <a:sym typeface="DejaVu Sans"/>
                         </a:rPr>
-                        <a:t>0.054</a:t>
-                      </a:r>
-                    </a:p>
-                  </a:txBody>
-                  <a:tcPr anchor="ctr" marB="63500" marT="63500" marR="0" marL="0">
-                    <a:lnL algn="ctr" cmpd="sng" cap="flat" w="0">
-                      <a:noFill/>
-                      <a:prstDash val="solid"/>
-                    </a:lnL>
-                    <a:lnR algn="ctr" cmpd="sng" cap="flat" w="0">
-                      <a:noFill/>
-                      <a:prstDash val="solid"/>
-                    </a:lnR>
-                    <a:lnT algn="ctr" cmpd="sng" cap="flat" w="9525">
-                      <a:solidFill>
-                        <a:srgbClr val="666666">
-                          <a:alpha val="100000"/>
-                        </a:srgbClr>
-                      </a:solidFill>
-                      <a:prstDash val="solid"/>
-                    </a:lnT>
-                    <a:lnB algn="ctr" cmpd="sng" cap="flat" w="9525">
-                      <a:solidFill>
-                        <a:srgbClr val="666666">
-                          <a:alpha val="100000"/>
-                        </a:srgbClr>
-                      </a:solidFill>
-                      <a:prstDash val="solid"/>
-                    </a:lnB>
-                    <a:solidFill>
-                      <a:srgbClr val="FFFFFF">
-                        <a:alpha val="0"/>
-                      </a:srgbClr>
-                    </a:solidFill>
-                  </a:tcPr>
-                </a:tc>
-                <a:tc>
-                  <a:txBody>
-                    <a:bodyPr/>
-                    <a:lstStyle/>
-                    <a:p>
-                      <a:pPr algn="l" marL="63500" marR="63500">
-                        <a:lnSpc>
-                          <a:spcPct val="100000"/>
-                        </a:lnSpc>
-                        <a:spcBef>
-                          <a:spcPts val="500"/>
-                        </a:spcBef>
-                        <a:spcAft>
-                          <a:spcPts val="500"/>
-                        </a:spcAft>
-                        <a:buNone/>
-                      </a:pPr>
-                      <a:r>
-                        <a:rPr cap="none" sz="1100" i="0" b="0" u="none">
-                          <a:solidFill>
-                            <a:srgbClr val="000000">
-                              <a:alpha val="100000"/>
-                            </a:srgbClr>
-                          </a:solidFill>
-                          <a:latin typeface="DejaVu Sans"/>
-                          <a:cs typeface="DejaVu Sans"/>
-                          <a:ea typeface="DejaVu Sans"/>
-                          <a:sym typeface="DejaVu Sans"/>
-                        </a:rPr>
-                        <a:t>1.5</a:t>
-                      </a:r>
-                    </a:p>
-                  </a:txBody>
-                  <a:tcPr anchor="ctr" marB="63500" marT="63500" marR="0" marL="0">
-                    <a:lnL algn="ctr" cmpd="sng" cap="flat" w="0">
-                      <a:noFill/>
-                      <a:prstDash val="solid"/>
-                    </a:lnL>
-                    <a:lnR algn="ctr" cmpd="sng" cap="flat" w="0">
-                      <a:noFill/>
-                      <a:prstDash val="solid"/>
-                    </a:lnR>
-                    <a:lnT algn="ctr" cmpd="sng" cap="flat" w="9525">
-                      <a:solidFill>
-                        <a:srgbClr val="666666">
-                          <a:alpha val="100000"/>
-                        </a:srgbClr>
-                      </a:solidFill>
-                      <a:prstDash val="solid"/>
-                    </a:lnT>
-                    <a:lnB algn="ctr" cmpd="sng" cap="flat" w="9525">
-                      <a:solidFill>
-                        <a:srgbClr val="666666">
-                          <a:alpha val="100000"/>
-                        </a:srgbClr>
-                      </a:solidFill>
-                      <a:prstDash val="solid"/>
-                    </a:lnB>
-                    <a:solidFill>
-                      <a:srgbClr val="FFFFFF">
-                        <a:alpha val="0"/>
-                      </a:srgbClr>
-                    </a:solidFill>
-                  </a:tcPr>
-                </a:tc>
-                <a:tc>
-                  <a:txBody>
-                    <a:bodyPr/>
-                    <a:lstStyle/>
-                    <a:p>
-                      <a:pPr algn="l" marL="63500" marR="63500">
-                        <a:lnSpc>
-                          <a:spcPct val="100000"/>
-                        </a:lnSpc>
-                        <a:spcBef>
-                          <a:spcPts val="500"/>
-                        </a:spcBef>
-                        <a:spcAft>
-                          <a:spcPts val="500"/>
-                        </a:spcAft>
-                        <a:buNone/>
-                      </a:pPr>
-                      <a:r>
-                        <a:rPr cap="none" sz="1100" i="0" b="0" u="none">
-                          <a:solidFill>
-                            <a:srgbClr val="000000">
-                              <a:alpha val="100000"/>
-                            </a:srgbClr>
-                          </a:solidFill>
-                          <a:latin typeface="DejaVu Sans"/>
-                          <a:cs typeface="DejaVu Sans"/>
-                          <a:ea typeface="DejaVu Sans"/>
-                          <a:sym typeface="DejaVu Sans"/>
-                        </a:rPr>
-                        <a:t>0.067</a:t>
-                      </a:r>
-                    </a:p>
-                  </a:txBody>
-                  <a:tcPr anchor="ctr" marB="63500" marT="63500" marR="0" marL="0">
-                    <a:lnL algn="ctr" cmpd="sng" cap="flat" w="0">
-                      <a:noFill/>
-                      <a:prstDash val="solid"/>
-                    </a:lnL>
-                    <a:lnR algn="ctr" cmpd="sng" cap="flat" w="0">
-                      <a:noFill/>
-                      <a:prstDash val="solid"/>
-                    </a:lnR>
-                    <a:lnT algn="ctr" cmpd="sng" cap="flat" w="9525">
-                      <a:solidFill>
-                        <a:srgbClr val="666666">
-                          <a:alpha val="100000"/>
-                        </a:srgbClr>
-                      </a:solidFill>
-                      <a:prstDash val="solid"/>
-                    </a:lnT>
-                    <a:lnB algn="ctr" cmpd="sng" cap="flat" w="9525">
-                      <a:solidFill>
-                        <a:srgbClr val="666666">
-                          <a:alpha val="100000"/>
-                        </a:srgbClr>
-                      </a:solidFill>
-                      <a:prstDash val="solid"/>
-                    </a:lnB>
-                    <a:solidFill>
-                      <a:srgbClr val="FFFFFF">
-                        <a:alpha val="0"/>
-                      </a:srgbClr>
-                    </a:solidFill>
-                  </a:tcPr>
-                </a:tc>
-                <a:tc>
-                  <a:txBody>
-                    <a:bodyPr/>
-                    <a:lstStyle/>
-                    <a:p>
-                      <a:pPr algn="l" marL="63500" marR="63500">
-                        <a:lnSpc>
-                          <a:spcPct val="100000"/>
-                        </a:lnSpc>
-                        <a:spcBef>
-                          <a:spcPts val="500"/>
-                        </a:spcBef>
-                        <a:spcAft>
-                          <a:spcPts val="500"/>
-                        </a:spcAft>
-                        <a:buNone/>
-                      </a:pPr>
-                      <a:r>
-                        <a:rPr cap="none" sz="1100" i="0" b="0" u="none">
-                          <a:solidFill>
-                            <a:srgbClr val="000000">
-                              <a:alpha val="100000"/>
-                            </a:srgbClr>
-                          </a:solidFill>
-                          <a:latin typeface="DejaVu Sans"/>
-                          <a:cs typeface="DejaVu Sans"/>
-                          <a:ea typeface="DejaVu Sans"/>
-                          <a:sym typeface="DejaVu Sans"/>
-                        </a:rPr>
-                        <a:t>0.93</a:t>
+                        <a:t>0.069</a:t>
+                      </a:r>
+                    </a:p>
+                  </a:txBody>
+                  <a:tcPr anchor="ctr" marB="63500" marT="63500" marR="0" marL="0">
+                    <a:lnL algn="ctr" cmpd="sng" cap="flat" w="0">
+                      <a:noFill/>
+                      <a:prstDash val="solid"/>
+                    </a:lnL>
+                    <a:lnR algn="ctr" cmpd="sng" cap="flat" w="0">
+                      <a:noFill/>
+                      <a:prstDash val="solid"/>
+                    </a:lnR>
+                    <a:lnT algn="ctr" cmpd="sng" cap="flat" w="9525">
+                      <a:solidFill>
+                        <a:srgbClr val="666666">
+                          <a:alpha val="100000"/>
+                        </a:srgbClr>
+                      </a:solidFill>
+                      <a:prstDash val="solid"/>
+                    </a:lnT>
+                    <a:lnB algn="ctr" cmpd="sng" cap="flat" w="9525">
+                      <a:solidFill>
+                        <a:srgbClr val="666666">
+                          <a:alpha val="100000"/>
+                        </a:srgbClr>
+                      </a:solidFill>
+                      <a:prstDash val="solid"/>
+                    </a:lnB>
+                    <a:solidFill>
+                      <a:srgbClr val="FFFFFF">
+                        <a:alpha val="0"/>
+                      </a:srgbClr>
+                    </a:solidFill>
+                  </a:tcPr>
+                </a:tc>
+                <a:tc>
+                  <a:txBody>
+                    <a:bodyPr/>
+                    <a:lstStyle/>
+                    <a:p>
+                      <a:pPr algn="l" marL="63500" marR="63500">
+                        <a:lnSpc>
+                          <a:spcPct val="100000"/>
+                        </a:lnSpc>
+                        <a:spcBef>
+                          <a:spcPts val="500"/>
+                        </a:spcBef>
+                        <a:spcAft>
+                          <a:spcPts val="500"/>
+                        </a:spcAft>
+                        <a:buNone/>
+                      </a:pPr>
+                      <a:r>
+                        <a:rPr cap="none" sz="1100" i="0" b="0" u="none">
+                          <a:solidFill>
+                            <a:srgbClr val="000000">
+                              <a:alpha val="100000"/>
+                            </a:srgbClr>
+                          </a:solidFill>
+                          <a:latin typeface="DejaVu Sans"/>
+                          <a:cs typeface="DejaVu Sans"/>
+                          <a:ea typeface="DejaVu Sans"/>
+                          <a:sym typeface="DejaVu Sans"/>
+                        </a:rPr>
+                        <a:t>1.6</a:t>
+                      </a:r>
+                    </a:p>
+                  </a:txBody>
+                  <a:tcPr anchor="ctr" marB="63500" marT="63500" marR="0" marL="0">
+                    <a:lnL algn="ctr" cmpd="sng" cap="flat" w="0">
+                      <a:noFill/>
+                      <a:prstDash val="solid"/>
+                    </a:lnL>
+                    <a:lnR algn="ctr" cmpd="sng" cap="flat" w="0">
+                      <a:noFill/>
+                      <a:prstDash val="solid"/>
+                    </a:lnR>
+                    <a:lnT algn="ctr" cmpd="sng" cap="flat" w="9525">
+                      <a:solidFill>
+                        <a:srgbClr val="666666">
+                          <a:alpha val="100000"/>
+                        </a:srgbClr>
+                      </a:solidFill>
+                      <a:prstDash val="solid"/>
+                    </a:lnT>
+                    <a:lnB algn="ctr" cmpd="sng" cap="flat" w="9525">
+                      <a:solidFill>
+                        <a:srgbClr val="666666">
+                          <a:alpha val="100000"/>
+                        </a:srgbClr>
+                      </a:solidFill>
+                      <a:prstDash val="solid"/>
+                    </a:lnB>
+                    <a:solidFill>
+                      <a:srgbClr val="FFFFFF">
+                        <a:alpha val="0"/>
+                      </a:srgbClr>
+                    </a:solidFill>
+                  </a:tcPr>
+                </a:tc>
+                <a:tc>
+                  <a:txBody>
+                    <a:bodyPr/>
+                    <a:lstStyle/>
+                    <a:p>
+                      <a:pPr algn="l" marL="63500" marR="63500">
+                        <a:lnSpc>
+                          <a:spcPct val="100000"/>
+                        </a:lnSpc>
+                        <a:spcBef>
+                          <a:spcPts val="500"/>
+                        </a:spcBef>
+                        <a:spcAft>
+                          <a:spcPts val="500"/>
+                        </a:spcAft>
+                        <a:buNone/>
+                      </a:pPr>
+                      <a:r>
+                        <a:rPr cap="none" sz="1100" i="0" b="1" u="none">
+                          <a:solidFill>
+                            <a:srgbClr val="000000">
+                              <a:alpha val="100000"/>
+                            </a:srgbClr>
+                          </a:solidFill>
+                          <a:latin typeface="DejaVu Sans"/>
+                          <a:cs typeface="DejaVu Sans"/>
+                          <a:ea typeface="DejaVu Sans"/>
+                          <a:sym typeface="DejaVu Sans"/>
+                        </a:rPr>
+                        <a:t>0.049</a:t>
+                      </a:r>
+                    </a:p>
+                  </a:txBody>
+                  <a:tcPr anchor="ctr" marB="63500" marT="63500" marR="0" marL="0">
+                    <a:lnL algn="ctr" cmpd="sng" cap="flat" w="0">
+                      <a:noFill/>
+                      <a:prstDash val="solid"/>
+                    </a:lnL>
+                    <a:lnR algn="ctr" cmpd="sng" cap="flat" w="0">
+                      <a:noFill/>
+                      <a:prstDash val="solid"/>
+                    </a:lnR>
+                    <a:lnT algn="ctr" cmpd="sng" cap="flat" w="9525">
+                      <a:solidFill>
+                        <a:srgbClr val="666666">
+                          <a:alpha val="100000"/>
+                        </a:srgbClr>
+                      </a:solidFill>
+                      <a:prstDash val="solid"/>
+                    </a:lnT>
+                    <a:lnB algn="ctr" cmpd="sng" cap="flat" w="9525">
+                      <a:solidFill>
+                        <a:srgbClr val="666666">
+                          <a:alpha val="100000"/>
+                        </a:srgbClr>
+                      </a:solidFill>
+                      <a:prstDash val="solid"/>
+                    </a:lnB>
+                    <a:solidFill>
+                      <a:srgbClr val="FFFFFF">
+                        <a:alpha val="0"/>
+                      </a:srgbClr>
+                    </a:solidFill>
+                  </a:tcPr>
+                </a:tc>
+                <a:tc>
+                  <a:txBody>
+                    <a:bodyPr/>
+                    <a:lstStyle/>
+                    <a:p>
+                      <a:pPr algn="l" marL="63500" marR="63500">
+                        <a:lnSpc>
+                          <a:spcPct val="100000"/>
+                        </a:lnSpc>
+                        <a:spcBef>
+                          <a:spcPts val="500"/>
+                        </a:spcBef>
+                        <a:spcAft>
+                          <a:spcPts val="500"/>
+                        </a:spcAft>
+                        <a:buNone/>
+                      </a:pPr>
+                      <a:r>
+                        <a:rPr cap="none" sz="1100" i="0" b="1" u="none">
+                          <a:solidFill>
+                            <a:srgbClr val="000000">
+                              <a:alpha val="100000"/>
+                            </a:srgbClr>
+                          </a:solidFill>
+                          <a:latin typeface="DejaVu Sans"/>
+                          <a:cs typeface="DejaVu Sans"/>
+                          <a:ea typeface="DejaVu Sans"/>
+                          <a:sym typeface="DejaVu Sans"/>
+                        </a:rPr>
+                        <a:t>0.17</a:t>
                       </a:r>
                     </a:p>
                   </a:txBody>
@@ -8240,72 +8240,72 @@
                           <a:ea typeface="DejaVu Sans"/>
                           <a:sym typeface="DejaVu Sans"/>
                         </a:rPr>
-                        <a:t>0.062</a:t>
-                      </a:r>
-                    </a:p>
-                  </a:txBody>
-                  <a:tcPr anchor="ctr" marB="63500" marT="63500" marR="0" marL="0">
-                    <a:lnL algn="ctr" cmpd="sng" cap="flat" w="0">
-                      <a:noFill/>
-                      <a:prstDash val="solid"/>
-                    </a:lnL>
-                    <a:lnR algn="ctr" cmpd="sng" cap="flat" w="0">
-                      <a:noFill/>
-                      <a:prstDash val="solid"/>
-                    </a:lnR>
-                    <a:lnT algn="ctr" cmpd="sng" cap="flat" w="9525">
-                      <a:solidFill>
-                        <a:srgbClr val="666666">
-                          <a:alpha val="100000"/>
-                        </a:srgbClr>
-                      </a:solidFill>
-                      <a:prstDash val="solid"/>
-                    </a:lnT>
-                    <a:lnB algn="ctr" cmpd="sng" cap="flat" w="9525">
-                      <a:solidFill>
-                        <a:srgbClr val="666666">
-                          <a:alpha val="100000"/>
-                        </a:srgbClr>
-                      </a:solidFill>
-                      <a:prstDash val="solid"/>
-                    </a:lnB>
-                    <a:solidFill>
-                      <a:srgbClr val="FFFFFF">
-                        <a:alpha val="0"/>
-                      </a:srgbClr>
-                    </a:solidFill>
-                  </a:tcPr>
-                </a:tc>
-                <a:tc>
-                  <a:txBody>
-                    <a:bodyPr/>
-                    <a:lstStyle/>
-                    <a:p>
-                      <a:pPr algn="l" marL="63500" marR="63500">
-                        <a:lnSpc>
-                          <a:spcPct val="100000"/>
-                        </a:lnSpc>
-                        <a:spcBef>
-                          <a:spcPts val="500"/>
-                        </a:spcBef>
-                        <a:spcAft>
-                          <a:spcPts val="500"/>
-                        </a:spcAft>
-                        <a:buNone/>
-                      </a:pPr>
-                      <a:r>
-                        <a:rPr cap="none" sz="1100" i="0" b="0" u="none">
-                          <a:solidFill>
-                            <a:srgbClr val="000000">
-                              <a:alpha val="100000"/>
-                            </a:srgbClr>
-                          </a:solidFill>
-                          <a:latin typeface="DejaVu Sans"/>
-                          <a:cs typeface="DejaVu Sans"/>
-                          <a:ea typeface="DejaVu Sans"/>
-                          <a:sym typeface="DejaVu Sans"/>
-                        </a:rPr>
-                        <a:t>1.2</a:t>
+                        <a:t>0.074</a:t>
+                      </a:r>
+                    </a:p>
+                  </a:txBody>
+                  <a:tcPr anchor="ctr" marB="63500" marT="63500" marR="0" marL="0">
+                    <a:lnL algn="ctr" cmpd="sng" cap="flat" w="0">
+                      <a:noFill/>
+                      <a:prstDash val="solid"/>
+                    </a:lnL>
+                    <a:lnR algn="ctr" cmpd="sng" cap="flat" w="0">
+                      <a:noFill/>
+                      <a:prstDash val="solid"/>
+                    </a:lnR>
+                    <a:lnT algn="ctr" cmpd="sng" cap="flat" w="9525">
+                      <a:solidFill>
+                        <a:srgbClr val="666666">
+                          <a:alpha val="100000"/>
+                        </a:srgbClr>
+                      </a:solidFill>
+                      <a:prstDash val="solid"/>
+                    </a:lnT>
+                    <a:lnB algn="ctr" cmpd="sng" cap="flat" w="9525">
+                      <a:solidFill>
+                        <a:srgbClr val="666666">
+                          <a:alpha val="100000"/>
+                        </a:srgbClr>
+                      </a:solidFill>
+                      <a:prstDash val="solid"/>
+                    </a:lnB>
+                    <a:solidFill>
+                      <a:srgbClr val="FFFFFF">
+                        <a:alpha val="0"/>
+                      </a:srgbClr>
+                    </a:solidFill>
+                  </a:tcPr>
+                </a:tc>
+                <a:tc>
+                  <a:txBody>
+                    <a:bodyPr/>
+                    <a:lstStyle/>
+                    <a:p>
+                      <a:pPr algn="l" marL="63500" marR="63500">
+                        <a:lnSpc>
+                          <a:spcPct val="100000"/>
+                        </a:lnSpc>
+                        <a:spcBef>
+                          <a:spcPts val="500"/>
+                        </a:spcBef>
+                        <a:spcAft>
+                          <a:spcPts val="500"/>
+                        </a:spcAft>
+                        <a:buNone/>
+                      </a:pPr>
+                      <a:r>
+                        <a:rPr cap="none" sz="1100" i="0" b="0" u="none">
+                          <a:solidFill>
+                            <a:srgbClr val="000000">
+                              <a:alpha val="100000"/>
+                            </a:srgbClr>
+                          </a:solidFill>
+                          <a:latin typeface="DejaVu Sans"/>
+                          <a:cs typeface="DejaVu Sans"/>
+                          <a:ea typeface="DejaVu Sans"/>
+                          <a:sym typeface="DejaVu Sans"/>
+                        </a:rPr>
+                        <a:t>1.3</a:t>
                       </a:r>
                     </a:p>
                   </a:txBody>
@@ -8435,7 +8435,7 @@
                           <a:ea typeface="DejaVu Sans"/>
                           <a:sym typeface="DejaVu Sans"/>
                         </a:rPr>
-                        <a:t>1.0</a:t>
+                        <a:t>0.23</a:t>
                       </a:r>
                     </a:p>
                   </a:txBody>
@@ -8762,72 +8762,72 @@
                           <a:ea typeface="DejaVu Sans"/>
                           <a:sym typeface="DejaVu Sans"/>
                         </a:rPr>
-                        <a:t>0.069</a:t>
-                      </a:r>
-                    </a:p>
-                  </a:txBody>
-                  <a:tcPr anchor="ctr" marB="63500" marT="63500" marR="0" marL="0">
-                    <a:lnL algn="ctr" cmpd="sng" cap="flat" w="0">
-                      <a:noFill/>
-                      <a:prstDash val="solid"/>
-                    </a:lnL>
-                    <a:lnR algn="ctr" cmpd="sng" cap="flat" w="0">
-                      <a:noFill/>
-                      <a:prstDash val="solid"/>
-                    </a:lnR>
-                    <a:lnT algn="ctr" cmpd="sng" cap="flat" w="9525">
-                      <a:solidFill>
-                        <a:srgbClr val="666666">
-                          <a:alpha val="100000"/>
-                        </a:srgbClr>
-                      </a:solidFill>
-                      <a:prstDash val="solid"/>
-                    </a:lnT>
-                    <a:lnB algn="ctr" cmpd="sng" cap="flat" w="9525">
-                      <a:solidFill>
-                        <a:srgbClr val="666666">
-                          <a:alpha val="100000"/>
-                        </a:srgbClr>
-                      </a:solidFill>
-                      <a:prstDash val="solid"/>
-                    </a:lnB>
-                    <a:solidFill>
-                      <a:srgbClr val="FFFFFF">
-                        <a:alpha val="0"/>
-                      </a:srgbClr>
-                    </a:solidFill>
-                  </a:tcPr>
-                </a:tc>
-                <a:tc>
-                  <a:txBody>
-                    <a:bodyPr/>
-                    <a:lstStyle/>
-                    <a:p>
-                      <a:pPr algn="l" marL="63500" marR="63500">
-                        <a:lnSpc>
-                          <a:spcPct val="100000"/>
-                        </a:lnSpc>
-                        <a:spcBef>
-                          <a:spcPts val="500"/>
-                        </a:spcBef>
-                        <a:spcAft>
-                          <a:spcPts val="500"/>
-                        </a:spcAft>
-                        <a:buNone/>
-                      </a:pPr>
-                      <a:r>
-                        <a:rPr cap="none" sz="1100" i="0" b="0" u="none">
-                          <a:solidFill>
-                            <a:srgbClr val="000000">
-                              <a:alpha val="100000"/>
-                            </a:srgbClr>
-                          </a:solidFill>
-                          <a:latin typeface="DejaVu Sans"/>
-                          <a:cs typeface="DejaVu Sans"/>
-                          <a:ea typeface="DejaVu Sans"/>
-                          <a:sym typeface="DejaVu Sans"/>
-                        </a:rPr>
-                        <a:t>1.4</a:t>
+                        <a:t>0.090</a:t>
+                      </a:r>
+                    </a:p>
+                  </a:txBody>
+                  <a:tcPr anchor="ctr" marB="63500" marT="63500" marR="0" marL="0">
+                    <a:lnL algn="ctr" cmpd="sng" cap="flat" w="0">
+                      <a:noFill/>
+                      <a:prstDash val="solid"/>
+                    </a:lnL>
+                    <a:lnR algn="ctr" cmpd="sng" cap="flat" w="0">
+                      <a:noFill/>
+                      <a:prstDash val="solid"/>
+                    </a:lnR>
+                    <a:lnT algn="ctr" cmpd="sng" cap="flat" w="9525">
+                      <a:solidFill>
+                        <a:srgbClr val="666666">
+                          <a:alpha val="100000"/>
+                        </a:srgbClr>
+                      </a:solidFill>
+                      <a:prstDash val="solid"/>
+                    </a:lnT>
+                    <a:lnB algn="ctr" cmpd="sng" cap="flat" w="9525">
+                      <a:solidFill>
+                        <a:srgbClr val="666666">
+                          <a:alpha val="100000"/>
+                        </a:srgbClr>
+                      </a:solidFill>
+                      <a:prstDash val="solid"/>
+                    </a:lnB>
+                    <a:solidFill>
+                      <a:srgbClr val="FFFFFF">
+                        <a:alpha val="0"/>
+                      </a:srgbClr>
+                    </a:solidFill>
+                  </a:tcPr>
+                </a:tc>
+                <a:tc>
+                  <a:txBody>
+                    <a:bodyPr/>
+                    <a:lstStyle/>
+                    <a:p>
+                      <a:pPr algn="l" marL="63500" marR="63500">
+                        <a:lnSpc>
+                          <a:spcPct val="100000"/>
+                        </a:lnSpc>
+                        <a:spcBef>
+                          <a:spcPts val="500"/>
+                        </a:spcBef>
+                        <a:spcAft>
+                          <a:spcPts val="500"/>
+                        </a:spcAft>
+                        <a:buNone/>
+                      </a:pPr>
+                      <a:r>
+                        <a:rPr cap="none" sz="1100" i="0" b="0" u="none">
+                          <a:solidFill>
+                            <a:srgbClr val="000000">
+                              <a:alpha val="100000"/>
+                            </a:srgbClr>
+                          </a:solidFill>
+                          <a:latin typeface="DejaVu Sans"/>
+                          <a:cs typeface="DejaVu Sans"/>
+                          <a:ea typeface="DejaVu Sans"/>
+                          <a:sym typeface="DejaVu Sans"/>
+                        </a:rPr>
+                        <a:t>1.5</a:t>
                       </a:r>
                     </a:p>
                   </a:txBody>
@@ -8892,72 +8892,72 @@
                           <a:ea typeface="DejaVu Sans"/>
                           <a:sym typeface="DejaVu Sans"/>
                         </a:rPr>
-                        <a:t>0.037</a:t>
-                      </a:r>
-                    </a:p>
-                  </a:txBody>
-                  <a:tcPr anchor="ctr" marB="63500" marT="63500" marR="0" marL="0">
-                    <a:lnL algn="ctr" cmpd="sng" cap="flat" w="0">
-                      <a:noFill/>
-                      <a:prstDash val="solid"/>
-                    </a:lnL>
-                    <a:lnR algn="ctr" cmpd="sng" cap="flat" w="0">
-                      <a:noFill/>
-                      <a:prstDash val="solid"/>
-                    </a:lnR>
-                    <a:lnT algn="ctr" cmpd="sng" cap="flat" w="9525">
-                      <a:solidFill>
-                        <a:srgbClr val="666666">
-                          <a:alpha val="100000"/>
-                        </a:srgbClr>
-                      </a:solidFill>
-                      <a:prstDash val="solid"/>
-                    </a:lnT>
-                    <a:lnB algn="ctr" cmpd="sng" cap="flat" w="9525">
-                      <a:solidFill>
-                        <a:srgbClr val="666666">
-                          <a:alpha val="100000"/>
-                        </a:srgbClr>
-                      </a:solidFill>
-                      <a:prstDash val="solid"/>
-                    </a:lnB>
-                    <a:solidFill>
-                      <a:srgbClr val="FFFFFF">
-                        <a:alpha val="0"/>
-                      </a:srgbClr>
-                    </a:solidFill>
-                  </a:tcPr>
-                </a:tc>
-                <a:tc>
-                  <a:txBody>
-                    <a:bodyPr/>
-                    <a:lstStyle/>
-                    <a:p>
-                      <a:pPr algn="l" marL="63500" marR="63500">
-                        <a:lnSpc>
-                          <a:spcPct val="100000"/>
-                        </a:lnSpc>
-                        <a:spcBef>
-                          <a:spcPts val="500"/>
-                        </a:spcBef>
-                        <a:spcAft>
-                          <a:spcPts val="500"/>
-                        </a:spcAft>
-                        <a:buNone/>
-                      </a:pPr>
-                      <a:r>
-                        <a:rPr cap="none" sz="1100" i="0" b="0" u="none">
-                          <a:solidFill>
-                            <a:srgbClr val="000000">
-                              <a:alpha val="100000"/>
-                            </a:srgbClr>
-                          </a:solidFill>
-                          <a:latin typeface="DejaVu Sans"/>
-                          <a:cs typeface="DejaVu Sans"/>
-                          <a:ea typeface="DejaVu Sans"/>
-                          <a:sym typeface="DejaVu Sans"/>
-                        </a:rPr>
-                        <a:t>0.59</a:t>
+                        <a:t>0.041</a:t>
+                      </a:r>
+                    </a:p>
+                  </a:txBody>
+                  <a:tcPr anchor="ctr" marB="63500" marT="63500" marR="0" marL="0">
+                    <a:lnL algn="ctr" cmpd="sng" cap="flat" w="0">
+                      <a:noFill/>
+                      <a:prstDash val="solid"/>
+                    </a:lnL>
+                    <a:lnR algn="ctr" cmpd="sng" cap="flat" w="0">
+                      <a:noFill/>
+                      <a:prstDash val="solid"/>
+                    </a:lnR>
+                    <a:lnT algn="ctr" cmpd="sng" cap="flat" w="9525">
+                      <a:solidFill>
+                        <a:srgbClr val="666666">
+                          <a:alpha val="100000"/>
+                        </a:srgbClr>
+                      </a:solidFill>
+                      <a:prstDash val="solid"/>
+                    </a:lnT>
+                    <a:lnB algn="ctr" cmpd="sng" cap="flat" w="9525">
+                      <a:solidFill>
+                        <a:srgbClr val="666666">
+                          <a:alpha val="100000"/>
+                        </a:srgbClr>
+                      </a:solidFill>
+                      <a:prstDash val="solid"/>
+                    </a:lnB>
+                    <a:solidFill>
+                      <a:srgbClr val="FFFFFF">
+                        <a:alpha val="0"/>
+                      </a:srgbClr>
+                    </a:solidFill>
+                  </a:tcPr>
+                </a:tc>
+                <a:tc>
+                  <a:txBody>
+                    <a:bodyPr/>
+                    <a:lstStyle/>
+                    <a:p>
+                      <a:pPr algn="l" marL="63500" marR="63500">
+                        <a:lnSpc>
+                          <a:spcPct val="100000"/>
+                        </a:lnSpc>
+                        <a:spcBef>
+                          <a:spcPts val="500"/>
+                        </a:spcBef>
+                        <a:spcAft>
+                          <a:spcPts val="500"/>
+                        </a:spcAft>
+                        <a:buNone/>
+                      </a:pPr>
+                      <a:r>
+                        <a:rPr cap="none" sz="1100" i="0" b="1" u="none">
+                          <a:solidFill>
+                            <a:srgbClr val="000000">
+                              <a:alpha val="100000"/>
+                            </a:srgbClr>
+                          </a:solidFill>
+                          <a:latin typeface="DejaVu Sans"/>
+                          <a:cs typeface="DejaVu Sans"/>
+                          <a:ea typeface="DejaVu Sans"/>
+                          <a:sym typeface="DejaVu Sans"/>
+                        </a:rPr>
+                        <a:t>0.17</a:t>
                       </a:r>
                     </a:p>
                   </a:txBody>
@@ -9284,72 +9284,72 @@
                           <a:ea typeface="DejaVu Sans"/>
                           <a:sym typeface="DejaVu Sans"/>
                         </a:rPr>
-                        <a:t>0.11</a:t>
-                      </a:r>
-                    </a:p>
-                  </a:txBody>
-                  <a:tcPr anchor="ctr" marB="63500" marT="63500" marR="0" marL="0">
-                    <a:lnL algn="ctr" cmpd="sng" cap="flat" w="0">
-                      <a:noFill/>
-                      <a:prstDash val="solid"/>
-                    </a:lnL>
-                    <a:lnR algn="ctr" cmpd="sng" cap="flat" w="0">
-                      <a:noFill/>
-                      <a:prstDash val="solid"/>
-                    </a:lnR>
-                    <a:lnT algn="ctr" cmpd="sng" cap="flat" w="9525">
-                      <a:solidFill>
-                        <a:srgbClr val="666666">
-                          <a:alpha val="100000"/>
-                        </a:srgbClr>
-                      </a:solidFill>
-                      <a:prstDash val="solid"/>
-                    </a:lnT>
-                    <a:lnB algn="ctr" cmpd="sng" cap="flat" w="9525">
-                      <a:solidFill>
-                        <a:srgbClr val="666666">
-                          <a:alpha val="100000"/>
-                        </a:srgbClr>
-                      </a:solidFill>
-                      <a:prstDash val="solid"/>
-                    </a:lnB>
-                    <a:solidFill>
-                      <a:srgbClr val="FFFFFF">
-                        <a:alpha val="0"/>
-                      </a:srgbClr>
-                    </a:solidFill>
-                  </a:tcPr>
-                </a:tc>
-                <a:tc>
-                  <a:txBody>
-                    <a:bodyPr/>
-                    <a:lstStyle/>
-                    <a:p>
-                      <a:pPr algn="l" marL="63500" marR="63500">
-                        <a:lnSpc>
-                          <a:spcPct val="100000"/>
-                        </a:lnSpc>
-                        <a:spcBef>
-                          <a:spcPts val="500"/>
-                        </a:spcBef>
-                        <a:spcAft>
-                          <a:spcPts val="500"/>
-                        </a:spcAft>
-                        <a:buNone/>
-                      </a:pPr>
-                      <a:r>
-                        <a:rPr cap="none" sz="1100" i="0" b="0" u="none">
-                          <a:solidFill>
-                            <a:srgbClr val="000000">
-                              <a:alpha val="100000"/>
-                            </a:srgbClr>
-                          </a:solidFill>
-                          <a:latin typeface="DejaVu Sans"/>
-                          <a:cs typeface="DejaVu Sans"/>
-                          <a:ea typeface="DejaVu Sans"/>
-                          <a:sym typeface="DejaVu Sans"/>
-                        </a:rPr>
-                        <a:t>1.5</a:t>
+                        <a:t>0.12</a:t>
+                      </a:r>
+                    </a:p>
+                  </a:txBody>
+                  <a:tcPr anchor="ctr" marB="63500" marT="63500" marR="0" marL="0">
+                    <a:lnL algn="ctr" cmpd="sng" cap="flat" w="0">
+                      <a:noFill/>
+                      <a:prstDash val="solid"/>
+                    </a:lnL>
+                    <a:lnR algn="ctr" cmpd="sng" cap="flat" w="0">
+                      <a:noFill/>
+                      <a:prstDash val="solid"/>
+                    </a:lnR>
+                    <a:lnT algn="ctr" cmpd="sng" cap="flat" w="9525">
+                      <a:solidFill>
+                        <a:srgbClr val="666666">
+                          <a:alpha val="100000"/>
+                        </a:srgbClr>
+                      </a:solidFill>
+                      <a:prstDash val="solid"/>
+                    </a:lnT>
+                    <a:lnB algn="ctr" cmpd="sng" cap="flat" w="9525">
+                      <a:solidFill>
+                        <a:srgbClr val="666666">
+                          <a:alpha val="100000"/>
+                        </a:srgbClr>
+                      </a:solidFill>
+                      <a:prstDash val="solid"/>
+                    </a:lnB>
+                    <a:solidFill>
+                      <a:srgbClr val="FFFFFF">
+                        <a:alpha val="0"/>
+                      </a:srgbClr>
+                    </a:solidFill>
+                  </a:tcPr>
+                </a:tc>
+                <a:tc>
+                  <a:txBody>
+                    <a:bodyPr/>
+                    <a:lstStyle/>
+                    <a:p>
+                      <a:pPr algn="l" marL="63500" marR="63500">
+                        <a:lnSpc>
+                          <a:spcPct val="100000"/>
+                        </a:lnSpc>
+                        <a:spcBef>
+                          <a:spcPts val="500"/>
+                        </a:spcBef>
+                        <a:spcAft>
+                          <a:spcPts val="500"/>
+                        </a:spcAft>
+                        <a:buNone/>
+                      </a:pPr>
+                      <a:r>
+                        <a:rPr cap="none" sz="1100" i="0" b="0" u="none">
+                          <a:solidFill>
+                            <a:srgbClr val="000000">
+                              <a:alpha val="100000"/>
+                            </a:srgbClr>
+                          </a:solidFill>
+                          <a:latin typeface="DejaVu Sans"/>
+                          <a:cs typeface="DejaVu Sans"/>
+                          <a:ea typeface="DejaVu Sans"/>
+                          <a:sym typeface="DejaVu Sans"/>
+                        </a:rPr>
+                        <a:t>1.3</a:t>
                       </a:r>
                     </a:p>
                   </a:txBody>
@@ -9414,7 +9414,7 @@
                           <a:ea typeface="DejaVu Sans"/>
                           <a:sym typeface="DejaVu Sans"/>
                         </a:rPr>
-                        <a:t>0.0068</a:t>
+                        <a:t>0.047</a:t>
                       </a:r>
                     </a:p>
                   </a:txBody>
@@ -9479,7 +9479,7 @@
                           <a:ea typeface="DejaVu Sans"/>
                           <a:sym typeface="DejaVu Sans"/>
                         </a:rPr>
-                        <a:t>0.14</a:t>
+                        <a:t>0.17</a:t>
                       </a:r>
                     </a:p>
                   </a:txBody>
@@ -9871,7 +9871,72 @@
                           <a:ea typeface="DejaVu Sans"/>
                           <a:sym typeface="DejaVu Sans"/>
                         </a:rPr>
-                        <a:t>1.4</a:t>
+                        <a:t>1.2</a:t>
+                      </a:r>
+                    </a:p>
+                  </a:txBody>
+                  <a:tcPr anchor="ctr" marB="63500" marT="63500" marR="0" marL="0">
+                    <a:lnL algn="ctr" cmpd="sng" cap="flat" w="0">
+                      <a:noFill/>
+                      <a:prstDash val="solid"/>
+                    </a:lnL>
+                    <a:lnR algn="ctr" cmpd="sng" cap="flat" w="0">
+                      <a:noFill/>
+                      <a:prstDash val="solid"/>
+                    </a:lnR>
+                    <a:lnT algn="ctr" cmpd="sng" cap="flat" w="9525">
+                      <a:solidFill>
+                        <a:srgbClr val="666666">
+                          <a:alpha val="100000"/>
+                        </a:srgbClr>
+                      </a:solidFill>
+                      <a:prstDash val="solid"/>
+                    </a:lnT>
+                    <a:lnB algn="ctr" cmpd="sng" cap="flat" w="9525">
+                      <a:solidFill>
+                        <a:srgbClr val="666666">
+                          <a:alpha val="100000"/>
+                        </a:srgbClr>
+                      </a:solidFill>
+                      <a:prstDash val="solid"/>
+                    </a:lnB>
+                    <a:solidFill>
+                      <a:srgbClr val="FFFFFF">
+                        <a:alpha val="0"/>
+                      </a:srgbClr>
+                    </a:solidFill>
+                  </a:tcPr>
+                </a:tc>
+                <a:tc>
+                  <a:txBody>
+                    <a:bodyPr/>
+                    <a:lstStyle/>
+                    <a:p>
+                      <a:pPr algn="l" marL="63500" marR="63500">
+                        <a:lnSpc>
+                          <a:spcPct val="100000"/>
+                        </a:lnSpc>
+                        <a:spcBef>
+                          <a:spcPts val="500"/>
+                        </a:spcBef>
+                        <a:spcAft>
+                          <a:spcPts val="500"/>
+                        </a:spcAft>
+                        <a:buNone/>
+                      </a:pPr>
+                      <a:r>
+                        <a:rPr cap="none" sz="1100" i="0" b="0" u="none">
+                          <a:solidFill>
+                            <a:srgbClr val="000000">
+                              <a:alpha val="100000"/>
+                            </a:srgbClr>
+                          </a:solidFill>
+                          <a:latin typeface="DejaVu Sans"/>
+                          <a:cs typeface="DejaVu Sans"/>
+                          <a:ea typeface="DejaVu Sans"/>
+                          <a:sym typeface="DejaVu Sans"/>
+                        </a:rPr>
+                        <a:t>0.061</a:t>
                       </a:r>
                     </a:p>
                   </a:txBody>
@@ -9936,72 +10001,7 @@
                           <a:ea typeface="DejaVu Sans"/>
                           <a:sym typeface="DejaVu Sans"/>
                         </a:rPr>
-                        <a:t>0.0086</a:t>
-                      </a:r>
-                    </a:p>
-                  </a:txBody>
-                  <a:tcPr anchor="ctr" marB="63500" marT="63500" marR="0" marL="0">
-                    <a:lnL algn="ctr" cmpd="sng" cap="flat" w="0">
-                      <a:noFill/>
-                      <a:prstDash val="solid"/>
-                    </a:lnL>
-                    <a:lnR algn="ctr" cmpd="sng" cap="flat" w="0">
-                      <a:noFill/>
-                      <a:prstDash val="solid"/>
-                    </a:lnR>
-                    <a:lnT algn="ctr" cmpd="sng" cap="flat" w="9525">
-                      <a:solidFill>
-                        <a:srgbClr val="666666">
-                          <a:alpha val="100000"/>
-                        </a:srgbClr>
-                      </a:solidFill>
-                      <a:prstDash val="solid"/>
-                    </a:lnT>
-                    <a:lnB algn="ctr" cmpd="sng" cap="flat" w="9525">
-                      <a:solidFill>
-                        <a:srgbClr val="666666">
-                          <a:alpha val="100000"/>
-                        </a:srgbClr>
-                      </a:solidFill>
-                      <a:prstDash val="solid"/>
-                    </a:lnB>
-                    <a:solidFill>
-                      <a:srgbClr val="FFFFFF">
-                        <a:alpha val="0"/>
-                      </a:srgbClr>
-                    </a:solidFill>
-                  </a:tcPr>
-                </a:tc>
-                <a:tc>
-                  <a:txBody>
-                    <a:bodyPr/>
-                    <a:lstStyle/>
-                    <a:p>
-                      <a:pPr algn="l" marL="63500" marR="63500">
-                        <a:lnSpc>
-                          <a:spcPct val="100000"/>
-                        </a:lnSpc>
-                        <a:spcBef>
-                          <a:spcPts val="500"/>
-                        </a:spcBef>
-                        <a:spcAft>
-                          <a:spcPts val="500"/>
-                        </a:spcAft>
-                        <a:buNone/>
-                      </a:pPr>
-                      <a:r>
-                        <a:rPr cap="none" sz="1100" i="0" b="1" u="none">
-                          <a:solidFill>
-                            <a:srgbClr val="000000">
-                              <a:alpha val="100000"/>
-                            </a:srgbClr>
-                          </a:solidFill>
-                          <a:latin typeface="DejaVu Sans"/>
-                          <a:cs typeface="DejaVu Sans"/>
-                          <a:ea typeface="DejaVu Sans"/>
-                          <a:sym typeface="DejaVu Sans"/>
-                        </a:rPr>
-                        <a:t>0.16</a:t>
+                        <a:t>0.18</a:t>
                       </a:r>
                     </a:p>
                   </a:txBody>
@@ -10328,202 +10328,202 @@
                           <a:ea typeface="DejaVu Sans"/>
                           <a:sym typeface="DejaVu Sans"/>
                         </a:rPr>
-                        <a:t>0.00050</a:t>
-                      </a:r>
-                    </a:p>
-                  </a:txBody>
-                  <a:tcPr anchor="ctr" marB="63500" marT="63500" marR="0" marL="0">
-                    <a:lnL algn="ctr" cmpd="sng" cap="flat" w="0">
-                      <a:noFill/>
-                      <a:prstDash val="solid"/>
-                    </a:lnL>
-                    <a:lnR algn="ctr" cmpd="sng" cap="flat" w="0">
-                      <a:noFill/>
-                      <a:prstDash val="solid"/>
-                    </a:lnR>
-                    <a:lnT algn="ctr" cmpd="sng" cap="flat" w="9525">
-                      <a:solidFill>
-                        <a:srgbClr val="666666">
-                          <a:alpha val="100000"/>
-                        </a:srgbClr>
-                      </a:solidFill>
-                      <a:prstDash val="solid"/>
-                    </a:lnT>
-                    <a:lnB algn="ctr" cmpd="sng" cap="flat" w="9525">
-                      <a:solidFill>
-                        <a:srgbClr val="666666">
-                          <a:alpha val="100000"/>
-                        </a:srgbClr>
-                      </a:solidFill>
-                      <a:prstDash val="solid"/>
-                    </a:lnB>
-                    <a:solidFill>
-                      <a:srgbClr val="FFFFFF">
-                        <a:alpha val="0"/>
-                      </a:srgbClr>
-                    </a:solidFill>
-                  </a:tcPr>
-                </a:tc>
-                <a:tc>
-                  <a:txBody>
-                    <a:bodyPr/>
-                    <a:lstStyle/>
-                    <a:p>
-                      <a:pPr algn="l" marL="63500" marR="63500">
-                        <a:lnSpc>
-                          <a:spcPct val="100000"/>
-                        </a:lnSpc>
-                        <a:spcBef>
-                          <a:spcPts val="500"/>
-                        </a:spcBef>
-                        <a:spcAft>
-                          <a:spcPts val="500"/>
-                        </a:spcAft>
-                        <a:buNone/>
-                      </a:pPr>
-                      <a:r>
-                        <a:rPr cap="none" sz="1100" i="0" b="0" u="none">
-                          <a:solidFill>
-                            <a:srgbClr val="000000">
-                              <a:alpha val="100000"/>
-                            </a:srgbClr>
-                          </a:solidFill>
-                          <a:latin typeface="DejaVu Sans"/>
-                          <a:cs typeface="DejaVu Sans"/>
-                          <a:ea typeface="DejaVu Sans"/>
-                          <a:sym typeface="DejaVu Sans"/>
-                        </a:rPr>
-                        <a:t>0.24</a:t>
-                      </a:r>
-                    </a:p>
-                  </a:txBody>
-                  <a:tcPr anchor="ctr" marB="63500" marT="63500" marR="0" marL="0">
-                    <a:lnL algn="ctr" cmpd="sng" cap="flat" w="0">
-                      <a:noFill/>
-                      <a:prstDash val="solid"/>
-                    </a:lnL>
-                    <a:lnR algn="ctr" cmpd="sng" cap="flat" w="0">
-                      <a:noFill/>
-                      <a:prstDash val="solid"/>
-                    </a:lnR>
-                    <a:lnT algn="ctr" cmpd="sng" cap="flat" w="9525">
-                      <a:solidFill>
-                        <a:srgbClr val="666666">
-                          <a:alpha val="100000"/>
-                        </a:srgbClr>
-                      </a:solidFill>
-                      <a:prstDash val="solid"/>
-                    </a:lnT>
-                    <a:lnB algn="ctr" cmpd="sng" cap="flat" w="9525">
-                      <a:solidFill>
-                        <a:srgbClr val="666666">
-                          <a:alpha val="100000"/>
-                        </a:srgbClr>
-                      </a:solidFill>
-                      <a:prstDash val="solid"/>
-                    </a:lnB>
-                    <a:solidFill>
-                      <a:srgbClr val="FFFFFF">
-                        <a:alpha val="0"/>
-                      </a:srgbClr>
-                    </a:solidFill>
-                  </a:tcPr>
-                </a:tc>
-                <a:tc>
-                  <a:txBody>
-                    <a:bodyPr/>
-                    <a:lstStyle/>
-                    <a:p>
-                      <a:pPr algn="l" marL="63500" marR="63500">
-                        <a:lnSpc>
-                          <a:spcPct val="100000"/>
-                        </a:lnSpc>
-                        <a:spcBef>
-                          <a:spcPts val="500"/>
-                        </a:spcBef>
-                        <a:spcAft>
-                          <a:spcPts val="500"/>
-                        </a:spcAft>
-                        <a:buNone/>
-                      </a:pPr>
-                      <a:r>
-                        <a:rPr cap="none" sz="1100" i="0" b="0" u="none">
-                          <a:solidFill>
-                            <a:srgbClr val="000000">
-                              <a:alpha val="100000"/>
-                            </a:srgbClr>
-                          </a:solidFill>
-                          <a:latin typeface="DejaVu Sans"/>
-                          <a:cs typeface="DejaVu Sans"/>
-                          <a:ea typeface="DejaVu Sans"/>
-                          <a:sym typeface="DejaVu Sans"/>
-                        </a:rPr>
-                        <a:t>0.74</a:t>
-                      </a:r>
-                    </a:p>
-                  </a:txBody>
-                  <a:tcPr anchor="ctr" marB="63500" marT="63500" marR="0" marL="0">
-                    <a:lnL algn="ctr" cmpd="sng" cap="flat" w="0">
-                      <a:noFill/>
-                      <a:prstDash val="solid"/>
-                    </a:lnL>
-                    <a:lnR algn="ctr" cmpd="sng" cap="flat" w="0">
-                      <a:noFill/>
-                      <a:prstDash val="solid"/>
-                    </a:lnR>
-                    <a:lnT algn="ctr" cmpd="sng" cap="flat" w="9525">
-                      <a:solidFill>
-                        <a:srgbClr val="666666">
-                          <a:alpha val="100000"/>
-                        </a:srgbClr>
-                      </a:solidFill>
-                      <a:prstDash val="solid"/>
-                    </a:lnT>
-                    <a:lnB algn="ctr" cmpd="sng" cap="flat" w="9525">
-                      <a:solidFill>
-                        <a:srgbClr val="666666">
-                          <a:alpha val="100000"/>
-                        </a:srgbClr>
-                      </a:solidFill>
-                      <a:prstDash val="solid"/>
-                    </a:lnB>
-                    <a:solidFill>
-                      <a:srgbClr val="FFFFFF">
-                        <a:alpha val="0"/>
-                      </a:srgbClr>
-                    </a:solidFill>
-                  </a:tcPr>
-                </a:tc>
-                <a:tc>
-                  <a:txBody>
-                    <a:bodyPr/>
-                    <a:lstStyle/>
-                    <a:p>
-                      <a:pPr algn="l" marL="63500" marR="63500">
-                        <a:lnSpc>
-                          <a:spcPct val="100000"/>
-                        </a:lnSpc>
-                        <a:spcBef>
-                          <a:spcPts val="500"/>
-                        </a:spcBef>
-                        <a:spcAft>
-                          <a:spcPts val="500"/>
-                        </a:spcAft>
-                        <a:buNone/>
-                      </a:pPr>
-                      <a:r>
-                        <a:rPr cap="none" sz="1100" i="0" b="0" u="none">
-                          <a:solidFill>
-                            <a:srgbClr val="000000">
-                              <a:alpha val="100000"/>
-                            </a:srgbClr>
-                          </a:solidFill>
-                          <a:latin typeface="DejaVu Sans"/>
-                          <a:cs typeface="DejaVu Sans"/>
-                          <a:ea typeface="DejaVu Sans"/>
-                          <a:sym typeface="DejaVu Sans"/>
-                        </a:rPr>
-                        <a:t>1.0</a:t>
+                        <a:t>0.00071</a:t>
+                      </a:r>
+                    </a:p>
+                  </a:txBody>
+                  <a:tcPr anchor="ctr" marB="63500" marT="63500" marR="0" marL="0">
+                    <a:lnL algn="ctr" cmpd="sng" cap="flat" w="0">
+                      <a:noFill/>
+                      <a:prstDash val="solid"/>
+                    </a:lnL>
+                    <a:lnR algn="ctr" cmpd="sng" cap="flat" w="0">
+                      <a:noFill/>
+                      <a:prstDash val="solid"/>
+                    </a:lnR>
+                    <a:lnT algn="ctr" cmpd="sng" cap="flat" w="9525">
+                      <a:solidFill>
+                        <a:srgbClr val="666666">
+                          <a:alpha val="100000"/>
+                        </a:srgbClr>
+                      </a:solidFill>
+                      <a:prstDash val="solid"/>
+                    </a:lnT>
+                    <a:lnB algn="ctr" cmpd="sng" cap="flat" w="9525">
+                      <a:solidFill>
+                        <a:srgbClr val="666666">
+                          <a:alpha val="100000"/>
+                        </a:srgbClr>
+                      </a:solidFill>
+                      <a:prstDash val="solid"/>
+                    </a:lnB>
+                    <a:solidFill>
+                      <a:srgbClr val="FFFFFF">
+                        <a:alpha val="0"/>
+                      </a:srgbClr>
+                    </a:solidFill>
+                  </a:tcPr>
+                </a:tc>
+                <a:tc>
+                  <a:txBody>
+                    <a:bodyPr/>
+                    <a:lstStyle/>
+                    <a:p>
+                      <a:pPr algn="l" marL="63500" marR="63500">
+                        <a:lnSpc>
+                          <a:spcPct val="100000"/>
+                        </a:lnSpc>
+                        <a:spcBef>
+                          <a:spcPts val="500"/>
+                        </a:spcBef>
+                        <a:spcAft>
+                          <a:spcPts val="500"/>
+                        </a:spcAft>
+                        <a:buNone/>
+                      </a:pPr>
+                      <a:r>
+                        <a:rPr cap="none" sz="1100" i="0" b="0" u="none">
+                          <a:solidFill>
+                            <a:srgbClr val="000000">
+                              <a:alpha val="100000"/>
+                            </a:srgbClr>
+                          </a:solidFill>
+                          <a:latin typeface="DejaVu Sans"/>
+                          <a:cs typeface="DejaVu Sans"/>
+                          <a:ea typeface="DejaVu Sans"/>
+                          <a:sym typeface="DejaVu Sans"/>
+                        </a:rPr>
+                        <a:t>0.31</a:t>
+                      </a:r>
+                    </a:p>
+                  </a:txBody>
+                  <a:tcPr anchor="ctr" marB="63500" marT="63500" marR="0" marL="0">
+                    <a:lnL algn="ctr" cmpd="sng" cap="flat" w="0">
+                      <a:noFill/>
+                      <a:prstDash val="solid"/>
+                    </a:lnL>
+                    <a:lnR algn="ctr" cmpd="sng" cap="flat" w="0">
+                      <a:noFill/>
+                      <a:prstDash val="solid"/>
+                    </a:lnR>
+                    <a:lnT algn="ctr" cmpd="sng" cap="flat" w="9525">
+                      <a:solidFill>
+                        <a:srgbClr val="666666">
+                          <a:alpha val="100000"/>
+                        </a:srgbClr>
+                      </a:solidFill>
+                      <a:prstDash val="solid"/>
+                    </a:lnT>
+                    <a:lnB algn="ctr" cmpd="sng" cap="flat" w="9525">
+                      <a:solidFill>
+                        <a:srgbClr val="666666">
+                          <a:alpha val="100000"/>
+                        </a:srgbClr>
+                      </a:solidFill>
+                      <a:prstDash val="solid"/>
+                    </a:lnB>
+                    <a:solidFill>
+                      <a:srgbClr val="FFFFFF">
+                        <a:alpha val="0"/>
+                      </a:srgbClr>
+                    </a:solidFill>
+                  </a:tcPr>
+                </a:tc>
+                <a:tc>
+                  <a:txBody>
+                    <a:bodyPr/>
+                    <a:lstStyle/>
+                    <a:p>
+                      <a:pPr algn="l" marL="63500" marR="63500">
+                        <a:lnSpc>
+                          <a:spcPct val="100000"/>
+                        </a:lnSpc>
+                        <a:spcBef>
+                          <a:spcPts val="500"/>
+                        </a:spcBef>
+                        <a:spcAft>
+                          <a:spcPts val="500"/>
+                        </a:spcAft>
+                        <a:buNone/>
+                      </a:pPr>
+                      <a:r>
+                        <a:rPr cap="none" sz="1100" i="0" b="0" u="none">
+                          <a:solidFill>
+                            <a:srgbClr val="000000">
+                              <a:alpha val="100000"/>
+                            </a:srgbClr>
+                          </a:solidFill>
+                          <a:latin typeface="DejaVu Sans"/>
+                          <a:cs typeface="DejaVu Sans"/>
+                          <a:ea typeface="DejaVu Sans"/>
+                          <a:sym typeface="DejaVu Sans"/>
+                        </a:rPr>
+                        <a:t>0.71</a:t>
+                      </a:r>
+                    </a:p>
+                  </a:txBody>
+                  <a:tcPr anchor="ctr" marB="63500" marT="63500" marR="0" marL="0">
+                    <a:lnL algn="ctr" cmpd="sng" cap="flat" w="0">
+                      <a:noFill/>
+                      <a:prstDash val="solid"/>
+                    </a:lnL>
+                    <a:lnR algn="ctr" cmpd="sng" cap="flat" w="0">
+                      <a:noFill/>
+                      <a:prstDash val="solid"/>
+                    </a:lnR>
+                    <a:lnT algn="ctr" cmpd="sng" cap="flat" w="9525">
+                      <a:solidFill>
+                        <a:srgbClr val="666666">
+                          <a:alpha val="100000"/>
+                        </a:srgbClr>
+                      </a:solidFill>
+                      <a:prstDash val="solid"/>
+                    </a:lnT>
+                    <a:lnB algn="ctr" cmpd="sng" cap="flat" w="9525">
+                      <a:solidFill>
+                        <a:srgbClr val="666666">
+                          <a:alpha val="100000"/>
+                        </a:srgbClr>
+                      </a:solidFill>
+                      <a:prstDash val="solid"/>
+                    </a:lnB>
+                    <a:solidFill>
+                      <a:srgbClr val="FFFFFF">
+                        <a:alpha val="0"/>
+                      </a:srgbClr>
+                    </a:solidFill>
+                  </a:tcPr>
+                </a:tc>
+                <a:tc>
+                  <a:txBody>
+                    <a:bodyPr/>
+                    <a:lstStyle/>
+                    <a:p>
+                      <a:pPr algn="l" marL="63500" marR="63500">
+                        <a:lnSpc>
+                          <a:spcPct val="100000"/>
+                        </a:lnSpc>
+                        <a:spcBef>
+                          <a:spcPts val="500"/>
+                        </a:spcBef>
+                        <a:spcAft>
+                          <a:spcPts val="500"/>
+                        </a:spcAft>
+                        <a:buNone/>
+                      </a:pPr>
+                      <a:r>
+                        <a:rPr cap="none" sz="1100" i="0" b="0" u="none">
+                          <a:solidFill>
+                            <a:srgbClr val="000000">
+                              <a:alpha val="100000"/>
+                            </a:srgbClr>
+                          </a:solidFill>
+                          <a:latin typeface="DejaVu Sans"/>
+                          <a:cs typeface="DejaVu Sans"/>
+                          <a:ea typeface="DejaVu Sans"/>
+                          <a:sym typeface="DejaVu Sans"/>
+                        </a:rPr>
+                        <a:t>0.72</a:t>
                       </a:r>
                     </a:p>
                   </a:txBody>
@@ -10850,202 +10850,202 @@
                           <a:ea typeface="DejaVu Sans"/>
                           <a:sym typeface="DejaVu Sans"/>
                         </a:rPr>
-                        <a:t>0.029</a:t>
-                      </a:r>
-                    </a:p>
-                  </a:txBody>
-                  <a:tcPr anchor="ctr" marB="63500" marT="63500" marR="0" marL="0">
-                    <a:lnL algn="ctr" cmpd="sng" cap="flat" w="0">
-                      <a:noFill/>
-                      <a:prstDash val="solid"/>
-                    </a:lnL>
-                    <a:lnR algn="ctr" cmpd="sng" cap="flat" w="0">
-                      <a:noFill/>
-                      <a:prstDash val="solid"/>
-                    </a:lnR>
-                    <a:lnT algn="ctr" cmpd="sng" cap="flat" w="9525">
-                      <a:solidFill>
-                        <a:srgbClr val="666666">
-                          <a:alpha val="100000"/>
-                        </a:srgbClr>
-                      </a:solidFill>
-                      <a:prstDash val="solid"/>
-                    </a:lnT>
-                    <a:lnB algn="ctr" cmpd="sng" cap="flat" w="9525">
-                      <a:solidFill>
-                        <a:srgbClr val="666666">
-                          <a:alpha val="100000"/>
-                        </a:srgbClr>
-                      </a:solidFill>
-                      <a:prstDash val="solid"/>
-                    </a:lnB>
-                    <a:solidFill>
-                      <a:srgbClr val="FFFFFF">
-                        <a:alpha val="0"/>
-                      </a:srgbClr>
-                    </a:solidFill>
-                  </a:tcPr>
-                </a:tc>
-                <a:tc>
-                  <a:txBody>
-                    <a:bodyPr/>
-                    <a:lstStyle/>
-                    <a:p>
-                      <a:pPr algn="l" marL="63500" marR="63500">
-                        <a:lnSpc>
-                          <a:spcPct val="100000"/>
-                        </a:lnSpc>
-                        <a:spcBef>
-                          <a:spcPts val="500"/>
-                        </a:spcBef>
-                        <a:spcAft>
-                          <a:spcPts val="500"/>
-                        </a:spcAft>
-                        <a:buNone/>
-                      </a:pPr>
-                      <a:r>
-                        <a:rPr cap="none" sz="1100" i="0" b="0" u="none">
-                          <a:solidFill>
-                            <a:srgbClr val="000000">
-                              <a:alpha val="100000"/>
-                            </a:srgbClr>
-                          </a:solidFill>
-                          <a:latin typeface="DejaVu Sans"/>
-                          <a:cs typeface="DejaVu Sans"/>
-                          <a:ea typeface="DejaVu Sans"/>
-                          <a:sym typeface="DejaVu Sans"/>
-                        </a:rPr>
-                        <a:t>1.3</a:t>
-                      </a:r>
-                    </a:p>
-                  </a:txBody>
-                  <a:tcPr anchor="ctr" marB="63500" marT="63500" marR="0" marL="0">
-                    <a:lnL algn="ctr" cmpd="sng" cap="flat" w="0">
-                      <a:noFill/>
-                      <a:prstDash val="solid"/>
-                    </a:lnL>
-                    <a:lnR algn="ctr" cmpd="sng" cap="flat" w="0">
-                      <a:noFill/>
-                      <a:prstDash val="solid"/>
-                    </a:lnR>
-                    <a:lnT algn="ctr" cmpd="sng" cap="flat" w="9525">
-                      <a:solidFill>
-                        <a:srgbClr val="666666">
-                          <a:alpha val="100000"/>
-                        </a:srgbClr>
-                      </a:solidFill>
-                      <a:prstDash val="solid"/>
-                    </a:lnT>
-                    <a:lnB algn="ctr" cmpd="sng" cap="flat" w="9525">
-                      <a:solidFill>
-                        <a:srgbClr val="666666">
-                          <a:alpha val="100000"/>
-                        </a:srgbClr>
-                      </a:solidFill>
-                      <a:prstDash val="solid"/>
-                    </a:lnB>
-                    <a:solidFill>
-                      <a:srgbClr val="FFFFFF">
-                        <a:alpha val="0"/>
-                      </a:srgbClr>
-                    </a:solidFill>
-                  </a:tcPr>
-                </a:tc>
-                <a:tc>
-                  <a:txBody>
-                    <a:bodyPr/>
-                    <a:lstStyle/>
-                    <a:p>
-                      <a:pPr algn="l" marL="63500" marR="63500">
-                        <a:lnSpc>
-                          <a:spcPct val="100000"/>
-                        </a:lnSpc>
-                        <a:spcBef>
-                          <a:spcPts val="500"/>
-                        </a:spcBef>
-                        <a:spcAft>
-                          <a:spcPts val="500"/>
-                        </a:spcAft>
-                        <a:buNone/>
-                      </a:pPr>
-                      <a:r>
-                        <a:rPr cap="none" sz="1100" i="0" b="0" u="none">
-                          <a:solidFill>
-                            <a:srgbClr val="000000">
-                              <a:alpha val="100000"/>
-                            </a:srgbClr>
-                          </a:solidFill>
-                          <a:latin typeface="DejaVu Sans"/>
-                          <a:cs typeface="DejaVu Sans"/>
-                          <a:ea typeface="DejaVu Sans"/>
-                          <a:sym typeface="DejaVu Sans"/>
-                        </a:rPr>
-                        <a:t>0.19</a:t>
-                      </a:r>
-                    </a:p>
-                  </a:txBody>
-                  <a:tcPr anchor="ctr" marB="63500" marT="63500" marR="0" marL="0">
-                    <a:lnL algn="ctr" cmpd="sng" cap="flat" w="0">
-                      <a:noFill/>
-                      <a:prstDash val="solid"/>
-                    </a:lnL>
-                    <a:lnR algn="ctr" cmpd="sng" cap="flat" w="0">
-                      <a:noFill/>
-                      <a:prstDash val="solid"/>
-                    </a:lnR>
-                    <a:lnT algn="ctr" cmpd="sng" cap="flat" w="9525">
-                      <a:solidFill>
-                        <a:srgbClr val="666666">
-                          <a:alpha val="100000"/>
-                        </a:srgbClr>
-                      </a:solidFill>
-                      <a:prstDash val="solid"/>
-                    </a:lnT>
-                    <a:lnB algn="ctr" cmpd="sng" cap="flat" w="9525">
-                      <a:solidFill>
-                        <a:srgbClr val="666666">
-                          <a:alpha val="100000"/>
-                        </a:srgbClr>
-                      </a:solidFill>
-                      <a:prstDash val="solid"/>
-                    </a:lnB>
-                    <a:solidFill>
-                      <a:srgbClr val="FFFFFF">
-                        <a:alpha val="0"/>
-                      </a:srgbClr>
-                    </a:solidFill>
-                  </a:tcPr>
-                </a:tc>
-                <a:tc>
-                  <a:txBody>
-                    <a:bodyPr/>
-                    <a:lstStyle/>
-                    <a:p>
-                      <a:pPr algn="l" marL="63500" marR="63500">
-                        <a:lnSpc>
-                          <a:spcPct val="100000"/>
-                        </a:lnSpc>
-                        <a:spcBef>
-                          <a:spcPts val="500"/>
-                        </a:spcBef>
-                        <a:spcAft>
-                          <a:spcPts val="500"/>
-                        </a:spcAft>
-                        <a:buNone/>
-                      </a:pPr>
-                      <a:r>
-                        <a:rPr cap="none" sz="1100" i="0" b="0" u="none">
-                          <a:solidFill>
-                            <a:srgbClr val="000000">
-                              <a:alpha val="100000"/>
-                            </a:srgbClr>
-                          </a:solidFill>
-                          <a:latin typeface="DejaVu Sans"/>
-                          <a:cs typeface="DejaVu Sans"/>
-                          <a:ea typeface="DejaVu Sans"/>
-                          <a:sym typeface="DejaVu Sans"/>
-                        </a:rPr>
-                        <a:t>1.0</a:t>
+                        <a:t>0.023</a:t>
+                      </a:r>
+                    </a:p>
+                  </a:txBody>
+                  <a:tcPr anchor="ctr" marB="63500" marT="63500" marR="0" marL="0">
+                    <a:lnL algn="ctr" cmpd="sng" cap="flat" w="0">
+                      <a:noFill/>
+                      <a:prstDash val="solid"/>
+                    </a:lnL>
+                    <a:lnR algn="ctr" cmpd="sng" cap="flat" w="0">
+                      <a:noFill/>
+                      <a:prstDash val="solid"/>
+                    </a:lnR>
+                    <a:lnT algn="ctr" cmpd="sng" cap="flat" w="9525">
+                      <a:solidFill>
+                        <a:srgbClr val="666666">
+                          <a:alpha val="100000"/>
+                        </a:srgbClr>
+                      </a:solidFill>
+                      <a:prstDash val="solid"/>
+                    </a:lnT>
+                    <a:lnB algn="ctr" cmpd="sng" cap="flat" w="9525">
+                      <a:solidFill>
+                        <a:srgbClr val="666666">
+                          <a:alpha val="100000"/>
+                        </a:srgbClr>
+                      </a:solidFill>
+                      <a:prstDash val="solid"/>
+                    </a:lnB>
+                    <a:solidFill>
+                      <a:srgbClr val="FFFFFF">
+                        <a:alpha val="0"/>
+                      </a:srgbClr>
+                    </a:solidFill>
+                  </a:tcPr>
+                </a:tc>
+                <a:tc>
+                  <a:txBody>
+                    <a:bodyPr/>
+                    <a:lstStyle/>
+                    <a:p>
+                      <a:pPr algn="l" marL="63500" marR="63500">
+                        <a:lnSpc>
+                          <a:spcPct val="100000"/>
+                        </a:lnSpc>
+                        <a:spcBef>
+                          <a:spcPts val="500"/>
+                        </a:spcBef>
+                        <a:spcAft>
+                          <a:spcPts val="500"/>
+                        </a:spcAft>
+                        <a:buNone/>
+                      </a:pPr>
+                      <a:r>
+                        <a:rPr cap="none" sz="1100" i="0" b="0" u="none">
+                          <a:solidFill>
+                            <a:srgbClr val="000000">
+                              <a:alpha val="100000"/>
+                            </a:srgbClr>
+                          </a:solidFill>
+                          <a:latin typeface="DejaVu Sans"/>
+                          <a:cs typeface="DejaVu Sans"/>
+                          <a:ea typeface="DejaVu Sans"/>
+                          <a:sym typeface="DejaVu Sans"/>
+                        </a:rPr>
+                        <a:t>0.94</a:t>
+                      </a:r>
+                    </a:p>
+                  </a:txBody>
+                  <a:tcPr anchor="ctr" marB="63500" marT="63500" marR="0" marL="0">
+                    <a:lnL algn="ctr" cmpd="sng" cap="flat" w="0">
+                      <a:noFill/>
+                      <a:prstDash val="solid"/>
+                    </a:lnL>
+                    <a:lnR algn="ctr" cmpd="sng" cap="flat" w="0">
+                      <a:noFill/>
+                      <a:prstDash val="solid"/>
+                    </a:lnR>
+                    <a:lnT algn="ctr" cmpd="sng" cap="flat" w="9525">
+                      <a:solidFill>
+                        <a:srgbClr val="666666">
+                          <a:alpha val="100000"/>
+                        </a:srgbClr>
+                      </a:solidFill>
+                      <a:prstDash val="solid"/>
+                    </a:lnT>
+                    <a:lnB algn="ctr" cmpd="sng" cap="flat" w="9525">
+                      <a:solidFill>
+                        <a:srgbClr val="666666">
+                          <a:alpha val="100000"/>
+                        </a:srgbClr>
+                      </a:solidFill>
+                      <a:prstDash val="solid"/>
+                    </a:lnB>
+                    <a:solidFill>
+                      <a:srgbClr val="FFFFFF">
+                        <a:alpha val="0"/>
+                      </a:srgbClr>
+                    </a:solidFill>
+                  </a:tcPr>
+                </a:tc>
+                <a:tc>
+                  <a:txBody>
+                    <a:bodyPr/>
+                    <a:lstStyle/>
+                    <a:p>
+                      <a:pPr algn="l" marL="63500" marR="63500">
+                        <a:lnSpc>
+                          <a:spcPct val="100000"/>
+                        </a:lnSpc>
+                        <a:spcBef>
+                          <a:spcPts val="500"/>
+                        </a:spcBef>
+                        <a:spcAft>
+                          <a:spcPts val="500"/>
+                        </a:spcAft>
+                        <a:buNone/>
+                      </a:pPr>
+                      <a:r>
+                        <a:rPr cap="none" sz="1100" i="0" b="0" u="none">
+                          <a:solidFill>
+                            <a:srgbClr val="000000">
+                              <a:alpha val="100000"/>
+                            </a:srgbClr>
+                          </a:solidFill>
+                          <a:latin typeface="DejaVu Sans"/>
+                          <a:cs typeface="DejaVu Sans"/>
+                          <a:ea typeface="DejaVu Sans"/>
+                          <a:sym typeface="DejaVu Sans"/>
+                        </a:rPr>
+                        <a:t>0.35</a:t>
+                      </a:r>
+                    </a:p>
+                  </a:txBody>
+                  <a:tcPr anchor="ctr" marB="63500" marT="63500" marR="0" marL="0">
+                    <a:lnL algn="ctr" cmpd="sng" cap="flat" w="0">
+                      <a:noFill/>
+                      <a:prstDash val="solid"/>
+                    </a:lnL>
+                    <a:lnR algn="ctr" cmpd="sng" cap="flat" w="0">
+                      <a:noFill/>
+                      <a:prstDash val="solid"/>
+                    </a:lnR>
+                    <a:lnT algn="ctr" cmpd="sng" cap="flat" w="9525">
+                      <a:solidFill>
+                        <a:srgbClr val="666666">
+                          <a:alpha val="100000"/>
+                        </a:srgbClr>
+                      </a:solidFill>
+                      <a:prstDash val="solid"/>
+                    </a:lnT>
+                    <a:lnB algn="ctr" cmpd="sng" cap="flat" w="9525">
+                      <a:solidFill>
+                        <a:srgbClr val="666666">
+                          <a:alpha val="100000"/>
+                        </a:srgbClr>
+                      </a:solidFill>
+                      <a:prstDash val="solid"/>
+                    </a:lnB>
+                    <a:solidFill>
+                      <a:srgbClr val="FFFFFF">
+                        <a:alpha val="0"/>
+                      </a:srgbClr>
+                    </a:solidFill>
+                  </a:tcPr>
+                </a:tc>
+                <a:tc>
+                  <a:txBody>
+                    <a:bodyPr/>
+                    <a:lstStyle/>
+                    <a:p>
+                      <a:pPr algn="l" marL="63500" marR="63500">
+                        <a:lnSpc>
+                          <a:spcPct val="100000"/>
+                        </a:lnSpc>
+                        <a:spcBef>
+                          <a:spcPts val="500"/>
+                        </a:spcBef>
+                        <a:spcAft>
+                          <a:spcPts val="500"/>
+                        </a:spcAft>
+                        <a:buNone/>
+                      </a:pPr>
+                      <a:r>
+                        <a:rPr cap="none" sz="1100" i="0" b="0" u="none">
+                          <a:solidFill>
+                            <a:srgbClr val="000000">
+                              <a:alpha val="100000"/>
+                            </a:srgbClr>
+                          </a:solidFill>
+                          <a:latin typeface="DejaVu Sans"/>
+                          <a:cs typeface="DejaVu Sans"/>
+                          <a:ea typeface="DejaVu Sans"/>
+                          <a:sym typeface="DejaVu Sans"/>
+                        </a:rPr>
+                        <a:t>0.40</a:t>
                       </a:r>
                     </a:p>
                   </a:txBody>
@@ -11372,202 +11372,202 @@
                           <a:ea typeface="DejaVu Sans"/>
                           <a:sym typeface="DejaVu Sans"/>
                         </a:rPr>
-                        <a:t>0.030</a:t>
-                      </a:r>
-                    </a:p>
-                  </a:txBody>
-                  <a:tcPr anchor="ctr" marB="63500" marT="63500" marR="0" marL="0">
-                    <a:lnL algn="ctr" cmpd="sng" cap="flat" w="0">
-                      <a:noFill/>
-                      <a:prstDash val="solid"/>
-                    </a:lnL>
-                    <a:lnR algn="ctr" cmpd="sng" cap="flat" w="0">
-                      <a:noFill/>
-                      <a:prstDash val="solid"/>
-                    </a:lnR>
-                    <a:lnT algn="ctr" cmpd="sng" cap="flat" w="9525">
-                      <a:solidFill>
-                        <a:srgbClr val="666666">
-                          <a:alpha val="100000"/>
-                        </a:srgbClr>
-                      </a:solidFill>
-                      <a:prstDash val="solid"/>
-                    </a:lnT>
-                    <a:lnB algn="ctr" cmpd="sng" cap="flat" w="9525">
-                      <a:solidFill>
-                        <a:srgbClr val="666666">
-                          <a:alpha val="100000"/>
-                        </a:srgbClr>
-                      </a:solidFill>
-                      <a:prstDash val="solid"/>
-                    </a:lnB>
-                    <a:solidFill>
-                      <a:srgbClr val="FFFFFF">
-                        <a:alpha val="0"/>
-                      </a:srgbClr>
-                    </a:solidFill>
-                  </a:tcPr>
-                </a:tc>
-                <a:tc>
-                  <a:txBody>
-                    <a:bodyPr/>
-                    <a:lstStyle/>
-                    <a:p>
-                      <a:pPr algn="l" marL="63500" marR="63500">
-                        <a:lnSpc>
-                          <a:spcPct val="100000"/>
-                        </a:lnSpc>
-                        <a:spcBef>
-                          <a:spcPts val="500"/>
-                        </a:spcBef>
-                        <a:spcAft>
-                          <a:spcPts val="500"/>
-                        </a:spcAft>
-                        <a:buNone/>
-                      </a:pPr>
-                      <a:r>
-                        <a:rPr cap="none" sz="1100" i="0" b="0" u="none">
-                          <a:solidFill>
-                            <a:srgbClr val="000000">
-                              <a:alpha val="100000"/>
-                            </a:srgbClr>
-                          </a:solidFill>
-                          <a:latin typeface="DejaVu Sans"/>
-                          <a:cs typeface="DejaVu Sans"/>
-                          <a:ea typeface="DejaVu Sans"/>
-                          <a:sym typeface="DejaVu Sans"/>
-                        </a:rPr>
-                        <a:t>1.3</a:t>
-                      </a:r>
-                    </a:p>
-                  </a:txBody>
-                  <a:tcPr anchor="ctr" marB="63500" marT="63500" marR="0" marL="0">
-                    <a:lnL algn="ctr" cmpd="sng" cap="flat" w="0">
-                      <a:noFill/>
-                      <a:prstDash val="solid"/>
-                    </a:lnL>
-                    <a:lnR algn="ctr" cmpd="sng" cap="flat" w="0">
-                      <a:noFill/>
-                      <a:prstDash val="solid"/>
-                    </a:lnR>
-                    <a:lnT algn="ctr" cmpd="sng" cap="flat" w="9525">
-                      <a:solidFill>
-                        <a:srgbClr val="666666">
-                          <a:alpha val="100000"/>
-                        </a:srgbClr>
-                      </a:solidFill>
-                      <a:prstDash val="solid"/>
-                    </a:lnT>
-                    <a:lnB algn="ctr" cmpd="sng" cap="flat" w="9525">
-                      <a:solidFill>
-                        <a:srgbClr val="666666">
-                          <a:alpha val="100000"/>
-                        </a:srgbClr>
-                      </a:solidFill>
-                      <a:prstDash val="solid"/>
-                    </a:lnB>
-                    <a:solidFill>
-                      <a:srgbClr val="FFFFFF">
-                        <a:alpha val="0"/>
-                      </a:srgbClr>
-                    </a:solidFill>
-                  </a:tcPr>
-                </a:tc>
-                <a:tc>
-                  <a:txBody>
-                    <a:bodyPr/>
-                    <a:lstStyle/>
-                    <a:p>
-                      <a:pPr algn="l" marL="63500" marR="63500">
-                        <a:lnSpc>
-                          <a:spcPct val="100000"/>
-                        </a:lnSpc>
-                        <a:spcBef>
-                          <a:spcPts val="500"/>
-                        </a:spcBef>
-                        <a:spcAft>
-                          <a:spcPts val="500"/>
-                        </a:spcAft>
-                        <a:buNone/>
-                      </a:pPr>
-                      <a:r>
-                        <a:rPr cap="none" sz="1100" i="0" b="0" u="none">
-                          <a:solidFill>
-                            <a:srgbClr val="000000">
-                              <a:alpha val="100000"/>
-                            </a:srgbClr>
-                          </a:solidFill>
-                          <a:latin typeface="DejaVu Sans"/>
-                          <a:cs typeface="DejaVu Sans"/>
-                          <a:ea typeface="DejaVu Sans"/>
-                          <a:sym typeface="DejaVu Sans"/>
-                        </a:rPr>
-                        <a:t>0.16</a:t>
-                      </a:r>
-                    </a:p>
-                  </a:txBody>
-                  <a:tcPr anchor="ctr" marB="63500" marT="63500" marR="0" marL="0">
-                    <a:lnL algn="ctr" cmpd="sng" cap="flat" w="0">
-                      <a:noFill/>
-                      <a:prstDash val="solid"/>
-                    </a:lnL>
-                    <a:lnR algn="ctr" cmpd="sng" cap="flat" w="0">
-                      <a:noFill/>
-                      <a:prstDash val="solid"/>
-                    </a:lnR>
-                    <a:lnT algn="ctr" cmpd="sng" cap="flat" w="9525">
-                      <a:solidFill>
-                        <a:srgbClr val="666666">
-                          <a:alpha val="100000"/>
-                        </a:srgbClr>
-                      </a:solidFill>
-                      <a:prstDash val="solid"/>
-                    </a:lnT>
-                    <a:lnB algn="ctr" cmpd="sng" cap="flat" w="9525">
-                      <a:solidFill>
-                        <a:srgbClr val="666666">
-                          <a:alpha val="100000"/>
-                        </a:srgbClr>
-                      </a:solidFill>
-                      <a:prstDash val="solid"/>
-                    </a:lnB>
-                    <a:solidFill>
-                      <a:srgbClr val="FFFFFF">
-                        <a:alpha val="0"/>
-                      </a:srgbClr>
-                    </a:solidFill>
-                  </a:tcPr>
-                </a:tc>
-                <a:tc>
-                  <a:txBody>
-                    <a:bodyPr/>
-                    <a:lstStyle/>
-                    <a:p>
-                      <a:pPr algn="l" marL="63500" marR="63500">
-                        <a:lnSpc>
-                          <a:spcPct val="100000"/>
-                        </a:lnSpc>
-                        <a:spcBef>
-                          <a:spcPts val="500"/>
-                        </a:spcBef>
-                        <a:spcAft>
-                          <a:spcPts val="500"/>
-                        </a:spcAft>
-                        <a:buNone/>
-                      </a:pPr>
-                      <a:r>
-                        <a:rPr cap="none" sz="1100" i="0" b="0" u="none">
-                          <a:solidFill>
-                            <a:srgbClr val="000000">
-                              <a:alpha val="100000"/>
-                            </a:srgbClr>
-                          </a:solidFill>
-                          <a:latin typeface="DejaVu Sans"/>
-                          <a:cs typeface="DejaVu Sans"/>
-                          <a:ea typeface="DejaVu Sans"/>
-                          <a:sym typeface="DejaVu Sans"/>
-                        </a:rPr>
-                        <a:t>1.0</a:t>
+                        <a:t>0.026</a:t>
+                      </a:r>
+                    </a:p>
+                  </a:txBody>
+                  <a:tcPr anchor="ctr" marB="63500" marT="63500" marR="0" marL="0">
+                    <a:lnL algn="ctr" cmpd="sng" cap="flat" w="0">
+                      <a:noFill/>
+                      <a:prstDash val="solid"/>
+                    </a:lnL>
+                    <a:lnR algn="ctr" cmpd="sng" cap="flat" w="0">
+                      <a:noFill/>
+                      <a:prstDash val="solid"/>
+                    </a:lnR>
+                    <a:lnT algn="ctr" cmpd="sng" cap="flat" w="9525">
+                      <a:solidFill>
+                        <a:srgbClr val="666666">
+                          <a:alpha val="100000"/>
+                        </a:srgbClr>
+                      </a:solidFill>
+                      <a:prstDash val="solid"/>
+                    </a:lnT>
+                    <a:lnB algn="ctr" cmpd="sng" cap="flat" w="9525">
+                      <a:solidFill>
+                        <a:srgbClr val="666666">
+                          <a:alpha val="100000"/>
+                        </a:srgbClr>
+                      </a:solidFill>
+                      <a:prstDash val="solid"/>
+                    </a:lnB>
+                    <a:solidFill>
+                      <a:srgbClr val="FFFFFF">
+                        <a:alpha val="0"/>
+                      </a:srgbClr>
+                    </a:solidFill>
+                  </a:tcPr>
+                </a:tc>
+                <a:tc>
+                  <a:txBody>
+                    <a:bodyPr/>
+                    <a:lstStyle/>
+                    <a:p>
+                      <a:pPr algn="l" marL="63500" marR="63500">
+                        <a:lnSpc>
+                          <a:spcPct val="100000"/>
+                        </a:lnSpc>
+                        <a:spcBef>
+                          <a:spcPts val="500"/>
+                        </a:spcBef>
+                        <a:spcAft>
+                          <a:spcPts val="500"/>
+                        </a:spcAft>
+                        <a:buNone/>
+                      </a:pPr>
+                      <a:r>
+                        <a:rPr cap="none" sz="1100" i="0" b="0" u="none">
+                          <a:solidFill>
+                            <a:srgbClr val="000000">
+                              <a:alpha val="100000"/>
+                            </a:srgbClr>
+                          </a:solidFill>
+                          <a:latin typeface="DejaVu Sans"/>
+                          <a:cs typeface="DejaVu Sans"/>
+                          <a:ea typeface="DejaVu Sans"/>
+                          <a:sym typeface="DejaVu Sans"/>
+                        </a:rPr>
+                        <a:t>0.99</a:t>
+                      </a:r>
+                    </a:p>
+                  </a:txBody>
+                  <a:tcPr anchor="ctr" marB="63500" marT="63500" marR="0" marL="0">
+                    <a:lnL algn="ctr" cmpd="sng" cap="flat" w="0">
+                      <a:noFill/>
+                      <a:prstDash val="solid"/>
+                    </a:lnL>
+                    <a:lnR algn="ctr" cmpd="sng" cap="flat" w="0">
+                      <a:noFill/>
+                      <a:prstDash val="solid"/>
+                    </a:lnR>
+                    <a:lnT algn="ctr" cmpd="sng" cap="flat" w="9525">
+                      <a:solidFill>
+                        <a:srgbClr val="666666">
+                          <a:alpha val="100000"/>
+                        </a:srgbClr>
+                      </a:solidFill>
+                      <a:prstDash val="solid"/>
+                    </a:lnT>
+                    <a:lnB algn="ctr" cmpd="sng" cap="flat" w="9525">
+                      <a:solidFill>
+                        <a:srgbClr val="666666">
+                          <a:alpha val="100000"/>
+                        </a:srgbClr>
+                      </a:solidFill>
+                      <a:prstDash val="solid"/>
+                    </a:lnB>
+                    <a:solidFill>
+                      <a:srgbClr val="FFFFFF">
+                        <a:alpha val="0"/>
+                      </a:srgbClr>
+                    </a:solidFill>
+                  </a:tcPr>
+                </a:tc>
+                <a:tc>
+                  <a:txBody>
+                    <a:bodyPr/>
+                    <a:lstStyle/>
+                    <a:p>
+                      <a:pPr algn="l" marL="63500" marR="63500">
+                        <a:lnSpc>
+                          <a:spcPct val="100000"/>
+                        </a:lnSpc>
+                        <a:spcBef>
+                          <a:spcPts val="500"/>
+                        </a:spcBef>
+                        <a:spcAft>
+                          <a:spcPts val="500"/>
+                        </a:spcAft>
+                        <a:buNone/>
+                      </a:pPr>
+                      <a:r>
+                        <a:rPr cap="none" sz="1100" i="0" b="0" u="none">
+                          <a:solidFill>
+                            <a:srgbClr val="000000">
+                              <a:alpha val="100000"/>
+                            </a:srgbClr>
+                          </a:solidFill>
+                          <a:latin typeface="DejaVu Sans"/>
+                          <a:cs typeface="DejaVu Sans"/>
+                          <a:ea typeface="DejaVu Sans"/>
+                          <a:sym typeface="DejaVu Sans"/>
+                        </a:rPr>
+                        <a:t>0.31</a:t>
+                      </a:r>
+                    </a:p>
+                  </a:txBody>
+                  <a:tcPr anchor="ctr" marB="63500" marT="63500" marR="0" marL="0">
+                    <a:lnL algn="ctr" cmpd="sng" cap="flat" w="0">
+                      <a:noFill/>
+                      <a:prstDash val="solid"/>
+                    </a:lnL>
+                    <a:lnR algn="ctr" cmpd="sng" cap="flat" w="0">
+                      <a:noFill/>
+                      <a:prstDash val="solid"/>
+                    </a:lnR>
+                    <a:lnT algn="ctr" cmpd="sng" cap="flat" w="9525">
+                      <a:solidFill>
+                        <a:srgbClr val="666666">
+                          <a:alpha val="100000"/>
+                        </a:srgbClr>
+                      </a:solidFill>
+                      <a:prstDash val="solid"/>
+                    </a:lnT>
+                    <a:lnB algn="ctr" cmpd="sng" cap="flat" w="9525">
+                      <a:solidFill>
+                        <a:srgbClr val="666666">
+                          <a:alpha val="100000"/>
+                        </a:srgbClr>
+                      </a:solidFill>
+                      <a:prstDash val="solid"/>
+                    </a:lnB>
+                    <a:solidFill>
+                      <a:srgbClr val="FFFFFF">
+                        <a:alpha val="0"/>
+                      </a:srgbClr>
+                    </a:solidFill>
+                  </a:tcPr>
+                </a:tc>
+                <a:tc>
+                  <a:txBody>
+                    <a:bodyPr/>
+                    <a:lstStyle/>
+                    <a:p>
+                      <a:pPr algn="l" marL="63500" marR="63500">
+                        <a:lnSpc>
+                          <a:spcPct val="100000"/>
+                        </a:lnSpc>
+                        <a:spcBef>
+                          <a:spcPts val="500"/>
+                        </a:spcBef>
+                        <a:spcAft>
+                          <a:spcPts val="500"/>
+                        </a:spcAft>
+                        <a:buNone/>
+                      </a:pPr>
+                      <a:r>
+                        <a:rPr cap="none" sz="1100" i="0" b="0" u="none">
+                          <a:solidFill>
+                            <a:srgbClr val="000000">
+                              <a:alpha val="100000"/>
+                            </a:srgbClr>
+                          </a:solidFill>
+                          <a:latin typeface="DejaVu Sans"/>
+                          <a:cs typeface="DejaVu Sans"/>
+                          <a:ea typeface="DejaVu Sans"/>
+                          <a:sym typeface="DejaVu Sans"/>
+                        </a:rPr>
+                        <a:t>0.39</a:t>
                       </a:r>
                     </a:p>
                   </a:txBody>
@@ -11894,202 +11894,202 @@
                           <a:ea typeface="DejaVu Sans"/>
                           <a:sym typeface="DejaVu Sans"/>
                         </a:rPr>
-                        <a:t>0.042</a:t>
-                      </a:r>
-                    </a:p>
-                  </a:txBody>
-                  <a:tcPr anchor="ctr" marB="63500" marT="63500" marR="0" marL="0">
-                    <a:lnL algn="ctr" cmpd="sng" cap="flat" w="0">
-                      <a:noFill/>
-                      <a:prstDash val="solid"/>
-                    </a:lnL>
-                    <a:lnR algn="ctr" cmpd="sng" cap="flat" w="0">
-                      <a:noFill/>
-                      <a:prstDash val="solid"/>
-                    </a:lnR>
-                    <a:lnT algn="ctr" cmpd="sng" cap="flat" w="9525">
-                      <a:solidFill>
-                        <a:srgbClr val="666666">
-                          <a:alpha val="100000"/>
-                        </a:srgbClr>
-                      </a:solidFill>
-                      <a:prstDash val="solid"/>
-                    </a:lnT>
-                    <a:lnB algn="ctr" cmpd="sng" cap="flat" w="9525">
-                      <a:solidFill>
-                        <a:srgbClr val="666666">
-                          <a:alpha val="100000"/>
-                        </a:srgbClr>
-                      </a:solidFill>
-                      <a:prstDash val="solid"/>
-                    </a:lnB>
-                    <a:solidFill>
-                      <a:srgbClr val="FFFFFF">
-                        <a:alpha val="0"/>
-                      </a:srgbClr>
-                    </a:solidFill>
-                  </a:tcPr>
-                </a:tc>
-                <a:tc>
-                  <a:txBody>
-                    <a:bodyPr/>
-                    <a:lstStyle/>
-                    <a:p>
-                      <a:pPr algn="l" marL="63500" marR="63500">
-                        <a:lnSpc>
-                          <a:spcPct val="100000"/>
-                        </a:lnSpc>
-                        <a:spcBef>
-                          <a:spcPts val="500"/>
-                        </a:spcBef>
-                        <a:spcAft>
-                          <a:spcPts val="500"/>
-                        </a:spcAft>
-                        <a:buNone/>
-                      </a:pPr>
-                      <a:r>
-                        <a:rPr cap="none" sz="1100" i="0" b="0" u="none">
-                          <a:solidFill>
-                            <a:srgbClr val="000000">
-                              <a:alpha val="100000"/>
-                            </a:srgbClr>
-                          </a:solidFill>
-                          <a:latin typeface="DejaVu Sans"/>
-                          <a:cs typeface="DejaVu Sans"/>
-                          <a:ea typeface="DejaVu Sans"/>
-                          <a:sym typeface="DejaVu Sans"/>
-                        </a:rPr>
-                        <a:t>1.4</a:t>
-                      </a:r>
-                    </a:p>
-                  </a:txBody>
-                  <a:tcPr anchor="ctr" marB="63500" marT="63500" marR="0" marL="0">
-                    <a:lnL algn="ctr" cmpd="sng" cap="flat" w="0">
-                      <a:noFill/>
-                      <a:prstDash val="solid"/>
-                    </a:lnL>
-                    <a:lnR algn="ctr" cmpd="sng" cap="flat" w="0">
-                      <a:noFill/>
-                      <a:prstDash val="solid"/>
-                    </a:lnR>
-                    <a:lnT algn="ctr" cmpd="sng" cap="flat" w="9525">
-                      <a:solidFill>
-                        <a:srgbClr val="666666">
-                          <a:alpha val="100000"/>
-                        </a:srgbClr>
-                      </a:solidFill>
-                      <a:prstDash val="solid"/>
-                    </a:lnT>
-                    <a:lnB algn="ctr" cmpd="sng" cap="flat" w="9525">
-                      <a:solidFill>
-                        <a:srgbClr val="666666">
-                          <a:alpha val="100000"/>
-                        </a:srgbClr>
-                      </a:solidFill>
-                      <a:prstDash val="solid"/>
-                    </a:lnB>
-                    <a:solidFill>
-                      <a:srgbClr val="FFFFFF">
-                        <a:alpha val="0"/>
-                      </a:srgbClr>
-                    </a:solidFill>
-                  </a:tcPr>
-                </a:tc>
-                <a:tc>
-                  <a:txBody>
-                    <a:bodyPr/>
-                    <a:lstStyle/>
-                    <a:p>
-                      <a:pPr algn="l" marL="63500" marR="63500">
-                        <a:lnSpc>
-                          <a:spcPct val="100000"/>
-                        </a:lnSpc>
-                        <a:spcBef>
-                          <a:spcPts val="500"/>
-                        </a:spcBef>
-                        <a:spcAft>
-                          <a:spcPts val="500"/>
-                        </a:spcAft>
-                        <a:buNone/>
-                      </a:pPr>
-                      <a:r>
-                        <a:rPr cap="none" sz="1100" i="0" b="0" u="none">
-                          <a:solidFill>
-                            <a:srgbClr val="000000">
-                              <a:alpha val="100000"/>
-                            </a:srgbClr>
-                          </a:solidFill>
-                          <a:latin typeface="DejaVu Sans"/>
-                          <a:cs typeface="DejaVu Sans"/>
-                          <a:ea typeface="DejaVu Sans"/>
-                          <a:sym typeface="DejaVu Sans"/>
-                        </a:rPr>
-                        <a:t>0.066</a:t>
-                      </a:r>
-                    </a:p>
-                  </a:txBody>
-                  <a:tcPr anchor="ctr" marB="63500" marT="63500" marR="0" marL="0">
-                    <a:lnL algn="ctr" cmpd="sng" cap="flat" w="0">
-                      <a:noFill/>
-                      <a:prstDash val="solid"/>
-                    </a:lnL>
-                    <a:lnR algn="ctr" cmpd="sng" cap="flat" w="0">
-                      <a:noFill/>
-                      <a:prstDash val="solid"/>
-                    </a:lnR>
-                    <a:lnT algn="ctr" cmpd="sng" cap="flat" w="9525">
-                      <a:solidFill>
-                        <a:srgbClr val="666666">
-                          <a:alpha val="100000"/>
-                        </a:srgbClr>
-                      </a:solidFill>
-                      <a:prstDash val="solid"/>
-                    </a:lnT>
-                    <a:lnB algn="ctr" cmpd="sng" cap="flat" w="9525">
-                      <a:solidFill>
-                        <a:srgbClr val="666666">
-                          <a:alpha val="100000"/>
-                        </a:srgbClr>
-                      </a:solidFill>
-                      <a:prstDash val="solid"/>
-                    </a:lnB>
-                    <a:solidFill>
-                      <a:srgbClr val="FFFFFF">
-                        <a:alpha val="0"/>
-                      </a:srgbClr>
-                    </a:solidFill>
-                  </a:tcPr>
-                </a:tc>
-                <a:tc>
-                  <a:txBody>
-                    <a:bodyPr/>
-                    <a:lstStyle/>
-                    <a:p>
-                      <a:pPr algn="l" marL="63500" marR="63500">
-                        <a:lnSpc>
-                          <a:spcPct val="100000"/>
-                        </a:lnSpc>
-                        <a:spcBef>
-                          <a:spcPts val="500"/>
-                        </a:spcBef>
-                        <a:spcAft>
-                          <a:spcPts val="500"/>
-                        </a:spcAft>
-                        <a:buNone/>
-                      </a:pPr>
-                      <a:r>
-                        <a:rPr cap="none" sz="1100" i="0" b="0" u="none">
-                          <a:solidFill>
-                            <a:srgbClr val="000000">
-                              <a:alpha val="100000"/>
-                            </a:srgbClr>
-                          </a:solidFill>
-                          <a:latin typeface="DejaVu Sans"/>
-                          <a:cs typeface="DejaVu Sans"/>
-                          <a:ea typeface="DejaVu Sans"/>
-                          <a:sym typeface="DejaVu Sans"/>
-                        </a:rPr>
-                        <a:t>0.93</a:t>
+                        <a:t>0.039</a:t>
+                      </a:r>
+                    </a:p>
+                  </a:txBody>
+                  <a:tcPr anchor="ctr" marB="63500" marT="63500" marR="0" marL="0">
+                    <a:lnL algn="ctr" cmpd="sng" cap="flat" w="0">
+                      <a:noFill/>
+                      <a:prstDash val="solid"/>
+                    </a:lnL>
+                    <a:lnR algn="ctr" cmpd="sng" cap="flat" w="0">
+                      <a:noFill/>
+                      <a:prstDash val="solid"/>
+                    </a:lnR>
+                    <a:lnT algn="ctr" cmpd="sng" cap="flat" w="9525">
+                      <a:solidFill>
+                        <a:srgbClr val="666666">
+                          <a:alpha val="100000"/>
+                        </a:srgbClr>
+                      </a:solidFill>
+                      <a:prstDash val="solid"/>
+                    </a:lnT>
+                    <a:lnB algn="ctr" cmpd="sng" cap="flat" w="9525">
+                      <a:solidFill>
+                        <a:srgbClr val="666666">
+                          <a:alpha val="100000"/>
+                        </a:srgbClr>
+                      </a:solidFill>
+                      <a:prstDash val="solid"/>
+                    </a:lnB>
+                    <a:solidFill>
+                      <a:srgbClr val="FFFFFF">
+                        <a:alpha val="0"/>
+                      </a:srgbClr>
+                    </a:solidFill>
+                  </a:tcPr>
+                </a:tc>
+                <a:tc>
+                  <a:txBody>
+                    <a:bodyPr/>
+                    <a:lstStyle/>
+                    <a:p>
+                      <a:pPr algn="l" marL="63500" marR="63500">
+                        <a:lnSpc>
+                          <a:spcPct val="100000"/>
+                        </a:lnSpc>
+                        <a:spcBef>
+                          <a:spcPts val="500"/>
+                        </a:spcBef>
+                        <a:spcAft>
+                          <a:spcPts val="500"/>
+                        </a:spcAft>
+                        <a:buNone/>
+                      </a:pPr>
+                      <a:r>
+                        <a:rPr cap="none" sz="1100" i="0" b="0" u="none">
+                          <a:solidFill>
+                            <a:srgbClr val="000000">
+                              <a:alpha val="100000"/>
+                            </a:srgbClr>
+                          </a:solidFill>
+                          <a:latin typeface="DejaVu Sans"/>
+                          <a:cs typeface="DejaVu Sans"/>
+                          <a:ea typeface="DejaVu Sans"/>
+                          <a:sym typeface="DejaVu Sans"/>
+                        </a:rPr>
+                        <a:t>1.2</a:t>
+                      </a:r>
+                    </a:p>
+                  </a:txBody>
+                  <a:tcPr anchor="ctr" marB="63500" marT="63500" marR="0" marL="0">
+                    <a:lnL algn="ctr" cmpd="sng" cap="flat" w="0">
+                      <a:noFill/>
+                      <a:prstDash val="solid"/>
+                    </a:lnL>
+                    <a:lnR algn="ctr" cmpd="sng" cap="flat" w="0">
+                      <a:noFill/>
+                      <a:prstDash val="solid"/>
+                    </a:lnR>
+                    <a:lnT algn="ctr" cmpd="sng" cap="flat" w="9525">
+                      <a:solidFill>
+                        <a:srgbClr val="666666">
+                          <a:alpha val="100000"/>
+                        </a:srgbClr>
+                      </a:solidFill>
+                      <a:prstDash val="solid"/>
+                    </a:lnT>
+                    <a:lnB algn="ctr" cmpd="sng" cap="flat" w="9525">
+                      <a:solidFill>
+                        <a:srgbClr val="666666">
+                          <a:alpha val="100000"/>
+                        </a:srgbClr>
+                      </a:solidFill>
+                      <a:prstDash val="solid"/>
+                    </a:lnB>
+                    <a:solidFill>
+                      <a:srgbClr val="FFFFFF">
+                        <a:alpha val="0"/>
+                      </a:srgbClr>
+                    </a:solidFill>
+                  </a:tcPr>
+                </a:tc>
+                <a:tc>
+                  <a:txBody>
+                    <a:bodyPr/>
+                    <a:lstStyle/>
+                    <a:p>
+                      <a:pPr algn="l" marL="63500" marR="63500">
+                        <a:lnSpc>
+                          <a:spcPct val="100000"/>
+                        </a:lnSpc>
+                        <a:spcBef>
+                          <a:spcPts val="500"/>
+                        </a:spcBef>
+                        <a:spcAft>
+                          <a:spcPts val="500"/>
+                        </a:spcAft>
+                        <a:buNone/>
+                      </a:pPr>
+                      <a:r>
+                        <a:rPr cap="none" sz="1100" i="0" b="0" u="none">
+                          <a:solidFill>
+                            <a:srgbClr val="000000">
+                              <a:alpha val="100000"/>
+                            </a:srgbClr>
+                          </a:solidFill>
+                          <a:latin typeface="DejaVu Sans"/>
+                          <a:cs typeface="DejaVu Sans"/>
+                          <a:ea typeface="DejaVu Sans"/>
+                          <a:sym typeface="DejaVu Sans"/>
+                        </a:rPr>
+                        <a:t>0.20</a:t>
+                      </a:r>
+                    </a:p>
+                  </a:txBody>
+                  <a:tcPr anchor="ctr" marB="63500" marT="63500" marR="0" marL="0">
+                    <a:lnL algn="ctr" cmpd="sng" cap="flat" w="0">
+                      <a:noFill/>
+                      <a:prstDash val="solid"/>
+                    </a:lnL>
+                    <a:lnR algn="ctr" cmpd="sng" cap="flat" w="0">
+                      <a:noFill/>
+                      <a:prstDash val="solid"/>
+                    </a:lnR>
+                    <a:lnT algn="ctr" cmpd="sng" cap="flat" w="9525">
+                      <a:solidFill>
+                        <a:srgbClr val="666666">
+                          <a:alpha val="100000"/>
+                        </a:srgbClr>
+                      </a:solidFill>
+                      <a:prstDash val="solid"/>
+                    </a:lnT>
+                    <a:lnB algn="ctr" cmpd="sng" cap="flat" w="9525">
+                      <a:solidFill>
+                        <a:srgbClr val="666666">
+                          <a:alpha val="100000"/>
+                        </a:srgbClr>
+                      </a:solidFill>
+                      <a:prstDash val="solid"/>
+                    </a:lnB>
+                    <a:solidFill>
+                      <a:srgbClr val="FFFFFF">
+                        <a:alpha val="0"/>
+                      </a:srgbClr>
+                    </a:solidFill>
+                  </a:tcPr>
+                </a:tc>
+                <a:tc>
+                  <a:txBody>
+                    <a:bodyPr/>
+                    <a:lstStyle/>
+                    <a:p>
+                      <a:pPr algn="l" marL="63500" marR="63500">
+                        <a:lnSpc>
+                          <a:spcPct val="100000"/>
+                        </a:lnSpc>
+                        <a:spcBef>
+                          <a:spcPts val="500"/>
+                        </a:spcBef>
+                        <a:spcAft>
+                          <a:spcPts val="500"/>
+                        </a:spcAft>
+                        <a:buNone/>
+                      </a:pPr>
+                      <a:r>
+                        <a:rPr cap="none" sz="1100" i="0" b="0" u="none">
+                          <a:solidFill>
+                            <a:srgbClr val="000000">
+                              <a:alpha val="100000"/>
+                            </a:srgbClr>
+                          </a:solidFill>
+                          <a:latin typeface="DejaVu Sans"/>
+                          <a:cs typeface="DejaVu Sans"/>
+                          <a:ea typeface="DejaVu Sans"/>
+                          <a:sym typeface="DejaVu Sans"/>
+                        </a:rPr>
+                        <a:t>0.30</a:t>
                       </a:r>
                     </a:p>
                   </a:txBody>
@@ -12416,202 +12416,202 @@
                           <a:ea typeface="DejaVu Sans"/>
                           <a:sym typeface="DejaVu Sans"/>
                         </a:rPr>
-                        <a:t>0.047</a:t>
-                      </a:r>
-                    </a:p>
-                  </a:txBody>
-                  <a:tcPr anchor="ctr" marB="63500" marT="63500" marR="0" marL="0">
-                    <a:lnL algn="ctr" cmpd="sng" cap="flat" w="0">
-                      <a:noFill/>
-                      <a:prstDash val="solid"/>
-                    </a:lnL>
-                    <a:lnR algn="ctr" cmpd="sng" cap="flat" w="0">
-                      <a:noFill/>
-                      <a:prstDash val="solid"/>
-                    </a:lnR>
-                    <a:lnT algn="ctr" cmpd="sng" cap="flat" w="9525">
-                      <a:solidFill>
-                        <a:srgbClr val="666666">
-                          <a:alpha val="100000"/>
-                        </a:srgbClr>
-                      </a:solidFill>
-                      <a:prstDash val="solid"/>
-                    </a:lnT>
-                    <a:lnB algn="ctr" cmpd="sng" cap="flat" w="9525">
-                      <a:solidFill>
-                        <a:srgbClr val="666666">
-                          <a:alpha val="100000"/>
-                        </a:srgbClr>
-                      </a:solidFill>
-                      <a:prstDash val="solid"/>
-                    </a:lnB>
-                    <a:solidFill>
-                      <a:srgbClr val="FFFFFF">
-                        <a:alpha val="0"/>
-                      </a:srgbClr>
-                    </a:solidFill>
-                  </a:tcPr>
-                </a:tc>
-                <a:tc>
-                  <a:txBody>
-                    <a:bodyPr/>
-                    <a:lstStyle/>
-                    <a:p>
-                      <a:pPr algn="l" marL="63500" marR="63500">
-                        <a:lnSpc>
-                          <a:spcPct val="100000"/>
-                        </a:lnSpc>
-                        <a:spcBef>
-                          <a:spcPts val="500"/>
-                        </a:spcBef>
-                        <a:spcAft>
-                          <a:spcPts val="500"/>
-                        </a:spcAft>
-                        <a:buNone/>
-                      </a:pPr>
-                      <a:r>
-                        <a:rPr cap="none" sz="1100" i="0" b="0" u="none">
-                          <a:solidFill>
-                            <a:srgbClr val="000000">
-                              <a:alpha val="100000"/>
-                            </a:srgbClr>
-                          </a:solidFill>
-                          <a:latin typeface="DejaVu Sans"/>
-                          <a:cs typeface="DejaVu Sans"/>
-                          <a:ea typeface="DejaVu Sans"/>
-                          <a:sym typeface="DejaVu Sans"/>
-                        </a:rPr>
-                        <a:t>1.4</a:t>
-                      </a:r>
-                    </a:p>
-                  </a:txBody>
-                  <a:tcPr anchor="ctr" marB="63500" marT="63500" marR="0" marL="0">
-                    <a:lnL algn="ctr" cmpd="sng" cap="flat" w="0">
-                      <a:noFill/>
-                      <a:prstDash val="solid"/>
-                    </a:lnL>
-                    <a:lnR algn="ctr" cmpd="sng" cap="flat" w="0">
-                      <a:noFill/>
-                      <a:prstDash val="solid"/>
-                    </a:lnR>
-                    <a:lnT algn="ctr" cmpd="sng" cap="flat" w="9525">
-                      <a:solidFill>
-                        <a:srgbClr val="666666">
-                          <a:alpha val="100000"/>
-                        </a:srgbClr>
-                      </a:solidFill>
-                      <a:prstDash val="solid"/>
-                    </a:lnT>
-                    <a:lnB algn="ctr" cmpd="sng" cap="flat" w="9525">
-                      <a:solidFill>
-                        <a:srgbClr val="666666">
-                          <a:alpha val="100000"/>
-                        </a:srgbClr>
-                      </a:solidFill>
-                      <a:prstDash val="solid"/>
-                    </a:lnB>
-                    <a:solidFill>
-                      <a:srgbClr val="FFFFFF">
-                        <a:alpha val="0"/>
-                      </a:srgbClr>
-                    </a:solidFill>
-                  </a:tcPr>
-                </a:tc>
-                <a:tc>
-                  <a:txBody>
-                    <a:bodyPr/>
-                    <a:lstStyle/>
-                    <a:p>
-                      <a:pPr algn="l" marL="63500" marR="63500">
-                        <a:lnSpc>
-                          <a:spcPct val="100000"/>
-                        </a:lnSpc>
-                        <a:spcBef>
-                          <a:spcPts val="500"/>
-                        </a:spcBef>
-                        <a:spcAft>
-                          <a:spcPts val="500"/>
-                        </a:spcAft>
-                        <a:buNone/>
-                      </a:pPr>
-                      <a:r>
-                        <a:rPr cap="none" sz="1100" i="0" b="1" u="none">
-                          <a:solidFill>
-                            <a:srgbClr val="000000">
-                              <a:alpha val="100000"/>
-                            </a:srgbClr>
-                          </a:solidFill>
-                          <a:latin typeface="DejaVu Sans"/>
-                          <a:cs typeface="DejaVu Sans"/>
-                          <a:ea typeface="DejaVu Sans"/>
-                          <a:sym typeface="DejaVu Sans"/>
-                        </a:rPr>
-                        <a:t>0.041</a:t>
-                      </a:r>
-                    </a:p>
-                  </a:txBody>
-                  <a:tcPr anchor="ctr" marB="63500" marT="63500" marR="0" marL="0">
-                    <a:lnL algn="ctr" cmpd="sng" cap="flat" w="0">
-                      <a:noFill/>
-                      <a:prstDash val="solid"/>
-                    </a:lnL>
-                    <a:lnR algn="ctr" cmpd="sng" cap="flat" w="0">
-                      <a:noFill/>
-                      <a:prstDash val="solid"/>
-                    </a:lnR>
-                    <a:lnT algn="ctr" cmpd="sng" cap="flat" w="9525">
-                      <a:solidFill>
-                        <a:srgbClr val="666666">
-                          <a:alpha val="100000"/>
-                        </a:srgbClr>
-                      </a:solidFill>
-                      <a:prstDash val="solid"/>
-                    </a:lnT>
-                    <a:lnB algn="ctr" cmpd="sng" cap="flat" w="9525">
-                      <a:solidFill>
-                        <a:srgbClr val="666666">
-                          <a:alpha val="100000"/>
-                        </a:srgbClr>
-                      </a:solidFill>
-                      <a:prstDash val="solid"/>
-                    </a:lnB>
-                    <a:solidFill>
-                      <a:srgbClr val="FFFFFF">
-                        <a:alpha val="0"/>
-                      </a:srgbClr>
-                    </a:solidFill>
-                  </a:tcPr>
-                </a:tc>
-                <a:tc>
-                  <a:txBody>
-                    <a:bodyPr/>
-                    <a:lstStyle/>
-                    <a:p>
-                      <a:pPr algn="l" marL="63500" marR="63500">
-                        <a:lnSpc>
-                          <a:spcPct val="100000"/>
-                        </a:lnSpc>
-                        <a:spcBef>
-                          <a:spcPts val="500"/>
-                        </a:spcBef>
-                        <a:spcAft>
-                          <a:spcPts val="500"/>
-                        </a:spcAft>
-                        <a:buNone/>
-                      </a:pPr>
-                      <a:r>
-                        <a:rPr cap="none" sz="1100" i="0" b="0" u="none">
-                          <a:solidFill>
-                            <a:srgbClr val="000000">
-                              <a:alpha val="100000"/>
-                            </a:srgbClr>
-                          </a:solidFill>
-                          <a:latin typeface="DejaVu Sans"/>
-                          <a:cs typeface="DejaVu Sans"/>
-                          <a:ea typeface="DejaVu Sans"/>
-                          <a:sym typeface="DejaVu Sans"/>
-                        </a:rPr>
-                        <a:t>0.61</a:t>
+                        <a:t>0.044</a:t>
+                      </a:r>
+                    </a:p>
+                  </a:txBody>
+                  <a:tcPr anchor="ctr" marB="63500" marT="63500" marR="0" marL="0">
+                    <a:lnL algn="ctr" cmpd="sng" cap="flat" w="0">
+                      <a:noFill/>
+                      <a:prstDash val="solid"/>
+                    </a:lnL>
+                    <a:lnR algn="ctr" cmpd="sng" cap="flat" w="0">
+                      <a:noFill/>
+                      <a:prstDash val="solid"/>
+                    </a:lnR>
+                    <a:lnT algn="ctr" cmpd="sng" cap="flat" w="9525">
+                      <a:solidFill>
+                        <a:srgbClr val="666666">
+                          <a:alpha val="100000"/>
+                        </a:srgbClr>
+                      </a:solidFill>
+                      <a:prstDash val="solid"/>
+                    </a:lnT>
+                    <a:lnB algn="ctr" cmpd="sng" cap="flat" w="9525">
+                      <a:solidFill>
+                        <a:srgbClr val="666666">
+                          <a:alpha val="100000"/>
+                        </a:srgbClr>
+                      </a:solidFill>
+                      <a:prstDash val="solid"/>
+                    </a:lnB>
+                    <a:solidFill>
+                      <a:srgbClr val="FFFFFF">
+                        <a:alpha val="0"/>
+                      </a:srgbClr>
+                    </a:solidFill>
+                  </a:tcPr>
+                </a:tc>
+                <a:tc>
+                  <a:txBody>
+                    <a:bodyPr/>
+                    <a:lstStyle/>
+                    <a:p>
+                      <a:pPr algn="l" marL="63500" marR="63500">
+                        <a:lnSpc>
+                          <a:spcPct val="100000"/>
+                        </a:lnSpc>
+                        <a:spcBef>
+                          <a:spcPts val="500"/>
+                        </a:spcBef>
+                        <a:spcAft>
+                          <a:spcPts val="500"/>
+                        </a:spcAft>
+                        <a:buNone/>
+                      </a:pPr>
+                      <a:r>
+                        <a:rPr cap="none" sz="1100" i="0" b="0" u="none">
+                          <a:solidFill>
+                            <a:srgbClr val="000000">
+                              <a:alpha val="100000"/>
+                            </a:srgbClr>
+                          </a:solidFill>
+                          <a:latin typeface="DejaVu Sans"/>
+                          <a:cs typeface="DejaVu Sans"/>
+                          <a:ea typeface="DejaVu Sans"/>
+                          <a:sym typeface="DejaVu Sans"/>
+                        </a:rPr>
+                        <a:t>1.2</a:t>
+                      </a:r>
+                    </a:p>
+                  </a:txBody>
+                  <a:tcPr anchor="ctr" marB="63500" marT="63500" marR="0" marL="0">
+                    <a:lnL algn="ctr" cmpd="sng" cap="flat" w="0">
+                      <a:noFill/>
+                      <a:prstDash val="solid"/>
+                    </a:lnL>
+                    <a:lnR algn="ctr" cmpd="sng" cap="flat" w="0">
+                      <a:noFill/>
+                      <a:prstDash val="solid"/>
+                    </a:lnR>
+                    <a:lnT algn="ctr" cmpd="sng" cap="flat" w="9525">
+                      <a:solidFill>
+                        <a:srgbClr val="666666">
+                          <a:alpha val="100000"/>
+                        </a:srgbClr>
+                      </a:solidFill>
+                      <a:prstDash val="solid"/>
+                    </a:lnT>
+                    <a:lnB algn="ctr" cmpd="sng" cap="flat" w="9525">
+                      <a:solidFill>
+                        <a:srgbClr val="666666">
+                          <a:alpha val="100000"/>
+                        </a:srgbClr>
+                      </a:solidFill>
+                      <a:prstDash val="solid"/>
+                    </a:lnB>
+                    <a:solidFill>
+                      <a:srgbClr val="FFFFFF">
+                        <a:alpha val="0"/>
+                      </a:srgbClr>
+                    </a:solidFill>
+                  </a:tcPr>
+                </a:tc>
+                <a:tc>
+                  <a:txBody>
+                    <a:bodyPr/>
+                    <a:lstStyle/>
+                    <a:p>
+                      <a:pPr algn="l" marL="63500" marR="63500">
+                        <a:lnSpc>
+                          <a:spcPct val="100000"/>
+                        </a:lnSpc>
+                        <a:spcBef>
+                          <a:spcPts val="500"/>
+                        </a:spcBef>
+                        <a:spcAft>
+                          <a:spcPts val="500"/>
+                        </a:spcAft>
+                        <a:buNone/>
+                      </a:pPr>
+                      <a:r>
+                        <a:rPr cap="none" sz="1100" i="0" b="0" u="none">
+                          <a:solidFill>
+                            <a:srgbClr val="000000">
+                              <a:alpha val="100000"/>
+                            </a:srgbClr>
+                          </a:solidFill>
+                          <a:latin typeface="DejaVu Sans"/>
+                          <a:cs typeface="DejaVu Sans"/>
+                          <a:ea typeface="DejaVu Sans"/>
+                          <a:sym typeface="DejaVu Sans"/>
+                        </a:rPr>
+                        <a:t>0.12</a:t>
+                      </a:r>
+                    </a:p>
+                  </a:txBody>
+                  <a:tcPr anchor="ctr" marB="63500" marT="63500" marR="0" marL="0">
+                    <a:lnL algn="ctr" cmpd="sng" cap="flat" w="0">
+                      <a:noFill/>
+                      <a:prstDash val="solid"/>
+                    </a:lnL>
+                    <a:lnR algn="ctr" cmpd="sng" cap="flat" w="0">
+                      <a:noFill/>
+                      <a:prstDash val="solid"/>
+                    </a:lnR>
+                    <a:lnT algn="ctr" cmpd="sng" cap="flat" w="9525">
+                      <a:solidFill>
+                        <a:srgbClr val="666666">
+                          <a:alpha val="100000"/>
+                        </a:srgbClr>
+                      </a:solidFill>
+                      <a:prstDash val="solid"/>
+                    </a:lnT>
+                    <a:lnB algn="ctr" cmpd="sng" cap="flat" w="9525">
+                      <a:solidFill>
+                        <a:srgbClr val="666666">
+                          <a:alpha val="100000"/>
+                        </a:srgbClr>
+                      </a:solidFill>
+                      <a:prstDash val="solid"/>
+                    </a:lnB>
+                    <a:solidFill>
+                      <a:srgbClr val="FFFFFF">
+                        <a:alpha val="0"/>
+                      </a:srgbClr>
+                    </a:solidFill>
+                  </a:tcPr>
+                </a:tc>
+                <a:tc>
+                  <a:txBody>
+                    <a:bodyPr/>
+                    <a:lstStyle/>
+                    <a:p>
+                      <a:pPr algn="l" marL="63500" marR="63500">
+                        <a:lnSpc>
+                          <a:spcPct val="100000"/>
+                        </a:lnSpc>
+                        <a:spcBef>
+                          <a:spcPts val="500"/>
+                        </a:spcBef>
+                        <a:spcAft>
+                          <a:spcPts val="500"/>
+                        </a:spcAft>
+                        <a:buNone/>
+                      </a:pPr>
+                      <a:r>
+                        <a:rPr cap="none" sz="1100" i="0" b="0" u="none">
+                          <a:solidFill>
+                            <a:srgbClr val="000000">
+                              <a:alpha val="100000"/>
+                            </a:srgbClr>
+                          </a:solidFill>
+                          <a:latin typeface="DejaVu Sans"/>
+                          <a:cs typeface="DejaVu Sans"/>
+                          <a:ea typeface="DejaVu Sans"/>
+                          <a:sym typeface="DejaVu Sans"/>
+                        </a:rPr>
+                        <a:t>0.24</a:t>
                       </a:r>
                     </a:p>
                   </a:txBody>
@@ -12938,7 +12938,7 @@
                           <a:ea typeface="DejaVu Sans"/>
                           <a:sym typeface="DejaVu Sans"/>
                         </a:rPr>
-                        <a:t>0.080</a:t>
+                        <a:t>0.084</a:t>
                       </a:r>
                     </a:p>
                   </a:txBody>
@@ -13068,7 +13068,7 @@
                           <a:ea typeface="DejaVu Sans"/>
                           <a:sym typeface="DejaVu Sans"/>
                         </a:rPr>
-                        <a:t>0.00030</a:t>
+                        <a:t>0.0010</a:t>
                       </a:r>
                     </a:p>
                   </a:txBody>
@@ -13133,7 +13133,7 @@
                           <a:ea typeface="DejaVu Sans"/>
                           <a:sym typeface="DejaVu Sans"/>
                         </a:rPr>
-                        <a:t>0.0063</a:t>
+                        <a:t>0.021</a:t>
                       </a:r>
                     </a:p>
                   </a:txBody>
@@ -13460,7 +13460,7 @@
                           <a:ea typeface="DejaVu Sans"/>
                           <a:sym typeface="DejaVu Sans"/>
                         </a:rPr>
-                        <a:t>0.15</a:t>
+                        <a:t>0.17</a:t>
                       </a:r>
                     </a:p>
                   </a:txBody>
@@ -13590,7 +13590,7 @@
                           <a:ea typeface="DejaVu Sans"/>
                           <a:sym typeface="DejaVu Sans"/>
                         </a:rPr>
-                        <a:t>0.024</a:t>
+                        <a:t>0.019</a:t>
                       </a:r>
                     </a:p>
                   </a:txBody>
@@ -13644,18 +13644,18 @@
                         <a:buNone/>
                       </a:pPr>
                       <a:r>
-                        <a:rPr cap="none" sz="1100" i="0" b="0" u="none">
-                          <a:solidFill>
-                            <a:srgbClr val="000000">
-                              <a:alpha val="100000"/>
-                            </a:srgbClr>
-                          </a:solidFill>
-                          <a:latin typeface="DejaVu Sans"/>
-                          <a:cs typeface="DejaVu Sans"/>
-                          <a:ea typeface="DejaVu Sans"/>
-                          <a:sym typeface="DejaVu Sans"/>
-                        </a:rPr>
-                        <a:t>0.42</a:t>
+                        <a:rPr cap="none" sz="1100" i="0" b="1" u="none">
+                          <a:solidFill>
+                            <a:srgbClr val="000000">
+                              <a:alpha val="100000"/>
+                            </a:srgbClr>
+                          </a:solidFill>
+                          <a:latin typeface="DejaVu Sans"/>
+                          <a:cs typeface="DejaVu Sans"/>
+                          <a:ea typeface="DejaVu Sans"/>
+                          <a:sym typeface="DejaVu Sans"/>
+                        </a:rPr>
+                        <a:t>0.17</a:t>
                       </a:r>
                     </a:p>
                   </a:txBody>

--- a/Tables/Metabeast.pptx
+++ b/Tables/Metabeast.pptx
@@ -3158,7 +3158,7 @@
                           <a:ea typeface="DejaVu Sans"/>
                           <a:sym typeface="DejaVu Sans"/>
                         </a:rPr>
-                        <a:t>0.23</a:t>
+                        <a:t>0.24</a:t>
                       </a:r>
                     </a:p>
                   </a:txBody>
@@ -3219,7 +3219,7 @@
                           <a:ea typeface="DejaVu Sans"/>
                           <a:sym typeface="DejaVu Sans"/>
                         </a:rPr>
-                        <a:t>0.32</a:t>
+                        <a:t>0.33</a:t>
                       </a:r>
                     </a:p>
                   </a:txBody>
@@ -3672,72 +3672,72 @@
                           <a:ea typeface="DejaVu Sans"/>
                           <a:sym typeface="DejaVu Sans"/>
                         </a:rPr>
-                        <a:t>0.59</a:t>
-                      </a:r>
-                    </a:p>
-                  </a:txBody>
-                  <a:tcPr anchor="ctr" marB="63500" marT="63500" marR="0" marL="0">
-                    <a:lnL algn="ctr" cmpd="sng" cap="flat" w="0">
-                      <a:noFill/>
-                      <a:prstDash val="solid"/>
-                    </a:lnL>
-                    <a:lnR algn="ctr" cmpd="sng" cap="flat" w="0">
-                      <a:noFill/>
-                      <a:prstDash val="solid"/>
-                    </a:lnR>
-                    <a:lnT algn="ctr" cmpd="sng" cap="flat" w="9525">
-                      <a:solidFill>
-                        <a:srgbClr val="666666">
-                          <a:alpha val="100000"/>
-                        </a:srgbClr>
-                      </a:solidFill>
-                      <a:prstDash val="solid"/>
-                    </a:lnT>
-                    <a:lnB algn="ctr" cmpd="sng" cap="flat" w="9525">
-                      <a:solidFill>
-                        <a:srgbClr val="666666">
-                          <a:alpha val="100000"/>
-                        </a:srgbClr>
-                      </a:solidFill>
-                      <a:prstDash val="solid"/>
-                    </a:lnB>
-                    <a:solidFill>
-                      <a:srgbClr val="FFFFFF">
-                        <a:alpha val="0"/>
-                      </a:srgbClr>
-                    </a:solidFill>
-                  </a:tcPr>
-                </a:tc>
-                <a:tc>
-                  <a:txBody>
-                    <a:bodyPr/>
-                    <a:lstStyle/>
-                    <a:p>
-                      <a:pPr algn="l" marL="63500" marR="63500">
-                        <a:lnSpc>
-                          <a:spcPct val="100000"/>
-                        </a:lnSpc>
-                        <a:spcBef>
-                          <a:spcPts val="500"/>
-                        </a:spcBef>
-                        <a:spcAft>
-                          <a:spcPts val="500"/>
-                        </a:spcAft>
-                        <a:buNone/>
-                      </a:pPr>
-                      <a:r>
-                        <a:rPr cap="none" sz="1100" i="0" b="0" u="none">
-                          <a:solidFill>
-                            <a:srgbClr val="000000">
-                              <a:alpha val="100000"/>
-                            </a:srgbClr>
-                          </a:solidFill>
-                          <a:latin typeface="DejaVu Sans"/>
-                          <a:cs typeface="DejaVu Sans"/>
-                          <a:ea typeface="DejaVu Sans"/>
-                          <a:sym typeface="DejaVu Sans"/>
-                        </a:rPr>
-                        <a:t>0.65</a:t>
+                        <a:t>0.60</a:t>
+                      </a:r>
+                    </a:p>
+                  </a:txBody>
+                  <a:tcPr anchor="ctr" marB="63500" marT="63500" marR="0" marL="0">
+                    <a:lnL algn="ctr" cmpd="sng" cap="flat" w="0">
+                      <a:noFill/>
+                      <a:prstDash val="solid"/>
+                    </a:lnL>
+                    <a:lnR algn="ctr" cmpd="sng" cap="flat" w="0">
+                      <a:noFill/>
+                      <a:prstDash val="solid"/>
+                    </a:lnR>
+                    <a:lnT algn="ctr" cmpd="sng" cap="flat" w="9525">
+                      <a:solidFill>
+                        <a:srgbClr val="666666">
+                          <a:alpha val="100000"/>
+                        </a:srgbClr>
+                      </a:solidFill>
+                      <a:prstDash val="solid"/>
+                    </a:lnT>
+                    <a:lnB algn="ctr" cmpd="sng" cap="flat" w="9525">
+                      <a:solidFill>
+                        <a:srgbClr val="666666">
+                          <a:alpha val="100000"/>
+                        </a:srgbClr>
+                      </a:solidFill>
+                      <a:prstDash val="solid"/>
+                    </a:lnB>
+                    <a:solidFill>
+                      <a:srgbClr val="FFFFFF">
+                        <a:alpha val="0"/>
+                      </a:srgbClr>
+                    </a:solidFill>
+                  </a:tcPr>
+                </a:tc>
+                <a:tc>
+                  <a:txBody>
+                    <a:bodyPr/>
+                    <a:lstStyle/>
+                    <a:p>
+                      <a:pPr algn="l" marL="63500" marR="63500">
+                        <a:lnSpc>
+                          <a:spcPct val="100000"/>
+                        </a:lnSpc>
+                        <a:spcBef>
+                          <a:spcPts val="500"/>
+                        </a:spcBef>
+                        <a:spcAft>
+                          <a:spcPts val="500"/>
+                        </a:spcAft>
+                        <a:buNone/>
+                      </a:pPr>
+                      <a:r>
+                        <a:rPr cap="none" sz="1100" i="0" b="0" u="none">
+                          <a:solidFill>
+                            <a:srgbClr val="000000">
+                              <a:alpha val="100000"/>
+                            </a:srgbClr>
+                          </a:solidFill>
+                          <a:latin typeface="DejaVu Sans"/>
+                          <a:cs typeface="DejaVu Sans"/>
+                          <a:ea typeface="DejaVu Sans"/>
+                          <a:sym typeface="DejaVu Sans"/>
+                        </a:rPr>
+                        <a:t>0.66</a:t>
                       </a:r>
                     </a:p>
                   </a:txBody>
@@ -4716,72 +4716,72 @@
                           <a:ea typeface="DejaVu Sans"/>
                           <a:sym typeface="DejaVu Sans"/>
                         </a:rPr>
-                        <a:t>0.15</a:t>
-                      </a:r>
-                    </a:p>
-                  </a:txBody>
-                  <a:tcPr anchor="ctr" marB="63500" marT="63500" marR="0" marL="0">
-                    <a:lnL algn="ctr" cmpd="sng" cap="flat" w="0">
-                      <a:noFill/>
-                      <a:prstDash val="solid"/>
-                    </a:lnL>
-                    <a:lnR algn="ctr" cmpd="sng" cap="flat" w="0">
-                      <a:noFill/>
-                      <a:prstDash val="solid"/>
-                    </a:lnR>
-                    <a:lnT algn="ctr" cmpd="sng" cap="flat" w="9525">
-                      <a:solidFill>
-                        <a:srgbClr val="666666">
-                          <a:alpha val="100000"/>
-                        </a:srgbClr>
-                      </a:solidFill>
-                      <a:prstDash val="solid"/>
-                    </a:lnT>
-                    <a:lnB algn="ctr" cmpd="sng" cap="flat" w="9525">
-                      <a:solidFill>
-                        <a:srgbClr val="666666">
-                          <a:alpha val="100000"/>
-                        </a:srgbClr>
-                      </a:solidFill>
-                      <a:prstDash val="solid"/>
-                    </a:lnB>
-                    <a:solidFill>
-                      <a:srgbClr val="FFFFFF">
-                        <a:alpha val="0"/>
-                      </a:srgbClr>
-                    </a:solidFill>
-                  </a:tcPr>
-                </a:tc>
-                <a:tc>
-                  <a:txBody>
-                    <a:bodyPr/>
-                    <a:lstStyle/>
-                    <a:p>
-                      <a:pPr algn="l" marL="63500" marR="63500">
-                        <a:lnSpc>
-                          <a:spcPct val="100000"/>
-                        </a:lnSpc>
-                        <a:spcBef>
-                          <a:spcPts val="500"/>
-                        </a:spcBef>
-                        <a:spcAft>
-                          <a:spcPts val="500"/>
-                        </a:spcAft>
-                        <a:buNone/>
-                      </a:pPr>
-                      <a:r>
-                        <a:rPr cap="none" sz="1100" i="0" b="0" u="none">
-                          <a:solidFill>
-                            <a:srgbClr val="000000">
-                              <a:alpha val="100000"/>
-                            </a:srgbClr>
-                          </a:solidFill>
-                          <a:latin typeface="DejaVu Sans"/>
-                          <a:cs typeface="DejaVu Sans"/>
-                          <a:ea typeface="DejaVu Sans"/>
-                          <a:sym typeface="DejaVu Sans"/>
-                        </a:rPr>
-                        <a:t>0.27</a:t>
+                        <a:t>0.14</a:t>
+                      </a:r>
+                    </a:p>
+                  </a:txBody>
+                  <a:tcPr anchor="ctr" marB="63500" marT="63500" marR="0" marL="0">
+                    <a:lnL algn="ctr" cmpd="sng" cap="flat" w="0">
+                      <a:noFill/>
+                      <a:prstDash val="solid"/>
+                    </a:lnL>
+                    <a:lnR algn="ctr" cmpd="sng" cap="flat" w="0">
+                      <a:noFill/>
+                      <a:prstDash val="solid"/>
+                    </a:lnR>
+                    <a:lnT algn="ctr" cmpd="sng" cap="flat" w="9525">
+                      <a:solidFill>
+                        <a:srgbClr val="666666">
+                          <a:alpha val="100000"/>
+                        </a:srgbClr>
+                      </a:solidFill>
+                      <a:prstDash val="solid"/>
+                    </a:lnT>
+                    <a:lnB algn="ctr" cmpd="sng" cap="flat" w="9525">
+                      <a:solidFill>
+                        <a:srgbClr val="666666">
+                          <a:alpha val="100000"/>
+                        </a:srgbClr>
+                      </a:solidFill>
+                      <a:prstDash val="solid"/>
+                    </a:lnB>
+                    <a:solidFill>
+                      <a:srgbClr val="FFFFFF">
+                        <a:alpha val="0"/>
+                      </a:srgbClr>
+                    </a:solidFill>
+                  </a:tcPr>
+                </a:tc>
+                <a:tc>
+                  <a:txBody>
+                    <a:bodyPr/>
+                    <a:lstStyle/>
+                    <a:p>
+                      <a:pPr algn="l" marL="63500" marR="63500">
+                        <a:lnSpc>
+                          <a:spcPct val="100000"/>
+                        </a:lnSpc>
+                        <a:spcBef>
+                          <a:spcPts val="500"/>
+                        </a:spcBef>
+                        <a:spcAft>
+                          <a:spcPts val="500"/>
+                        </a:spcAft>
+                        <a:buNone/>
+                      </a:pPr>
+                      <a:r>
+                        <a:rPr cap="none" sz="1100" i="0" b="0" u="none">
+                          <a:solidFill>
+                            <a:srgbClr val="000000">
+                              <a:alpha val="100000"/>
+                            </a:srgbClr>
+                          </a:solidFill>
+                          <a:latin typeface="DejaVu Sans"/>
+                          <a:cs typeface="DejaVu Sans"/>
+                          <a:ea typeface="DejaVu Sans"/>
+                          <a:sym typeface="DejaVu Sans"/>
+                        </a:rPr>
+                        <a:t>0.25</a:t>
                       </a:r>
                     </a:p>
                   </a:txBody>
@@ -5238,7 +5238,7 @@
                           <a:ea typeface="DejaVu Sans"/>
                           <a:sym typeface="DejaVu Sans"/>
                         </a:rPr>
-                        <a:t>0.024</a:t>
+                        <a:t>0.031</a:t>
                       </a:r>
                     </a:p>
                   </a:txBody>
@@ -5303,7 +5303,7 @@
                           <a:ea typeface="DejaVu Sans"/>
                           <a:sym typeface="DejaVu Sans"/>
                         </a:rPr>
-                        <a:t>0.17</a:t>
+                        <a:t>0.18</a:t>
                       </a:r>
                     </a:p>
                   </a:txBody>
@@ -6347,7 +6347,7 @@
                           <a:ea typeface="DejaVu Sans"/>
                           <a:sym typeface="DejaVu Sans"/>
                         </a:rPr>
-                        <a:t>0.30</a:t>
+                        <a:t>0.31</a:t>
                       </a:r>
                     </a:p>
                   </a:txBody>
@@ -6804,72 +6804,72 @@
                           <a:ea typeface="DejaVu Sans"/>
                           <a:sym typeface="DejaVu Sans"/>
                         </a:rPr>
-                        <a:t>0.72</a:t>
-                      </a:r>
-                    </a:p>
-                  </a:txBody>
-                  <a:tcPr anchor="ctr" marB="63500" marT="63500" marR="0" marL="0">
-                    <a:lnL algn="ctr" cmpd="sng" cap="flat" w="0">
-                      <a:noFill/>
-                      <a:prstDash val="solid"/>
-                    </a:lnL>
-                    <a:lnR algn="ctr" cmpd="sng" cap="flat" w="0">
-                      <a:noFill/>
-                      <a:prstDash val="solid"/>
-                    </a:lnR>
-                    <a:lnT algn="ctr" cmpd="sng" cap="flat" w="9525">
-                      <a:solidFill>
-                        <a:srgbClr val="666666">
-                          <a:alpha val="100000"/>
-                        </a:srgbClr>
-                      </a:solidFill>
-                      <a:prstDash val="solid"/>
-                    </a:lnT>
-                    <a:lnB algn="ctr" cmpd="sng" cap="flat" w="9525">
-                      <a:solidFill>
-                        <a:srgbClr val="666666">
-                          <a:alpha val="100000"/>
-                        </a:srgbClr>
-                      </a:solidFill>
-                      <a:prstDash val="solid"/>
-                    </a:lnB>
-                    <a:solidFill>
-                      <a:srgbClr val="FFFFFF">
-                        <a:alpha val="0"/>
-                      </a:srgbClr>
-                    </a:solidFill>
-                  </a:tcPr>
-                </a:tc>
-                <a:tc>
-                  <a:txBody>
-                    <a:bodyPr/>
-                    <a:lstStyle/>
-                    <a:p>
-                      <a:pPr algn="l" marL="63500" marR="63500">
-                        <a:lnSpc>
-                          <a:spcPct val="100000"/>
-                        </a:lnSpc>
-                        <a:spcBef>
-                          <a:spcPts val="500"/>
-                        </a:spcBef>
-                        <a:spcAft>
-                          <a:spcPts val="500"/>
-                        </a:spcAft>
-                        <a:buNone/>
-                      </a:pPr>
-                      <a:r>
-                        <a:rPr cap="none" sz="1100" i="0" b="0" u="none">
-                          <a:solidFill>
-                            <a:srgbClr val="000000">
-                              <a:alpha val="100000"/>
-                            </a:srgbClr>
-                          </a:solidFill>
-                          <a:latin typeface="DejaVu Sans"/>
-                          <a:cs typeface="DejaVu Sans"/>
-                          <a:ea typeface="DejaVu Sans"/>
-                          <a:sym typeface="DejaVu Sans"/>
-                        </a:rPr>
-                        <a:t>0.72</a:t>
+                        <a:t>0.71</a:t>
+                      </a:r>
+                    </a:p>
+                  </a:txBody>
+                  <a:tcPr anchor="ctr" marB="63500" marT="63500" marR="0" marL="0">
+                    <a:lnL algn="ctr" cmpd="sng" cap="flat" w="0">
+                      <a:noFill/>
+                      <a:prstDash val="solid"/>
+                    </a:lnL>
+                    <a:lnR algn="ctr" cmpd="sng" cap="flat" w="0">
+                      <a:noFill/>
+                      <a:prstDash val="solid"/>
+                    </a:lnR>
+                    <a:lnT algn="ctr" cmpd="sng" cap="flat" w="9525">
+                      <a:solidFill>
+                        <a:srgbClr val="666666">
+                          <a:alpha val="100000"/>
+                        </a:srgbClr>
+                      </a:solidFill>
+                      <a:prstDash val="solid"/>
+                    </a:lnT>
+                    <a:lnB algn="ctr" cmpd="sng" cap="flat" w="9525">
+                      <a:solidFill>
+                        <a:srgbClr val="666666">
+                          <a:alpha val="100000"/>
+                        </a:srgbClr>
+                      </a:solidFill>
+                      <a:prstDash val="solid"/>
+                    </a:lnB>
+                    <a:solidFill>
+                      <a:srgbClr val="FFFFFF">
+                        <a:alpha val="0"/>
+                      </a:srgbClr>
+                    </a:solidFill>
+                  </a:tcPr>
+                </a:tc>
+                <a:tc>
+                  <a:txBody>
+                    <a:bodyPr/>
+                    <a:lstStyle/>
+                    <a:p>
+                      <a:pPr algn="l" marL="63500" marR="63500">
+                        <a:lnSpc>
+                          <a:spcPct val="100000"/>
+                        </a:lnSpc>
+                        <a:spcBef>
+                          <a:spcPts val="500"/>
+                        </a:spcBef>
+                        <a:spcAft>
+                          <a:spcPts val="500"/>
+                        </a:spcAft>
+                        <a:buNone/>
+                      </a:pPr>
+                      <a:r>
+                        <a:rPr cap="none" sz="1100" i="0" b="0" u="none">
+                          <a:solidFill>
+                            <a:srgbClr val="000000">
+                              <a:alpha val="100000"/>
+                            </a:srgbClr>
+                          </a:solidFill>
+                          <a:latin typeface="DejaVu Sans"/>
+                          <a:cs typeface="DejaVu Sans"/>
+                          <a:ea typeface="DejaVu Sans"/>
+                          <a:sym typeface="DejaVu Sans"/>
+                        </a:rPr>
+                        <a:t>0.71</a:t>
                       </a:r>
                     </a:p>
                   </a:txBody>
@@ -7326,7 +7326,7 @@
                           <a:ea typeface="DejaVu Sans"/>
                           <a:sym typeface="DejaVu Sans"/>
                         </a:rPr>
-                        <a:t>0.079</a:t>
+                        <a:t>0.081</a:t>
                       </a:r>
                     </a:p>
                   </a:txBody>
@@ -7848,7 +7848,7 @@
                           <a:ea typeface="DejaVu Sans"/>
                           <a:sym typeface="DejaVu Sans"/>
                         </a:rPr>
-                        <a:t>0.049</a:t>
+                        <a:t>0.046</a:t>
                       </a:r>
                     </a:p>
                   </a:txBody>
@@ -7913,7 +7913,7 @@
                           <a:ea typeface="DejaVu Sans"/>
                           <a:sym typeface="DejaVu Sans"/>
                         </a:rPr>
-                        <a:t>0.17</a:t>
+                        <a:t>0.18</a:t>
                       </a:r>
                     </a:p>
                   </a:txBody>
@@ -8435,7 +8435,7 @@
                           <a:ea typeface="DejaVu Sans"/>
                           <a:sym typeface="DejaVu Sans"/>
                         </a:rPr>
-                        <a:t>0.23</a:t>
+                        <a:t>0.22</a:t>
                       </a:r>
                     </a:p>
                   </a:txBody>
@@ -8892,7 +8892,7 @@
                           <a:ea typeface="DejaVu Sans"/>
                           <a:sym typeface="DejaVu Sans"/>
                         </a:rPr>
-                        <a:t>0.041</a:t>
+                        <a:t>0.044</a:t>
                       </a:r>
                     </a:p>
                   </a:txBody>
@@ -8957,7 +8957,7 @@
                           <a:ea typeface="DejaVu Sans"/>
                           <a:sym typeface="DejaVu Sans"/>
                         </a:rPr>
-                        <a:t>0.17</a:t>
+                        <a:t>0.18</a:t>
                       </a:r>
                     </a:p>
                   </a:txBody>
@@ -9403,6 +9403,71 @@
                         <a:buNone/>
                       </a:pPr>
                       <a:r>
+                        <a:rPr cap="none" sz="1100" i="0" b="0" u="none">
+                          <a:solidFill>
+                            <a:srgbClr val="000000">
+                              <a:alpha val="100000"/>
+                            </a:srgbClr>
+                          </a:solidFill>
+                          <a:latin typeface="DejaVu Sans"/>
+                          <a:cs typeface="DejaVu Sans"/>
+                          <a:ea typeface="DejaVu Sans"/>
+                          <a:sym typeface="DejaVu Sans"/>
+                        </a:rPr>
+                        <a:t>0.050</a:t>
+                      </a:r>
+                    </a:p>
+                  </a:txBody>
+                  <a:tcPr anchor="ctr" marB="63500" marT="63500" marR="0" marL="0">
+                    <a:lnL algn="ctr" cmpd="sng" cap="flat" w="0">
+                      <a:noFill/>
+                      <a:prstDash val="solid"/>
+                    </a:lnL>
+                    <a:lnR algn="ctr" cmpd="sng" cap="flat" w="0">
+                      <a:noFill/>
+                      <a:prstDash val="solid"/>
+                    </a:lnR>
+                    <a:lnT algn="ctr" cmpd="sng" cap="flat" w="9525">
+                      <a:solidFill>
+                        <a:srgbClr val="666666">
+                          <a:alpha val="100000"/>
+                        </a:srgbClr>
+                      </a:solidFill>
+                      <a:prstDash val="solid"/>
+                    </a:lnT>
+                    <a:lnB algn="ctr" cmpd="sng" cap="flat" w="9525">
+                      <a:solidFill>
+                        <a:srgbClr val="666666">
+                          <a:alpha val="100000"/>
+                        </a:srgbClr>
+                      </a:solidFill>
+                      <a:prstDash val="solid"/>
+                    </a:lnB>
+                    <a:solidFill>
+                      <a:srgbClr val="FFFFFF">
+                        <a:alpha val="0"/>
+                      </a:srgbClr>
+                    </a:solidFill>
+                  </a:tcPr>
+                </a:tc>
+                <a:tc>
+                  <a:txBody>
+                    <a:bodyPr/>
+                    <a:lstStyle/>
+                    <a:p>
+                      <a:pPr algn="l" marL="63500" marR="63500">
+                        <a:lnSpc>
+                          <a:spcPct val="100000"/>
+                        </a:lnSpc>
+                        <a:spcBef>
+                          <a:spcPts val="500"/>
+                        </a:spcBef>
+                        <a:spcAft>
+                          <a:spcPts val="500"/>
+                        </a:spcAft>
+                        <a:buNone/>
+                      </a:pPr>
+                      <a:r>
                         <a:rPr cap="none" sz="1100" i="0" b="1" u="none">
                           <a:solidFill>
                             <a:srgbClr val="000000">
@@ -9414,72 +9479,7 @@
                           <a:ea typeface="DejaVu Sans"/>
                           <a:sym typeface="DejaVu Sans"/>
                         </a:rPr>
-                        <a:t>0.047</a:t>
-                      </a:r>
-                    </a:p>
-                  </a:txBody>
-                  <a:tcPr anchor="ctr" marB="63500" marT="63500" marR="0" marL="0">
-                    <a:lnL algn="ctr" cmpd="sng" cap="flat" w="0">
-                      <a:noFill/>
-                      <a:prstDash val="solid"/>
-                    </a:lnL>
-                    <a:lnR algn="ctr" cmpd="sng" cap="flat" w="0">
-                      <a:noFill/>
-                      <a:prstDash val="solid"/>
-                    </a:lnR>
-                    <a:lnT algn="ctr" cmpd="sng" cap="flat" w="9525">
-                      <a:solidFill>
-                        <a:srgbClr val="666666">
-                          <a:alpha val="100000"/>
-                        </a:srgbClr>
-                      </a:solidFill>
-                      <a:prstDash val="solid"/>
-                    </a:lnT>
-                    <a:lnB algn="ctr" cmpd="sng" cap="flat" w="9525">
-                      <a:solidFill>
-                        <a:srgbClr val="666666">
-                          <a:alpha val="100000"/>
-                        </a:srgbClr>
-                      </a:solidFill>
-                      <a:prstDash val="solid"/>
-                    </a:lnB>
-                    <a:solidFill>
-                      <a:srgbClr val="FFFFFF">
-                        <a:alpha val="0"/>
-                      </a:srgbClr>
-                    </a:solidFill>
-                  </a:tcPr>
-                </a:tc>
-                <a:tc>
-                  <a:txBody>
-                    <a:bodyPr/>
-                    <a:lstStyle/>
-                    <a:p>
-                      <a:pPr algn="l" marL="63500" marR="63500">
-                        <a:lnSpc>
-                          <a:spcPct val="100000"/>
-                        </a:lnSpc>
-                        <a:spcBef>
-                          <a:spcPts val="500"/>
-                        </a:spcBef>
-                        <a:spcAft>
-                          <a:spcPts val="500"/>
-                        </a:spcAft>
-                        <a:buNone/>
-                      </a:pPr>
-                      <a:r>
-                        <a:rPr cap="none" sz="1100" i="0" b="1" u="none">
-                          <a:solidFill>
-                            <a:srgbClr val="000000">
-                              <a:alpha val="100000"/>
-                            </a:srgbClr>
-                          </a:solidFill>
-                          <a:latin typeface="DejaVu Sans"/>
-                          <a:cs typeface="DejaVu Sans"/>
-                          <a:ea typeface="DejaVu Sans"/>
-                          <a:sym typeface="DejaVu Sans"/>
-                        </a:rPr>
-                        <a:t>0.17</a:t>
+                        <a:t>0.18</a:t>
                       </a:r>
                     </a:p>
                   </a:txBody>
@@ -9936,7 +9936,7 @@
                           <a:ea typeface="DejaVu Sans"/>
                           <a:sym typeface="DejaVu Sans"/>
                         </a:rPr>
-                        <a:t>0.061</a:t>
+                        <a:t>0.058</a:t>
                       </a:r>
                     </a:p>
                   </a:txBody>
@@ -10458,72 +10458,72 @@
                           <a:ea typeface="DejaVu Sans"/>
                           <a:sym typeface="DejaVu Sans"/>
                         </a:rPr>
+                        <a:t>0.70</a:t>
+                      </a:r>
+                    </a:p>
+                  </a:txBody>
+                  <a:tcPr anchor="ctr" marB="63500" marT="63500" marR="0" marL="0">
+                    <a:lnL algn="ctr" cmpd="sng" cap="flat" w="0">
+                      <a:noFill/>
+                      <a:prstDash val="solid"/>
+                    </a:lnL>
+                    <a:lnR algn="ctr" cmpd="sng" cap="flat" w="0">
+                      <a:noFill/>
+                      <a:prstDash val="solid"/>
+                    </a:lnR>
+                    <a:lnT algn="ctr" cmpd="sng" cap="flat" w="9525">
+                      <a:solidFill>
+                        <a:srgbClr val="666666">
+                          <a:alpha val="100000"/>
+                        </a:srgbClr>
+                      </a:solidFill>
+                      <a:prstDash val="solid"/>
+                    </a:lnT>
+                    <a:lnB algn="ctr" cmpd="sng" cap="flat" w="9525">
+                      <a:solidFill>
+                        <a:srgbClr val="666666">
+                          <a:alpha val="100000"/>
+                        </a:srgbClr>
+                      </a:solidFill>
+                      <a:prstDash val="solid"/>
+                    </a:lnB>
+                    <a:solidFill>
+                      <a:srgbClr val="FFFFFF">
+                        <a:alpha val="0"/>
+                      </a:srgbClr>
+                    </a:solidFill>
+                  </a:tcPr>
+                </a:tc>
+                <a:tc>
+                  <a:txBody>
+                    <a:bodyPr/>
+                    <a:lstStyle/>
+                    <a:p>
+                      <a:pPr algn="l" marL="63500" marR="63500">
+                        <a:lnSpc>
+                          <a:spcPct val="100000"/>
+                        </a:lnSpc>
+                        <a:spcBef>
+                          <a:spcPts val="500"/>
+                        </a:spcBef>
+                        <a:spcAft>
+                          <a:spcPts val="500"/>
+                        </a:spcAft>
+                        <a:buNone/>
+                      </a:pPr>
+                      <a:r>
+                        <a:rPr cap="none" sz="1100" i="0" b="0" u="none">
+                          <a:solidFill>
+                            <a:srgbClr val="000000">
+                              <a:alpha val="100000"/>
+                            </a:srgbClr>
+                          </a:solidFill>
+                          <a:latin typeface="DejaVu Sans"/>
+                          <a:cs typeface="DejaVu Sans"/>
+                          <a:ea typeface="DejaVu Sans"/>
+                          <a:sym typeface="DejaVu Sans"/>
+                        </a:rPr>
                         <a:t>0.71</a:t>
-                      </a:r>
-                    </a:p>
-                  </a:txBody>
-                  <a:tcPr anchor="ctr" marB="63500" marT="63500" marR="0" marL="0">
-                    <a:lnL algn="ctr" cmpd="sng" cap="flat" w="0">
-                      <a:noFill/>
-                      <a:prstDash val="solid"/>
-                    </a:lnL>
-                    <a:lnR algn="ctr" cmpd="sng" cap="flat" w="0">
-                      <a:noFill/>
-                      <a:prstDash val="solid"/>
-                    </a:lnR>
-                    <a:lnT algn="ctr" cmpd="sng" cap="flat" w="9525">
-                      <a:solidFill>
-                        <a:srgbClr val="666666">
-                          <a:alpha val="100000"/>
-                        </a:srgbClr>
-                      </a:solidFill>
-                      <a:prstDash val="solid"/>
-                    </a:lnT>
-                    <a:lnB algn="ctr" cmpd="sng" cap="flat" w="9525">
-                      <a:solidFill>
-                        <a:srgbClr val="666666">
-                          <a:alpha val="100000"/>
-                        </a:srgbClr>
-                      </a:solidFill>
-                      <a:prstDash val="solid"/>
-                    </a:lnB>
-                    <a:solidFill>
-                      <a:srgbClr val="FFFFFF">
-                        <a:alpha val="0"/>
-                      </a:srgbClr>
-                    </a:solidFill>
-                  </a:tcPr>
-                </a:tc>
-                <a:tc>
-                  <a:txBody>
-                    <a:bodyPr/>
-                    <a:lstStyle/>
-                    <a:p>
-                      <a:pPr algn="l" marL="63500" marR="63500">
-                        <a:lnSpc>
-                          <a:spcPct val="100000"/>
-                        </a:lnSpc>
-                        <a:spcBef>
-                          <a:spcPts val="500"/>
-                        </a:spcBef>
-                        <a:spcAft>
-                          <a:spcPts val="500"/>
-                        </a:spcAft>
-                        <a:buNone/>
-                      </a:pPr>
-                      <a:r>
-                        <a:rPr cap="none" sz="1100" i="0" b="0" u="none">
-                          <a:solidFill>
-                            <a:srgbClr val="000000">
-                              <a:alpha val="100000"/>
-                            </a:srgbClr>
-                          </a:solidFill>
-                          <a:latin typeface="DejaVu Sans"/>
-                          <a:cs typeface="DejaVu Sans"/>
-                          <a:ea typeface="DejaVu Sans"/>
-                          <a:sym typeface="DejaVu Sans"/>
-                        </a:rPr>
-                        <a:t>0.72</a:t>
                       </a:r>
                     </a:p>
                   </a:txBody>
@@ -10980,72 +10980,72 @@
                           <a:ea typeface="DejaVu Sans"/>
                           <a:sym typeface="DejaVu Sans"/>
                         </a:rPr>
-                        <a:t>0.35</a:t>
-                      </a:r>
-                    </a:p>
-                  </a:txBody>
-                  <a:tcPr anchor="ctr" marB="63500" marT="63500" marR="0" marL="0">
-                    <a:lnL algn="ctr" cmpd="sng" cap="flat" w="0">
-                      <a:noFill/>
-                      <a:prstDash val="solid"/>
-                    </a:lnL>
-                    <a:lnR algn="ctr" cmpd="sng" cap="flat" w="0">
-                      <a:noFill/>
-                      <a:prstDash val="solid"/>
-                    </a:lnR>
-                    <a:lnT algn="ctr" cmpd="sng" cap="flat" w="9525">
-                      <a:solidFill>
-                        <a:srgbClr val="666666">
-                          <a:alpha val="100000"/>
-                        </a:srgbClr>
-                      </a:solidFill>
-                      <a:prstDash val="solid"/>
-                    </a:lnT>
-                    <a:lnB algn="ctr" cmpd="sng" cap="flat" w="9525">
-                      <a:solidFill>
-                        <a:srgbClr val="666666">
-                          <a:alpha val="100000"/>
-                        </a:srgbClr>
-                      </a:solidFill>
-                      <a:prstDash val="solid"/>
-                    </a:lnB>
-                    <a:solidFill>
-                      <a:srgbClr val="FFFFFF">
-                        <a:alpha val="0"/>
-                      </a:srgbClr>
-                    </a:solidFill>
-                  </a:tcPr>
-                </a:tc>
-                <a:tc>
-                  <a:txBody>
-                    <a:bodyPr/>
-                    <a:lstStyle/>
-                    <a:p>
-                      <a:pPr algn="l" marL="63500" marR="63500">
-                        <a:lnSpc>
-                          <a:spcPct val="100000"/>
-                        </a:lnSpc>
-                        <a:spcBef>
-                          <a:spcPts val="500"/>
-                        </a:spcBef>
-                        <a:spcAft>
-                          <a:spcPts val="500"/>
-                        </a:spcAft>
-                        <a:buNone/>
-                      </a:pPr>
-                      <a:r>
-                        <a:rPr cap="none" sz="1100" i="0" b="0" u="none">
-                          <a:solidFill>
-                            <a:srgbClr val="000000">
-                              <a:alpha val="100000"/>
-                            </a:srgbClr>
-                          </a:solidFill>
-                          <a:latin typeface="DejaVu Sans"/>
-                          <a:cs typeface="DejaVu Sans"/>
-                          <a:ea typeface="DejaVu Sans"/>
-                          <a:sym typeface="DejaVu Sans"/>
-                        </a:rPr>
-                        <a:t>0.40</a:t>
+                        <a:t>0.34</a:t>
+                      </a:r>
+                    </a:p>
+                  </a:txBody>
+                  <a:tcPr anchor="ctr" marB="63500" marT="63500" marR="0" marL="0">
+                    <a:lnL algn="ctr" cmpd="sng" cap="flat" w="0">
+                      <a:noFill/>
+                      <a:prstDash val="solid"/>
+                    </a:lnL>
+                    <a:lnR algn="ctr" cmpd="sng" cap="flat" w="0">
+                      <a:noFill/>
+                      <a:prstDash val="solid"/>
+                    </a:lnR>
+                    <a:lnT algn="ctr" cmpd="sng" cap="flat" w="9525">
+                      <a:solidFill>
+                        <a:srgbClr val="666666">
+                          <a:alpha val="100000"/>
+                        </a:srgbClr>
+                      </a:solidFill>
+                      <a:prstDash val="solid"/>
+                    </a:lnT>
+                    <a:lnB algn="ctr" cmpd="sng" cap="flat" w="9525">
+                      <a:solidFill>
+                        <a:srgbClr val="666666">
+                          <a:alpha val="100000"/>
+                        </a:srgbClr>
+                      </a:solidFill>
+                      <a:prstDash val="solid"/>
+                    </a:lnB>
+                    <a:solidFill>
+                      <a:srgbClr val="FFFFFF">
+                        <a:alpha val="0"/>
+                      </a:srgbClr>
+                    </a:solidFill>
+                  </a:tcPr>
+                </a:tc>
+                <a:tc>
+                  <a:txBody>
+                    <a:bodyPr/>
+                    <a:lstStyle/>
+                    <a:p>
+                      <a:pPr algn="l" marL="63500" marR="63500">
+                        <a:lnSpc>
+                          <a:spcPct val="100000"/>
+                        </a:lnSpc>
+                        <a:spcBef>
+                          <a:spcPts val="500"/>
+                        </a:spcBef>
+                        <a:spcAft>
+                          <a:spcPts val="500"/>
+                        </a:spcAft>
+                        <a:buNone/>
+                      </a:pPr>
+                      <a:r>
+                        <a:rPr cap="none" sz="1100" i="0" b="0" u="none">
+                          <a:solidFill>
+                            <a:srgbClr val="000000">
+                              <a:alpha val="100000"/>
+                            </a:srgbClr>
+                          </a:solidFill>
+                          <a:latin typeface="DejaVu Sans"/>
+                          <a:cs typeface="DejaVu Sans"/>
+                          <a:ea typeface="DejaVu Sans"/>
+                          <a:sym typeface="DejaVu Sans"/>
+                        </a:rPr>
+                        <a:t>0.39</a:t>
                       </a:r>
                     </a:p>
                   </a:txBody>
@@ -11502,7 +11502,7 @@
                           <a:ea typeface="DejaVu Sans"/>
                           <a:sym typeface="DejaVu Sans"/>
                         </a:rPr>
-                        <a:t>0.31</a:t>
+                        <a:t>0.33</a:t>
                       </a:r>
                     </a:p>
                   </a:txBody>
@@ -12089,7 +12089,7 @@
                           <a:ea typeface="DejaVu Sans"/>
                           <a:sym typeface="DejaVu Sans"/>
                         </a:rPr>
-                        <a:t>0.30</a:t>
+                        <a:t>0.31</a:t>
                       </a:r>
                     </a:p>
                   </a:txBody>
@@ -12611,7 +12611,7 @@
                           <a:ea typeface="DejaVu Sans"/>
                           <a:sym typeface="DejaVu Sans"/>
                         </a:rPr>
-                        <a:t>0.24</a:t>
+                        <a:t>0.23</a:t>
                       </a:r>
                     </a:p>
                   </a:txBody>
@@ -13068,7 +13068,7 @@
                           <a:ea typeface="DejaVu Sans"/>
                           <a:sym typeface="DejaVu Sans"/>
                         </a:rPr>
-                        <a:t>0.0010</a:t>
+                        <a:t>0.0019</a:t>
                       </a:r>
                     </a:p>
                   </a:txBody>
@@ -13133,7 +13133,7 @@
                           <a:ea typeface="DejaVu Sans"/>
                           <a:sym typeface="DejaVu Sans"/>
                         </a:rPr>
-                        <a:t>0.021</a:t>
+                        <a:t>0.040</a:t>
                       </a:r>
                     </a:p>
                   </a:txBody>
@@ -13590,7 +13590,7 @@
                           <a:ea typeface="DejaVu Sans"/>
                           <a:sym typeface="DejaVu Sans"/>
                         </a:rPr>
-                        <a:t>0.019</a:t>
+                        <a:t>0.022</a:t>
                       </a:r>
                     </a:p>
                   </a:txBody>
@@ -13655,7 +13655,7 @@
                           <a:ea typeface="DejaVu Sans"/>
                           <a:sym typeface="DejaVu Sans"/>
                         </a:rPr>
-                        <a:t>0.17</a:t>
+                        <a:t>0.18</a:t>
                       </a:r>
                     </a:p>
                   </a:txBody>

--- a/Tables/Metabeast.pptx
+++ b/Tables/Metabeast.pptx
@@ -8892,7 +8892,7 @@
                           <a:ea typeface="DejaVu Sans"/>
                           <a:sym typeface="DejaVu Sans"/>
                         </a:rPr>
-                        <a:t>0.044</a:t>
+                        <a:t>0.045</a:t>
                       </a:r>
                     </a:p>
                   </a:txBody>
